--- a/MCFP.pptx
+++ b/MCFP.pptx
@@ -3605,6 +3605,9 @@
                 <a:endParaRPr lang="en-US" dirty="0"/>
               </a:p>
               <a:p>
+                <a:pPr marL="0" indent="0">
+                  <a:buNone/>
+                </a:pPr>
                 <a:endParaRPr lang="en-US" dirty="0"/>
               </a:p>
               <a:p>
@@ -4226,214 +4229,98 @@
               <a:p>
                 <a14:m>
                   <m:oMath xmlns:m="http://schemas.openxmlformats.org/officeDocument/2006/math">
-                    <m:r>
-                      <a:rPr lang="en-GB" b="0" i="1" smtClean="0">
-                        <a:latin typeface="Cambria Math" panose="02040503050406030204" pitchFamily="18" charset="0"/>
-                      </a:rPr>
-                      <m:t>𝑥</m:t>
-                    </m:r>
-                    <m:r>
-                      <a:rPr lang="en-GB" b="0" i="1" smtClean="0">
-                        <a:latin typeface="Cambria Math" panose="02040503050406030204" pitchFamily="18" charset="0"/>
-                      </a:rPr>
-                      <m:t>=</m:t>
-                    </m:r>
-                    <m:d>
-                      <m:dPr>
+                    <m:sSub>
+                      <m:sSubPr>
                         <m:ctrlPr>
-                          <a:rPr lang="en-GB" b="0" i="1" smtClean="0">
+                          <a:rPr lang="en-GB" i="1" dirty="0">
                             <a:latin typeface="Cambria Math" panose="02040503050406030204" pitchFamily="18" charset="0"/>
+                            <a:ea typeface="Cambria Math" panose="02040503050406030204" pitchFamily="18" charset="0"/>
                           </a:rPr>
                         </m:ctrlPr>
-                      </m:dPr>
+                      </m:sSubPr>
                       <m:e>
-                        <m:m>
-                          <m:mPr>
-                            <m:mcs>
-                              <m:mc>
-                                <m:mcPr>
-                                  <m:count m:val="1"/>
-                                  <m:mcJc m:val="center"/>
-                                </m:mcPr>
-                              </m:mc>
-                            </m:mcs>
-                            <m:ctrlPr>
-                              <a:rPr lang="en-GB" i="1">
-                                <a:latin typeface="Cambria Math" panose="02040503050406030204" pitchFamily="18" charset="0"/>
-                              </a:rPr>
-                            </m:ctrlPr>
-                          </m:mPr>
-                          <m:mr>
-                            <m:e>
-                              <m:r>
-                                <m:rPr>
-                                  <m:brk m:alnAt="7"/>
-                                </m:rPr>
-                                <a:rPr lang="en-GB" i="1">
-                                  <a:latin typeface="Cambria Math" panose="02040503050406030204" pitchFamily="18" charset="0"/>
-                                </a:rPr>
-                                <m:t>𝑥</m:t>
-                              </m:r>
-                              <m:r>
-                                <a:rPr lang="en-GB" i="1">
-                                  <a:latin typeface="Cambria Math" panose="02040503050406030204" pitchFamily="18" charset="0"/>
-                                </a:rPr>
-                                <m:t>(</m:t>
-                              </m:r>
-                              <m:sSub>
-                                <m:sSubPr>
-                                  <m:ctrlPr>
-                                    <a:rPr lang="en-GB" i="1">
-                                      <a:latin typeface="Cambria Math" panose="02040503050406030204" pitchFamily="18" charset="0"/>
-                                    </a:rPr>
-                                  </m:ctrlPr>
-                                </m:sSubPr>
-                                <m:e>
-                                  <m:r>
-                                    <a:rPr lang="en-GB" i="1">
-                                      <a:latin typeface="Cambria Math" panose="02040503050406030204" pitchFamily="18" charset="0"/>
-                                    </a:rPr>
-                                    <m:t>𝑝</m:t>
-                                  </m:r>
-                                </m:e>
-                                <m:sub>
-                                  <m:r>
-                                    <a:rPr lang="en-GB" i="1">
-                                      <a:latin typeface="Cambria Math" panose="02040503050406030204" pitchFamily="18" charset="0"/>
-                                    </a:rPr>
-                                    <m:t>1</m:t>
-                                  </m:r>
-                                </m:sub>
-                              </m:sSub>
-                              <m:r>
-                                <m:rPr>
-                                  <m:brk m:alnAt="7"/>
-                                </m:rPr>
-                                <a:rPr lang="en-GB" i="1">
-                                  <a:latin typeface="Cambria Math" panose="02040503050406030204" pitchFamily="18" charset="0"/>
-                                </a:rPr>
-                                <m:t>)</m:t>
-                              </m:r>
-                            </m:e>
-                          </m:mr>
-                          <m:mr>
-                            <m:e>
-                              <m:m>
-                                <m:mPr>
-                                  <m:mcs>
-                                    <m:mc>
-                                      <m:mcPr>
-                                        <m:count m:val="1"/>
-                                        <m:mcJc m:val="center"/>
-                                      </m:mcPr>
-                                    </m:mc>
-                                  </m:mcs>
-                                  <m:ctrlPr>
-                                    <a:rPr lang="en-GB" i="1">
-                                      <a:latin typeface="Cambria Math" panose="02040503050406030204" pitchFamily="18" charset="0"/>
-                                    </a:rPr>
-                                  </m:ctrlPr>
-                                </m:mPr>
-                                <m:mr>
-                                  <m:e>
-                                    <m:r>
-                                      <m:rPr>
-                                        <m:brk m:alnAt="7"/>
-                                      </m:rPr>
-                                      <a:rPr lang="en-GB" i="1">
-                                        <a:latin typeface="Cambria Math" panose="02040503050406030204" pitchFamily="18" charset="0"/>
-                                      </a:rPr>
-                                      <m:t>.</m:t>
-                                    </m:r>
-                                  </m:e>
-                                </m:mr>
-                                <m:mr>
-                                  <m:e>
-                                    <m:r>
-                                      <a:rPr lang="en-GB" i="1">
-                                        <a:latin typeface="Cambria Math" panose="02040503050406030204" pitchFamily="18" charset="0"/>
-                                      </a:rPr>
-                                      <m:t>.</m:t>
-                                    </m:r>
-                                  </m:e>
-                                </m:mr>
-                                <m:mr>
-                                  <m:e>
-                                    <m:r>
-                                      <a:rPr lang="en-GB" i="1">
-                                        <a:latin typeface="Cambria Math" panose="02040503050406030204" pitchFamily="18" charset="0"/>
-                                      </a:rPr>
-                                      <m:t>.</m:t>
-                                    </m:r>
-                                  </m:e>
-                                </m:mr>
-                              </m:m>
-                            </m:e>
-                          </m:mr>
-                          <m:mr>
-                            <m:e>
-                              <m:r>
-                                <a:rPr lang="en-GB" i="1">
-                                  <a:latin typeface="Cambria Math" panose="02040503050406030204" pitchFamily="18" charset="0"/>
-                                </a:rPr>
-                                <m:t>𝑥</m:t>
-                              </m:r>
-                              <m:r>
-                                <a:rPr lang="en-GB" i="1">
-                                  <a:latin typeface="Cambria Math" panose="02040503050406030204" pitchFamily="18" charset="0"/>
-                                </a:rPr>
-                                <m:t>(</m:t>
-                              </m:r>
-                              <m:sSub>
-                                <m:sSubPr>
-                                  <m:ctrlPr>
-                                    <a:rPr lang="en-GB" i="1">
-                                      <a:latin typeface="Cambria Math" panose="02040503050406030204" pitchFamily="18" charset="0"/>
-                                    </a:rPr>
-                                  </m:ctrlPr>
-                                </m:sSubPr>
-                                <m:e>
-                                  <m:r>
-                                    <a:rPr lang="en-GB" i="1">
-                                      <a:latin typeface="Cambria Math" panose="02040503050406030204" pitchFamily="18" charset="0"/>
-                                    </a:rPr>
-                                    <m:t>𝑝</m:t>
-                                  </m:r>
-                                </m:e>
-                                <m:sub>
-                                  <m:r>
-                                    <a:rPr lang="en-GB" i="1">
-                                      <a:latin typeface="Cambria Math" panose="02040503050406030204" pitchFamily="18" charset="0"/>
-                                    </a:rPr>
-                                    <m:t>|</m:t>
-                                  </m:r>
-                                  <m:r>
-                                    <a:rPr lang="en-GB" i="1">
-                                      <a:latin typeface="Cambria Math" panose="02040503050406030204" pitchFamily="18" charset="0"/>
-                                    </a:rPr>
-                                    <m:t>𝑃</m:t>
-                                  </m:r>
-                                  <m:r>
-                                    <a:rPr lang="en-GB" i="1">
-                                      <a:latin typeface="Cambria Math" panose="02040503050406030204" pitchFamily="18" charset="0"/>
-                                    </a:rPr>
-                                    <m:t>|</m:t>
-                                  </m:r>
-                                </m:sub>
-                              </m:sSub>
-                              <m:r>
-                                <a:rPr lang="en-GB" i="1">
-                                  <a:latin typeface="Cambria Math" panose="02040503050406030204" pitchFamily="18" charset="0"/>
-                                </a:rPr>
-                                <m:t>)</m:t>
-                              </m:r>
-                            </m:e>
-                          </m:mr>
-                        </m:m>
+                        <m:r>
+                          <a:rPr lang="en-GB" i="1" dirty="0">
+                            <a:latin typeface="Cambria Math" panose="02040503050406030204" pitchFamily="18" charset="0"/>
+                            <a:ea typeface="Cambria Math" panose="02040503050406030204" pitchFamily="18" charset="0"/>
+                          </a:rPr>
+                          <m:t>𝑃</m:t>
+                        </m:r>
                       </m:e>
-                    </m:d>
+                      <m:sub>
+                        <m:r>
+                          <a:rPr lang="en-GB" i="1" dirty="0">
+                            <a:latin typeface="Cambria Math" panose="02040503050406030204" pitchFamily="18" charset="0"/>
+                            <a:ea typeface="Cambria Math" panose="02040503050406030204" pitchFamily="18" charset="0"/>
+                          </a:rPr>
+                          <m:t>𝑒</m:t>
+                        </m:r>
+                      </m:sub>
+                    </m:sSub>
+                    <m:r>
+                      <a:rPr lang="en-GB" i="1" dirty="0">
+                        <a:latin typeface="Cambria Math" panose="02040503050406030204" pitchFamily="18" charset="0"/>
+                        <a:ea typeface="Cambria Math" panose="02040503050406030204" pitchFamily="18" charset="0"/>
+                      </a:rPr>
+                      <m:t>={</m:t>
+                    </m:r>
+                    <m:r>
+                      <a:rPr lang="en-GB" i="1" dirty="0">
+                        <a:latin typeface="Cambria Math" panose="02040503050406030204" pitchFamily="18" charset="0"/>
+                        <a:ea typeface="Cambria Math" panose="02040503050406030204" pitchFamily="18" charset="0"/>
+                      </a:rPr>
+                      <m:t>𝑝</m:t>
+                    </m:r>
+                    <m:r>
+                      <a:rPr lang="en-GB" i="1" dirty="0">
+                        <a:latin typeface="Cambria Math" panose="02040503050406030204" pitchFamily="18" charset="0"/>
+                        <a:ea typeface="Cambria Math" panose="02040503050406030204" pitchFamily="18" charset="0"/>
+                      </a:rPr>
+                      <m:t>∈</m:t>
+                    </m:r>
+                    <m:r>
+                      <a:rPr lang="en-GB" i="1" dirty="0">
+                        <a:latin typeface="Cambria Math" panose="02040503050406030204" pitchFamily="18" charset="0"/>
+                        <a:ea typeface="Cambria Math" panose="02040503050406030204" pitchFamily="18" charset="0"/>
+                      </a:rPr>
+                      <m:t>𝑃</m:t>
+                    </m:r>
+                    <m:r>
+                      <a:rPr lang="en-GB" i="1" dirty="0">
+                        <a:latin typeface="Cambria Math" panose="02040503050406030204" pitchFamily="18" charset="0"/>
+                        <a:ea typeface="Cambria Math" panose="02040503050406030204" pitchFamily="18" charset="0"/>
+                      </a:rPr>
+                      <m:t>:</m:t>
+                    </m:r>
+                    <m:r>
+                      <a:rPr lang="en-GB" i="1" dirty="0">
+                        <a:latin typeface="Cambria Math" panose="02040503050406030204" pitchFamily="18" charset="0"/>
+                        <a:ea typeface="Cambria Math" panose="02040503050406030204" pitchFamily="18" charset="0"/>
+                      </a:rPr>
+                      <m:t>𝑒</m:t>
+                    </m:r>
+                    <m:r>
+                      <a:rPr lang="en-GB" i="1" dirty="0">
+                        <a:latin typeface="Cambria Math" panose="02040503050406030204" pitchFamily="18" charset="0"/>
+                        <a:ea typeface="Cambria Math" panose="02040503050406030204" pitchFamily="18" charset="0"/>
+                      </a:rPr>
+                      <m:t>∈</m:t>
+                    </m:r>
+                    <m:r>
+                      <a:rPr lang="en-GB" i="1" dirty="0">
+                        <a:latin typeface="Cambria Math" panose="02040503050406030204" pitchFamily="18" charset="0"/>
+                        <a:ea typeface="Cambria Math" panose="02040503050406030204" pitchFamily="18" charset="0"/>
+                      </a:rPr>
+                      <m:t>𝑝</m:t>
+                    </m:r>
                   </m:oMath>
                 </a14:m>
+                <a:r>
+                  <a:rPr lang="en-GB" dirty="0"/>
+                  <a:t>}</a:t>
+                </a:r>
+              </a:p>
+              <a:p>
                 <a:endParaRPr lang="en-GB" dirty="0"/>
               </a:p>
               <a:p>
@@ -4702,336 +4589,178 @@
                         </m:nary>
                       </m:e>
                     </m:func>
+                    <m:r>
+                      <a:rPr lang="en-GB" b="0" i="1" smtClean="0">
+                        <a:latin typeface="Cambria Math" panose="02040503050406030204" pitchFamily="18" charset="0"/>
+                      </a:rPr>
+                      <m:t> </m:t>
+                    </m:r>
+                    <m:r>
+                      <a:rPr lang="en-GB" b="0" i="1" smtClean="0">
+                        <a:latin typeface="Cambria Math" panose="02040503050406030204" pitchFamily="18" charset="0"/>
+                      </a:rPr>
+                      <m:t>𝑠</m:t>
+                    </m:r>
+                    <m:r>
+                      <a:rPr lang="en-GB" b="0" i="1" smtClean="0">
+                        <a:latin typeface="Cambria Math" panose="02040503050406030204" pitchFamily="18" charset="0"/>
+                      </a:rPr>
+                      <m:t>.</m:t>
+                    </m:r>
+                    <m:r>
+                      <a:rPr lang="en-GB" b="0" i="1" smtClean="0">
+                        <a:latin typeface="Cambria Math" panose="02040503050406030204" pitchFamily="18" charset="0"/>
+                      </a:rPr>
+                      <m:t>𝑡</m:t>
+                    </m:r>
+                    <m:r>
+                      <a:rPr lang="en-GB" b="0" i="1" smtClean="0">
+                        <a:latin typeface="Cambria Math" panose="02040503050406030204" pitchFamily="18" charset="0"/>
+                      </a:rPr>
+                      <m:t>.    </m:t>
+                    </m:r>
+                    <m:nary>
+                      <m:naryPr>
+                        <m:chr m:val="∑"/>
+                        <m:limLoc m:val="undOvr"/>
+                        <m:grow m:val="on"/>
+                        <m:supHide m:val="on"/>
+                        <m:ctrlPr>
+                          <a:rPr lang="de-DE" i="1" dirty="0" smtClean="0">
+                            <a:latin typeface="Cambria Math" panose="02040503050406030204" pitchFamily="18" charset="0"/>
+                          </a:rPr>
+                        </m:ctrlPr>
+                      </m:naryPr>
+                      <m:sub>
+                        <m:r>
+                          <m:rPr>
+                            <m:sty m:val="p"/>
+                            <m:brk/>
+                            <m:aln/>
+                          </m:rPr>
+                          <a:rPr lang="en-GB" b="0" i="0" dirty="0" smtClean="0">
+                            <a:latin typeface="Cambria Math" panose="02040503050406030204" pitchFamily="18" charset="0"/>
+                          </a:rPr>
+                          <m:t>p</m:t>
+                        </m:r>
+                        <m:r>
+                          <a:rPr lang="de-DE" i="0" dirty="0">
+                            <a:latin typeface="Cambria Math" panose="02040503050406030204" pitchFamily="18" charset="0"/>
+                          </a:rPr>
+                          <m:t>∈</m:t>
+                        </m:r>
+                        <m:sSub>
+                          <m:sSubPr>
+                            <m:ctrlPr>
+                              <a:rPr lang="de-DE" i="1" dirty="0" smtClean="0">
+                                <a:latin typeface="Cambria Math" panose="02040503050406030204" pitchFamily="18" charset="0"/>
+                              </a:rPr>
+                            </m:ctrlPr>
+                          </m:sSubPr>
+                          <m:e>
+                            <m:r>
+                              <a:rPr lang="en-GB" b="0" i="1" dirty="0" smtClean="0">
+                                <a:latin typeface="Cambria Math" panose="02040503050406030204" pitchFamily="18" charset="0"/>
+                              </a:rPr>
+                              <m:t>𝑃</m:t>
+                            </m:r>
+                          </m:e>
+                          <m:sub>
+                            <m:r>
+                              <a:rPr lang="en-GB" b="0" i="1" dirty="0" smtClean="0">
+                                <a:latin typeface="Cambria Math" panose="02040503050406030204" pitchFamily="18" charset="0"/>
+                              </a:rPr>
+                              <m:t>𝑒</m:t>
+                            </m:r>
+                          </m:sub>
+                        </m:sSub>
+                      </m:sub>
+                      <m:sup/>
+                      <m:e>
+                        <m:r>
+                          <a:rPr lang="en-GB" b="0" i="1" dirty="0" smtClean="0">
+                            <a:latin typeface="Cambria Math" panose="02040503050406030204" pitchFamily="18" charset="0"/>
+                          </a:rPr>
+                          <m:t>𝑥</m:t>
+                        </m:r>
+                        <m:d>
+                          <m:dPr>
+                            <m:ctrlPr>
+                              <a:rPr lang="en-GB" b="0" i="1" dirty="0" smtClean="0">
+                                <a:latin typeface="Cambria Math" panose="02040503050406030204" pitchFamily="18" charset="0"/>
+                              </a:rPr>
+                            </m:ctrlPr>
+                          </m:dPr>
+                          <m:e>
+                            <m:r>
+                              <a:rPr lang="en-GB" b="0" i="1" dirty="0" smtClean="0">
+                                <a:latin typeface="Cambria Math" panose="02040503050406030204" pitchFamily="18" charset="0"/>
+                              </a:rPr>
+                              <m:t>𝑝</m:t>
+                            </m:r>
+                          </m:e>
+                        </m:d>
+                        <m:r>
+                          <a:rPr lang="en-GB" b="0" i="1" dirty="0" smtClean="0">
+                            <a:latin typeface="Cambria Math" panose="02040503050406030204" pitchFamily="18" charset="0"/>
+                            <a:ea typeface="Cambria Math" panose="02040503050406030204" pitchFamily="18" charset="0"/>
+                          </a:rPr>
+                          <m:t>≤</m:t>
+                        </m:r>
+                        <m:r>
+                          <a:rPr lang="en-GB" b="0" i="1" dirty="0" smtClean="0">
+                            <a:latin typeface="Cambria Math" panose="02040503050406030204" pitchFamily="18" charset="0"/>
+                            <a:ea typeface="Cambria Math" panose="02040503050406030204" pitchFamily="18" charset="0"/>
+                          </a:rPr>
+                          <m:t>𝑐</m:t>
+                        </m:r>
+                        <m:d>
+                          <m:dPr>
+                            <m:ctrlPr>
+                              <a:rPr lang="en-GB" b="0" i="1" dirty="0" smtClean="0">
+                                <a:latin typeface="Cambria Math" panose="02040503050406030204" pitchFamily="18" charset="0"/>
+                                <a:ea typeface="Cambria Math" panose="02040503050406030204" pitchFamily="18" charset="0"/>
+                              </a:rPr>
+                            </m:ctrlPr>
+                          </m:dPr>
+                          <m:e>
+                            <m:r>
+                              <a:rPr lang="en-GB" b="0" i="1" dirty="0" smtClean="0">
+                                <a:latin typeface="Cambria Math" panose="02040503050406030204" pitchFamily="18" charset="0"/>
+                                <a:ea typeface="Cambria Math" panose="02040503050406030204" pitchFamily="18" charset="0"/>
+                              </a:rPr>
+                              <m:t>𝑒</m:t>
+                            </m:r>
+                          </m:e>
+                        </m:d>
+                      </m:e>
+                    </m:nary>
+                    <m:r>
+                      <a:rPr lang="en-GB" b="0" i="1" dirty="0" smtClean="0">
+                        <a:latin typeface="Cambria Math" panose="02040503050406030204" pitchFamily="18" charset="0"/>
+                      </a:rPr>
+                      <m:t>, </m:t>
+                    </m:r>
+                    <m:r>
+                      <a:rPr lang="en-GB" b="0" i="1" dirty="0" smtClean="0">
+                        <a:latin typeface="Cambria Math" panose="02040503050406030204" pitchFamily="18" charset="0"/>
+                      </a:rPr>
+                      <m:t> </m:t>
+                    </m:r>
+                    <m:r>
+                      <a:rPr lang="en-GB" b="0" i="1" dirty="0" smtClean="0">
+                        <a:latin typeface="Cambria Math" panose="02040503050406030204" pitchFamily="18" charset="0"/>
+                      </a:rPr>
+                      <m:t>𝑥</m:t>
+                    </m:r>
+                    <m:r>
+                      <a:rPr lang="en-GB" b="0" i="1" dirty="0" smtClean="0">
+                        <a:latin typeface="Cambria Math" panose="02040503050406030204" pitchFamily="18" charset="0"/>
+                        <a:ea typeface="Cambria Math" panose="02040503050406030204" pitchFamily="18" charset="0"/>
+                      </a:rPr>
+                      <m:t>≥0</m:t>
+                    </m:r>
                   </m:oMath>
-                </a14:m>
-                <a:endParaRPr lang="en-GB" b="0" i="1" dirty="0">
-                  <a:latin typeface="Cambria Math" panose="02040503050406030204" pitchFamily="18" charset="0"/>
-                </a:endParaRPr>
-              </a:p>
-              <a:p>
-                <a:endParaRPr lang="en-GB" b="0" i="0" dirty="0">
-                  <a:latin typeface="Cambria Math" panose="02040503050406030204" pitchFamily="18" charset="0"/>
-                </a:endParaRPr>
-              </a:p>
-              <a:p>
-                <a14:m>
-                  <m:oMath xmlns:m="http://schemas.openxmlformats.org/officeDocument/2006/math">
-                    <m:r>
-                      <a:rPr lang="en-GB" b="0" i="0" smtClean="0">
-                        <a:latin typeface="Cambria Math" panose="02040503050406030204" pitchFamily="18" charset="0"/>
-                      </a:rPr>
-                      <m:t> </m:t>
-                    </m:r>
-                    <m:r>
-                      <m:rPr>
-                        <m:sty m:val="p"/>
-                      </m:rPr>
-                      <a:rPr lang="en-GB" b="0" i="0" smtClean="0">
-                        <a:latin typeface="Cambria Math" panose="02040503050406030204" pitchFamily="18" charset="0"/>
-                      </a:rPr>
-                      <m:t>w</m:t>
-                    </m:r>
-                    <m:r>
-                      <a:rPr lang="en-GB" b="0" i="0" smtClean="0">
-                        <a:latin typeface="Cambria Math" panose="02040503050406030204" pitchFamily="18" charset="0"/>
-                      </a:rPr>
-                      <m:t>.</m:t>
-                    </m:r>
-                    <m:r>
-                      <m:rPr>
-                        <m:sty m:val="p"/>
-                      </m:rPr>
-                      <a:rPr lang="en-GB" b="0" i="0" smtClean="0">
-                        <a:latin typeface="Cambria Math" panose="02040503050406030204" pitchFamily="18" charset="0"/>
-                      </a:rPr>
-                      <m:t>r</m:t>
-                    </m:r>
-                    <m:r>
-                      <a:rPr lang="en-GB" b="0" i="0" smtClean="0">
-                        <a:latin typeface="Cambria Math" panose="02040503050406030204" pitchFamily="18" charset="0"/>
-                      </a:rPr>
-                      <m:t>.</m:t>
-                    </m:r>
-                    <m:r>
-                      <m:rPr>
-                        <m:sty m:val="p"/>
-                      </m:rPr>
-                      <a:rPr lang="en-GB" b="0" i="0" smtClean="0">
-                        <a:latin typeface="Cambria Math" panose="02040503050406030204" pitchFamily="18" charset="0"/>
-                      </a:rPr>
-                      <m:t>t</m:t>
-                    </m:r>
-                    <m:r>
-                      <a:rPr lang="en-GB" b="0" i="1" smtClean="0">
-                        <a:latin typeface="Cambria Math" panose="02040503050406030204" pitchFamily="18" charset="0"/>
-                      </a:rPr>
-                      <m:t>.  </m:t>
-                    </m:r>
-                  </m:oMath>
-                </a14:m>
-                <a:endParaRPr lang="en-GB" b="0" i="1" dirty="0">
-                  <a:latin typeface="Cambria Math" panose="02040503050406030204" pitchFamily="18" charset="0"/>
-                </a:endParaRPr>
-              </a:p>
-              <a:p>
-                <a:pPr marL="0" indent="0">
-                  <a:buNone/>
-                </a:pPr>
-                <a14:m>
-                  <m:oMathPara xmlns:m="http://schemas.openxmlformats.org/officeDocument/2006/math">
-                    <m:oMathParaPr>
-                      <m:jc m:val="centerGroup"/>
-                    </m:oMathParaPr>
-                    <m:oMath xmlns:m="http://schemas.openxmlformats.org/officeDocument/2006/math">
-                      <m:nary>
-                        <m:naryPr>
-                          <m:chr m:val="∑"/>
-                          <m:limLoc m:val="undOvr"/>
-                          <m:grow m:val="on"/>
-                          <m:supHide m:val="on"/>
-                          <m:ctrlPr>
-                            <a:rPr lang="de-DE" dirty="0" smtClean="0">
-                              <a:latin typeface="Cambria Math" panose="02040503050406030204" pitchFamily="18" charset="0"/>
-                            </a:rPr>
-                          </m:ctrlPr>
-                        </m:naryPr>
-                        <m:sub>
-                          <m:r>
-                            <m:rPr>
-                              <m:sty m:val="p"/>
-                              <m:brk/>
-                              <m:aln/>
-                            </m:rPr>
-                            <a:rPr lang="en-GB" b="0" i="0" dirty="0" smtClean="0">
-                              <a:latin typeface="Cambria Math" panose="02040503050406030204" pitchFamily="18" charset="0"/>
-                            </a:rPr>
-                            <m:t>p</m:t>
-                          </m:r>
-                          <m:r>
-                            <a:rPr lang="de-DE" i="0" dirty="0">
-                              <a:latin typeface="Cambria Math" panose="02040503050406030204" pitchFamily="18" charset="0"/>
-                            </a:rPr>
-                            <m:t>∈</m:t>
-                          </m:r>
-                          <m:sSub>
-                            <m:sSubPr>
-                              <m:ctrlPr>
-                                <a:rPr lang="de-DE" i="1" dirty="0" smtClean="0">
-                                  <a:latin typeface="Cambria Math" panose="02040503050406030204" pitchFamily="18" charset="0"/>
-                                </a:rPr>
-                              </m:ctrlPr>
-                            </m:sSubPr>
-                            <m:e>
-                              <m:r>
-                                <a:rPr lang="en-GB" b="0" i="1" dirty="0" smtClean="0">
-                                  <a:latin typeface="Cambria Math" panose="02040503050406030204" pitchFamily="18" charset="0"/>
-                                </a:rPr>
-                                <m:t>𝑃</m:t>
-                              </m:r>
-                            </m:e>
-                            <m:sub>
-                              <m:r>
-                                <a:rPr lang="en-GB" b="0" i="1" dirty="0" smtClean="0">
-                                  <a:latin typeface="Cambria Math" panose="02040503050406030204" pitchFamily="18" charset="0"/>
-                                </a:rPr>
-                                <m:t>𝑒</m:t>
-                              </m:r>
-                            </m:sub>
-                          </m:sSub>
-                        </m:sub>
-                        <m:sup/>
-                        <m:e>
-                          <m:r>
-                            <a:rPr lang="en-GB" b="0" i="1" dirty="0" smtClean="0">
-                              <a:latin typeface="Cambria Math" panose="02040503050406030204" pitchFamily="18" charset="0"/>
-                            </a:rPr>
-                            <m:t>𝑥</m:t>
-                          </m:r>
-                          <m:d>
-                            <m:dPr>
-                              <m:ctrlPr>
-                                <a:rPr lang="en-GB" b="0" i="1" dirty="0" smtClean="0">
-                                  <a:latin typeface="Cambria Math" panose="02040503050406030204" pitchFamily="18" charset="0"/>
-                                </a:rPr>
-                              </m:ctrlPr>
-                            </m:dPr>
-                            <m:e>
-                              <m:r>
-                                <a:rPr lang="en-GB" b="0" i="1" dirty="0" smtClean="0">
-                                  <a:latin typeface="Cambria Math" panose="02040503050406030204" pitchFamily="18" charset="0"/>
-                                </a:rPr>
-                                <m:t>𝑝</m:t>
-                              </m:r>
-                            </m:e>
-                          </m:d>
-                          <m:r>
-                            <a:rPr lang="en-GB" b="0" i="1" dirty="0" smtClean="0">
-                              <a:latin typeface="Cambria Math" panose="02040503050406030204" pitchFamily="18" charset="0"/>
-                              <a:ea typeface="Cambria Math" panose="02040503050406030204" pitchFamily="18" charset="0"/>
-                            </a:rPr>
-                            <m:t>≤</m:t>
-                          </m:r>
-                          <m:r>
-                            <a:rPr lang="en-GB" b="0" i="1" dirty="0" smtClean="0">
-                              <a:latin typeface="Cambria Math" panose="02040503050406030204" pitchFamily="18" charset="0"/>
-                              <a:ea typeface="Cambria Math" panose="02040503050406030204" pitchFamily="18" charset="0"/>
-                            </a:rPr>
-                            <m:t>𝑐</m:t>
-                          </m:r>
-                          <m:d>
-                            <m:dPr>
-                              <m:ctrlPr>
-                                <a:rPr lang="en-GB" b="0" i="1" dirty="0" smtClean="0">
-                                  <a:latin typeface="Cambria Math" panose="02040503050406030204" pitchFamily="18" charset="0"/>
-                                  <a:ea typeface="Cambria Math" panose="02040503050406030204" pitchFamily="18" charset="0"/>
-                                </a:rPr>
-                              </m:ctrlPr>
-                            </m:dPr>
-                            <m:e>
-                              <m:r>
-                                <a:rPr lang="en-GB" b="0" i="1" dirty="0" smtClean="0">
-                                  <a:latin typeface="Cambria Math" panose="02040503050406030204" pitchFamily="18" charset="0"/>
-                                  <a:ea typeface="Cambria Math" panose="02040503050406030204" pitchFamily="18" charset="0"/>
-                                </a:rPr>
-                                <m:t>𝑒</m:t>
-                              </m:r>
-                            </m:e>
-                          </m:d>
-                          <m:r>
-                            <a:rPr lang="en-GB" b="0" i="1" dirty="0" smtClean="0">
-                              <a:latin typeface="Cambria Math" panose="02040503050406030204" pitchFamily="18" charset="0"/>
-                              <a:ea typeface="Cambria Math" panose="02040503050406030204" pitchFamily="18" charset="0"/>
-                            </a:rPr>
-                            <m:t>, </m:t>
-                          </m:r>
-                          <m:r>
-                            <a:rPr lang="en-GB" b="0" i="1" dirty="0" smtClean="0">
-                              <a:latin typeface="Cambria Math" panose="02040503050406030204" pitchFamily="18" charset="0"/>
-                              <a:ea typeface="Cambria Math" panose="02040503050406030204" pitchFamily="18" charset="0"/>
-                            </a:rPr>
-                            <m:t>𝑤h𝑒𝑟𝑒</m:t>
-                          </m:r>
-                          <m:r>
-                            <a:rPr lang="en-GB" b="0" i="1" dirty="0" smtClean="0">
-                              <a:latin typeface="Cambria Math" panose="02040503050406030204" pitchFamily="18" charset="0"/>
-                              <a:ea typeface="Cambria Math" panose="02040503050406030204" pitchFamily="18" charset="0"/>
-                            </a:rPr>
-                            <m:t> </m:t>
-                          </m:r>
-                          <m:sSub>
-                            <m:sSubPr>
-                              <m:ctrlPr>
-                                <a:rPr lang="en-GB" b="0" i="1" dirty="0" smtClean="0">
-                                  <a:latin typeface="Cambria Math" panose="02040503050406030204" pitchFamily="18" charset="0"/>
-                                  <a:ea typeface="Cambria Math" panose="02040503050406030204" pitchFamily="18" charset="0"/>
-                                </a:rPr>
-                              </m:ctrlPr>
-                            </m:sSubPr>
-                            <m:e>
-                              <m:r>
-                                <a:rPr lang="en-GB" b="0" i="1" dirty="0" smtClean="0">
-                                  <a:latin typeface="Cambria Math" panose="02040503050406030204" pitchFamily="18" charset="0"/>
-                                  <a:ea typeface="Cambria Math" panose="02040503050406030204" pitchFamily="18" charset="0"/>
-                                </a:rPr>
-                                <m:t>𝑃</m:t>
-                              </m:r>
-                            </m:e>
-                            <m:sub>
-                              <m:r>
-                                <a:rPr lang="en-GB" b="0" i="1" dirty="0" smtClean="0">
-                                  <a:latin typeface="Cambria Math" panose="02040503050406030204" pitchFamily="18" charset="0"/>
-                                  <a:ea typeface="Cambria Math" panose="02040503050406030204" pitchFamily="18" charset="0"/>
-                                </a:rPr>
-                                <m:t>𝑒</m:t>
-                              </m:r>
-                            </m:sub>
-                          </m:sSub>
-                          <m:r>
-                            <a:rPr lang="en-GB" b="0" i="1" dirty="0" smtClean="0">
-                              <a:latin typeface="Cambria Math" panose="02040503050406030204" pitchFamily="18" charset="0"/>
-                              <a:ea typeface="Cambria Math" panose="02040503050406030204" pitchFamily="18" charset="0"/>
-                            </a:rPr>
-                            <m:t>={</m:t>
-                          </m:r>
-                          <m:r>
-                            <a:rPr lang="en-GB" b="0" i="1" dirty="0" smtClean="0">
-                              <a:latin typeface="Cambria Math" panose="02040503050406030204" pitchFamily="18" charset="0"/>
-                              <a:ea typeface="Cambria Math" panose="02040503050406030204" pitchFamily="18" charset="0"/>
-                            </a:rPr>
-                            <m:t>𝑝</m:t>
-                          </m:r>
-                          <m:r>
-                            <a:rPr lang="en-GB" b="0" i="1" dirty="0" smtClean="0">
-                              <a:latin typeface="Cambria Math" panose="02040503050406030204" pitchFamily="18" charset="0"/>
-                              <a:ea typeface="Cambria Math" panose="02040503050406030204" pitchFamily="18" charset="0"/>
-                            </a:rPr>
-                            <m:t>∈</m:t>
-                          </m:r>
-                          <m:r>
-                            <a:rPr lang="en-GB" b="0" i="1" dirty="0" smtClean="0">
-                              <a:latin typeface="Cambria Math" panose="02040503050406030204" pitchFamily="18" charset="0"/>
-                              <a:ea typeface="Cambria Math" panose="02040503050406030204" pitchFamily="18" charset="0"/>
-                            </a:rPr>
-                            <m:t>𝑃</m:t>
-                          </m:r>
-                          <m:r>
-                            <a:rPr lang="en-GB" b="0" i="1" dirty="0" smtClean="0">
-                              <a:latin typeface="Cambria Math" panose="02040503050406030204" pitchFamily="18" charset="0"/>
-                              <a:ea typeface="Cambria Math" panose="02040503050406030204" pitchFamily="18" charset="0"/>
-                            </a:rPr>
-                            <m:t>:</m:t>
-                          </m:r>
-                          <m:r>
-                            <a:rPr lang="en-GB" b="0" i="1" dirty="0" smtClean="0">
-                              <a:latin typeface="Cambria Math" panose="02040503050406030204" pitchFamily="18" charset="0"/>
-                              <a:ea typeface="Cambria Math" panose="02040503050406030204" pitchFamily="18" charset="0"/>
-                            </a:rPr>
-                            <m:t>𝑒</m:t>
-                          </m:r>
-                          <m:r>
-                            <a:rPr lang="en-GB" b="0" i="1" dirty="0" smtClean="0">
-                              <a:latin typeface="Cambria Math" panose="02040503050406030204" pitchFamily="18" charset="0"/>
-                              <a:ea typeface="Cambria Math" panose="02040503050406030204" pitchFamily="18" charset="0"/>
-                            </a:rPr>
-                            <m:t>∈</m:t>
-                          </m:r>
-                          <m:r>
-                            <a:rPr lang="en-GB" b="0" i="1" dirty="0" smtClean="0">
-                              <a:latin typeface="Cambria Math" panose="02040503050406030204" pitchFamily="18" charset="0"/>
-                              <a:ea typeface="Cambria Math" panose="02040503050406030204" pitchFamily="18" charset="0"/>
-                            </a:rPr>
-                            <m:t>𝑝</m:t>
-                          </m:r>
-                          <m:r>
-                            <a:rPr lang="en-GB" b="0" i="1" dirty="0" smtClean="0">
-                              <a:latin typeface="Cambria Math" panose="02040503050406030204" pitchFamily="18" charset="0"/>
-                              <a:ea typeface="Cambria Math" panose="02040503050406030204" pitchFamily="18" charset="0"/>
-                            </a:rPr>
-                            <m:t>}</m:t>
-                          </m:r>
-                        </m:e>
-                      </m:nary>
-                      <m:r>
-                        <a:rPr lang="en-GB" b="0" i="1" dirty="0" smtClean="0">
-                          <a:latin typeface="Cambria Math" panose="02040503050406030204" pitchFamily="18" charset="0"/>
-                        </a:rPr>
-                        <m:t>, </m:t>
-                      </m:r>
-                      <m:r>
-                        <a:rPr lang="en-GB" b="0" i="1" dirty="0" smtClean="0">
-                          <a:latin typeface="Cambria Math" panose="02040503050406030204" pitchFamily="18" charset="0"/>
-                        </a:rPr>
-                        <m:t>𝑥</m:t>
-                      </m:r>
-                      <m:r>
-                        <a:rPr lang="en-GB" b="0" i="1" dirty="0" smtClean="0">
-                          <a:latin typeface="Cambria Math" panose="02040503050406030204" pitchFamily="18" charset="0"/>
-                          <a:ea typeface="Cambria Math" panose="02040503050406030204" pitchFamily="18" charset="0"/>
-                        </a:rPr>
-                        <m:t>≥0</m:t>
-                      </m:r>
-                    </m:oMath>
-                  </m:oMathPara>
                 </a14:m>
                 <a:endParaRPr lang="en-GB" dirty="0"/>
               </a:p>
@@ -5156,8 +4885,8 @@
           </a:p>
         </p:txBody>
       </p:sp>
-      <mc:AlternateContent xmlns:mc="http://schemas.openxmlformats.org/markup-compatibility/2006">
-        <mc:Choice xmlns:a14="http://schemas.microsoft.com/office/drawing/2010/main" Requires="a14">
+      <mc:AlternateContent xmlns:mc="http://schemas.openxmlformats.org/markup-compatibility/2006" xmlns:a14="http://schemas.microsoft.com/office/drawing/2010/main">
+        <mc:Choice Requires="a14">
           <p:sp>
             <p:nvSpPr>
               <p:cNvPr id="3" name="Inhaltsplatzhalter 2">
@@ -5272,7 +5001,7 @@
             </p:txBody>
           </p:sp>
         </mc:Choice>
-        <mc:Fallback>
+        <mc:Fallback xmlns="">
           <p:sp>
             <p:nvSpPr>
               <p:cNvPr id="3" name="Inhaltsplatzhalter 2">

--- a/MCFP.pptx
+++ b/MCFP.pptx
@@ -3367,7 +3367,7 @@
             </a:br>
             <a:r>
               <a:rPr lang="en-US" dirty="0" err="1"/>
-              <a:t>Kolloqoium</a:t>
+              <a:t>Kolloquium</a:t>
             </a:r>
             <a:br>
               <a:rPr lang="en-US" dirty="0"/>
@@ -3467,8 +3467,8 @@
           </a:p>
         </p:txBody>
       </p:sp>
-      <mc:AlternateContent xmlns:mc="http://schemas.openxmlformats.org/markup-compatibility/2006">
-        <mc:Choice xmlns:a14="http://schemas.microsoft.com/office/drawing/2010/main" Requires="a14">
+      <mc:AlternateContent xmlns:mc="http://schemas.openxmlformats.org/markup-compatibility/2006" xmlns:a14="http://schemas.microsoft.com/office/drawing/2010/main">
+        <mc:Choice Requires="a14">
           <p:sp>
             <p:nvSpPr>
               <p:cNvPr id="3" name="Inhaltsplatzhalter 2">
@@ -3843,7 +3843,7 @@
             </p:txBody>
           </p:sp>
         </mc:Choice>
-        <mc:Fallback>
+        <mc:Fallback xmlns="">
           <p:sp>
             <p:nvSpPr>
               <p:cNvPr id="3" name="Inhaltsplatzhalter 2">
@@ -3942,8 +3942,8 @@
           </a:p>
         </p:txBody>
       </p:sp>
-      <mc:AlternateContent xmlns:mc="http://schemas.openxmlformats.org/markup-compatibility/2006">
-        <mc:Choice xmlns:a14="http://schemas.microsoft.com/office/drawing/2010/main" Requires="a14">
+      <mc:AlternateContent xmlns:mc="http://schemas.openxmlformats.org/markup-compatibility/2006" xmlns:a14="http://schemas.microsoft.com/office/drawing/2010/main">
+        <mc:Choice Requires="a14">
           <p:sp>
             <p:nvSpPr>
               <p:cNvPr id="3" name="Inhaltsplatzhalter 2">
@@ -4332,7 +4332,7 @@
             </p:txBody>
           </p:sp>
         </mc:Choice>
-        <mc:Fallback>
+        <mc:Fallback xmlns="">
           <p:sp>
             <p:nvSpPr>
               <p:cNvPr id="3" name="Inhaltsplatzhalter 2">
@@ -4456,311 +4456,316 @@
               </a:bodyPr>
               <a:lstStyle/>
               <a:p>
-                <a:pPr algn="just"/>
-                <a:endParaRPr lang="en-GB" b="0" i="1" dirty="0">
+                <a:r>
+                  <a:rPr lang="en-GB" b="0" dirty="0">
+                    <a:latin typeface="Cambria Math" panose="02040503050406030204" pitchFamily="18" charset="0"/>
+                  </a:rPr>
+                  <a:t>Primal Problem:</a:t>
+                </a:r>
+              </a:p>
+              <a:p>
+                <a:pPr marL="0" indent="0">
+                  <a:buNone/>
+                </a:pPr>
+                <a:endParaRPr lang="en-GB" b="0" dirty="0">
                   <a:latin typeface="Cambria Math" panose="02040503050406030204" pitchFamily="18" charset="0"/>
                 </a:endParaRPr>
               </a:p>
               <a:p>
-                <a:pPr algn="just"/>
-                <a:endParaRPr lang="en-GB" b="0" i="1" dirty="0">
-                  <a:latin typeface="Cambria Math" panose="02040503050406030204" pitchFamily="18" charset="0"/>
-                </a:endParaRPr>
-              </a:p>
-              <a:p>
-                <a:pPr algn="just"/>
+                <a:pPr marL="0" indent="0" algn="just">
+                  <a:buNone/>
+                </a:pPr>
                 <a14:m>
-                  <m:oMath xmlns:m="http://schemas.openxmlformats.org/officeDocument/2006/math">
-                    <m:func>
-                      <m:funcPr>
-                        <m:ctrlPr>
-                          <a:rPr lang="en-GB" b="0" i="1" smtClean="0">
-                            <a:latin typeface="Cambria Math" panose="02040503050406030204" pitchFamily="18" charset="0"/>
-                          </a:rPr>
-                        </m:ctrlPr>
-                      </m:funcPr>
-                      <m:fName>
-                        <m:sSub>
-                          <m:sSubPr>
-                            <m:ctrlPr>
-                              <a:rPr lang="en-GB" b="0" i="1" smtClean="0">
-                                <a:latin typeface="Cambria Math" panose="02040503050406030204" pitchFamily="18" charset="0"/>
-                              </a:rPr>
-                            </m:ctrlPr>
-                          </m:sSubPr>
-                          <m:e>
-                            <m:r>
-                              <m:rPr>
-                                <m:sty m:val="p"/>
-                              </m:rPr>
-                              <a:rPr lang="en-GB">
-                                <a:latin typeface="Cambria Math" panose="02040503050406030204" pitchFamily="18" charset="0"/>
-                              </a:rPr>
-                              <m:t>max</m:t>
-                            </m:r>
-                          </m:e>
-                          <m:sub>
-                            <m:r>
-                              <a:rPr lang="en-GB" b="0" i="1" smtClean="0">
-                                <a:latin typeface="Cambria Math" panose="02040503050406030204" pitchFamily="18" charset="0"/>
-                              </a:rPr>
-                              <m:t>𝑥</m:t>
-                            </m:r>
-                            <m:r>
-                              <a:rPr lang="en-GB" b="0" i="1" smtClean="0">
-                                <a:latin typeface="Cambria Math" panose="02040503050406030204" pitchFamily="18" charset="0"/>
-                                <a:ea typeface="Cambria Math" panose="02040503050406030204" pitchFamily="18" charset="0"/>
-                              </a:rPr>
-                              <m:t>∈</m:t>
-                            </m:r>
-                            <m:r>
-                              <a:rPr lang="en-GB" b="0" i="1" smtClean="0">
-                                <a:latin typeface="Cambria Math" panose="02040503050406030204" pitchFamily="18" charset="0"/>
-                                <a:ea typeface="Cambria Math" panose="02040503050406030204" pitchFamily="18" charset="0"/>
-                              </a:rPr>
-                              <m:t>𝑋</m:t>
-                            </m:r>
-                          </m:sub>
-                        </m:sSub>
-                      </m:fName>
-                      <m:e>
-                        <m:nary>
-                          <m:naryPr>
-                            <m:chr m:val="∑"/>
-                            <m:supHide m:val="on"/>
-                            <m:ctrlPr>
-                              <a:rPr lang="en-GB" i="1">
-                                <a:latin typeface="Cambria Math" panose="02040503050406030204" pitchFamily="18" charset="0"/>
-                              </a:rPr>
-                            </m:ctrlPr>
-                          </m:naryPr>
-                          <m:sub>
-                            <m:r>
-                              <m:rPr>
-                                <m:brk m:alnAt="7"/>
-                              </m:rPr>
-                              <a:rPr lang="en-GB" i="1">
-                                <a:latin typeface="Cambria Math" panose="02040503050406030204" pitchFamily="18" charset="0"/>
-                              </a:rPr>
-                              <m:t>𝑝</m:t>
-                            </m:r>
-                            <m:r>
-                              <a:rPr lang="en-GB" i="1">
-                                <a:latin typeface="Cambria Math" panose="02040503050406030204" pitchFamily="18" charset="0"/>
-                                <a:ea typeface="Cambria Math" panose="02040503050406030204" pitchFamily="18" charset="0"/>
-                              </a:rPr>
-                              <m:t>∈</m:t>
-                            </m:r>
-                            <m:r>
-                              <a:rPr lang="en-GB" i="1">
-                                <a:latin typeface="Cambria Math" panose="02040503050406030204" pitchFamily="18" charset="0"/>
-                                <a:ea typeface="Cambria Math" panose="02040503050406030204" pitchFamily="18" charset="0"/>
-                              </a:rPr>
-                              <m:t>𝑃</m:t>
-                            </m:r>
-                          </m:sub>
-                          <m:sup/>
-                          <m:e>
-                            <m:r>
-                              <a:rPr lang="en-GB" i="1">
-                                <a:latin typeface="Cambria Math" panose="02040503050406030204" pitchFamily="18" charset="0"/>
-                              </a:rPr>
-                              <m:t>𝑥</m:t>
-                            </m:r>
-                            <m:r>
-                              <a:rPr lang="en-GB" i="1">
-                                <a:latin typeface="Cambria Math" panose="02040503050406030204" pitchFamily="18" charset="0"/>
-                              </a:rPr>
-                              <m:t>(</m:t>
-                            </m:r>
-                            <m:r>
-                              <a:rPr lang="en-GB" i="1">
-                                <a:latin typeface="Cambria Math" panose="02040503050406030204" pitchFamily="18" charset="0"/>
-                              </a:rPr>
-                              <m:t>𝑝</m:t>
-                            </m:r>
-                            <m:r>
-                              <a:rPr lang="en-GB" i="1">
-                                <a:latin typeface="Cambria Math" panose="02040503050406030204" pitchFamily="18" charset="0"/>
-                              </a:rPr>
-                              <m:t>)</m:t>
-                            </m:r>
-                          </m:e>
-                        </m:nary>
-                      </m:e>
-                    </m:func>
-                    <m:r>
-                      <a:rPr lang="en-GB" b="0" i="1" smtClean="0">
-                        <a:latin typeface="Cambria Math" panose="02040503050406030204" pitchFamily="18" charset="0"/>
-                      </a:rPr>
-                      <m:t> </m:t>
-                    </m:r>
-                    <m:r>
-                      <a:rPr lang="en-GB" b="0" i="1" smtClean="0">
-                        <a:latin typeface="Cambria Math" panose="02040503050406030204" pitchFamily="18" charset="0"/>
-                      </a:rPr>
-                      <m:t>𝑠</m:t>
-                    </m:r>
-                    <m:r>
-                      <a:rPr lang="en-GB" b="0" i="1" smtClean="0">
-                        <a:latin typeface="Cambria Math" panose="02040503050406030204" pitchFamily="18" charset="0"/>
-                      </a:rPr>
-                      <m:t>.</m:t>
-                    </m:r>
-                    <m:r>
-                      <a:rPr lang="en-GB" b="0" i="1" smtClean="0">
-                        <a:latin typeface="Cambria Math" panose="02040503050406030204" pitchFamily="18" charset="0"/>
-                      </a:rPr>
-                      <m:t>𝑡</m:t>
-                    </m:r>
-                    <m:r>
-                      <a:rPr lang="en-GB" b="0" i="1" smtClean="0">
-                        <a:latin typeface="Cambria Math" panose="02040503050406030204" pitchFamily="18" charset="0"/>
-                      </a:rPr>
-                      <m:t>.    </m:t>
-                    </m:r>
-                    <m:nary>
-                      <m:naryPr>
-                        <m:chr m:val="∑"/>
-                        <m:limLoc m:val="undOvr"/>
-                        <m:grow m:val="on"/>
-                        <m:supHide m:val="on"/>
-                        <m:ctrlPr>
-                          <a:rPr lang="de-DE" i="1" dirty="0" smtClean="0">
-                            <a:latin typeface="Cambria Math" panose="02040503050406030204" pitchFamily="18" charset="0"/>
-                          </a:rPr>
-                        </m:ctrlPr>
-                      </m:naryPr>
-                      <m:sub>
-                        <m:r>
-                          <m:rPr>
-                            <m:sty m:val="p"/>
-                            <m:brk/>
-                            <m:aln/>
-                          </m:rPr>
-                          <a:rPr lang="en-GB" b="0" i="0" dirty="0" smtClean="0">
-                            <a:latin typeface="Cambria Math" panose="02040503050406030204" pitchFamily="18" charset="0"/>
-                          </a:rPr>
-                          <m:t>p</m:t>
-                        </m:r>
-                        <m:r>
-                          <a:rPr lang="de-DE" i="0" dirty="0">
-                            <a:latin typeface="Cambria Math" panose="02040503050406030204" pitchFamily="18" charset="0"/>
-                          </a:rPr>
-                          <m:t>∈</m:t>
-                        </m:r>
-                        <m:sSub>
-                          <m:sSubPr>
-                            <m:ctrlPr>
-                              <a:rPr lang="de-DE" i="1" dirty="0" smtClean="0">
-                                <a:latin typeface="Cambria Math" panose="02040503050406030204" pitchFamily="18" charset="0"/>
-                              </a:rPr>
-                            </m:ctrlPr>
-                          </m:sSubPr>
-                          <m:e>
-                            <m:r>
-                              <a:rPr lang="en-GB" b="0" i="1" dirty="0" smtClean="0">
-                                <a:latin typeface="Cambria Math" panose="02040503050406030204" pitchFamily="18" charset="0"/>
-                              </a:rPr>
-                              <m:t>𝑃</m:t>
-                            </m:r>
-                          </m:e>
-                          <m:sub>
-                            <m:r>
-                              <a:rPr lang="en-GB" b="0" i="1" dirty="0" smtClean="0">
-                                <a:latin typeface="Cambria Math" panose="02040503050406030204" pitchFamily="18" charset="0"/>
-                              </a:rPr>
-                              <m:t>𝑒</m:t>
-                            </m:r>
-                          </m:sub>
-                        </m:sSub>
-                      </m:sub>
-                      <m:sup/>
-                      <m:e>
-                        <m:r>
-                          <a:rPr lang="en-GB" b="0" i="1" dirty="0" smtClean="0">
-                            <a:latin typeface="Cambria Math" panose="02040503050406030204" pitchFamily="18" charset="0"/>
-                          </a:rPr>
-                          <m:t>𝑥</m:t>
-                        </m:r>
-                        <m:d>
-                          <m:dPr>
-                            <m:ctrlPr>
-                              <a:rPr lang="en-GB" b="0" i="1" dirty="0" smtClean="0">
-                                <a:latin typeface="Cambria Math" panose="02040503050406030204" pitchFamily="18" charset="0"/>
-                              </a:rPr>
-                            </m:ctrlPr>
-                          </m:dPr>
-                          <m:e>
-                            <m:r>
-                              <a:rPr lang="en-GB" b="0" i="1" dirty="0" smtClean="0">
-                                <a:latin typeface="Cambria Math" panose="02040503050406030204" pitchFamily="18" charset="0"/>
-                              </a:rPr>
-                              <m:t>𝑝</m:t>
-                            </m:r>
-                          </m:e>
-                        </m:d>
-                        <m:r>
-                          <a:rPr lang="en-GB" b="0" i="1" dirty="0" smtClean="0">
-                            <a:latin typeface="Cambria Math" panose="02040503050406030204" pitchFamily="18" charset="0"/>
-                            <a:ea typeface="Cambria Math" panose="02040503050406030204" pitchFamily="18" charset="0"/>
-                          </a:rPr>
-                          <m:t>≤</m:t>
-                        </m:r>
-                        <m:r>
-                          <a:rPr lang="en-GB" b="0" i="1" dirty="0" smtClean="0">
-                            <a:latin typeface="Cambria Math" panose="02040503050406030204" pitchFamily="18" charset="0"/>
-                            <a:ea typeface="Cambria Math" panose="02040503050406030204" pitchFamily="18" charset="0"/>
-                          </a:rPr>
-                          <m:t>𝑐</m:t>
-                        </m:r>
-                        <m:d>
-                          <m:dPr>
-                            <m:ctrlPr>
-                              <a:rPr lang="en-GB" b="0" i="1" dirty="0" smtClean="0">
-                                <a:latin typeface="Cambria Math" panose="02040503050406030204" pitchFamily="18" charset="0"/>
-                                <a:ea typeface="Cambria Math" panose="02040503050406030204" pitchFamily="18" charset="0"/>
-                              </a:rPr>
-                            </m:ctrlPr>
-                          </m:dPr>
-                          <m:e>
-                            <m:r>
-                              <a:rPr lang="en-GB" b="0" i="1" dirty="0" smtClean="0">
-                                <a:latin typeface="Cambria Math" panose="02040503050406030204" pitchFamily="18" charset="0"/>
-                                <a:ea typeface="Cambria Math" panose="02040503050406030204" pitchFamily="18" charset="0"/>
-                              </a:rPr>
-                              <m:t>𝑒</m:t>
-                            </m:r>
-                          </m:e>
-                        </m:d>
-                      </m:e>
-                    </m:nary>
-                    <m:r>
-                      <a:rPr lang="en-GB" b="0" i="1" dirty="0" smtClean="0">
-                        <a:latin typeface="Cambria Math" panose="02040503050406030204" pitchFamily="18" charset="0"/>
-                      </a:rPr>
-                      <m:t>, </m:t>
-                    </m:r>
-                    <m:r>
-                      <a:rPr lang="en-GB" b="0" i="1" dirty="0" smtClean="0">
-                        <a:latin typeface="Cambria Math" panose="02040503050406030204" pitchFamily="18" charset="0"/>
-                      </a:rPr>
-                      <m:t> </m:t>
-                    </m:r>
-                    <m:r>
-                      <a:rPr lang="en-GB" b="0" i="1" dirty="0" smtClean="0">
-                        <a:latin typeface="Cambria Math" panose="02040503050406030204" pitchFamily="18" charset="0"/>
-                      </a:rPr>
-                      <m:t>𝑥</m:t>
-                    </m:r>
-                    <m:r>
-                      <a:rPr lang="en-GB" b="0" i="1" dirty="0" smtClean="0">
-                        <a:latin typeface="Cambria Math" panose="02040503050406030204" pitchFamily="18" charset="0"/>
-                        <a:ea typeface="Cambria Math" panose="02040503050406030204" pitchFamily="18" charset="0"/>
-                      </a:rPr>
-                      <m:t>≥0</m:t>
-                    </m:r>
-                  </m:oMath>
+                  <m:oMathPara xmlns:m="http://schemas.openxmlformats.org/officeDocument/2006/math">
+                    <m:oMathParaPr>
+                      <m:jc m:val="centerGroup"/>
+                    </m:oMathParaPr>
+                    <m:oMath xmlns:m="http://schemas.openxmlformats.org/officeDocument/2006/math">
+                      <m:func>
+                        <m:funcPr>
+                          <m:ctrlPr>
+                            <a:rPr lang="en-GB" b="0" i="1" smtClean="0">
+                              <a:latin typeface="Cambria Math" panose="02040503050406030204" pitchFamily="18" charset="0"/>
+                            </a:rPr>
+                          </m:ctrlPr>
+                        </m:funcPr>
+                        <m:fName>
+                          <m:sSub>
+                            <m:sSubPr>
+                              <m:ctrlPr>
+                                <a:rPr lang="en-GB" b="0" i="1" smtClean="0">
+                                  <a:latin typeface="Cambria Math" panose="02040503050406030204" pitchFamily="18" charset="0"/>
+                                </a:rPr>
+                              </m:ctrlPr>
+                            </m:sSubPr>
+                            <m:e>
+                              <m:r>
+                                <m:rPr>
+                                  <m:sty m:val="p"/>
+                                </m:rPr>
+                                <a:rPr lang="en-GB">
+                                  <a:latin typeface="Cambria Math" panose="02040503050406030204" pitchFamily="18" charset="0"/>
+                                </a:rPr>
+                                <m:t>max</m:t>
+                              </m:r>
+                            </m:e>
+                            <m:sub>
+                              <m:r>
+                                <a:rPr lang="en-GB" b="0" i="1" smtClean="0">
+                                  <a:latin typeface="Cambria Math" panose="02040503050406030204" pitchFamily="18" charset="0"/>
+                                </a:rPr>
+                                <m:t>𝑥</m:t>
+                              </m:r>
+                              <m:r>
+                                <a:rPr lang="en-GB" b="0" i="1" smtClean="0">
+                                  <a:latin typeface="Cambria Math" panose="02040503050406030204" pitchFamily="18" charset="0"/>
+                                  <a:ea typeface="Cambria Math" panose="02040503050406030204" pitchFamily="18" charset="0"/>
+                                </a:rPr>
+                                <m:t>∈</m:t>
+                              </m:r>
+                              <m:r>
+                                <a:rPr lang="en-GB" b="0" i="1" smtClean="0">
+                                  <a:latin typeface="Cambria Math" panose="02040503050406030204" pitchFamily="18" charset="0"/>
+                                  <a:ea typeface="Cambria Math" panose="02040503050406030204" pitchFamily="18" charset="0"/>
+                                </a:rPr>
+                                <m:t>𝑋</m:t>
+                              </m:r>
+                            </m:sub>
+                          </m:sSub>
+                        </m:fName>
+                        <m:e>
+                          <m:nary>
+                            <m:naryPr>
+                              <m:chr m:val="∑"/>
+                              <m:supHide m:val="on"/>
+                              <m:ctrlPr>
+                                <a:rPr lang="en-GB" i="1">
+                                  <a:latin typeface="Cambria Math" panose="02040503050406030204" pitchFamily="18" charset="0"/>
+                                </a:rPr>
+                              </m:ctrlPr>
+                            </m:naryPr>
+                            <m:sub>
+                              <m:r>
+                                <m:rPr>
+                                  <m:brk m:alnAt="7"/>
+                                </m:rPr>
+                                <a:rPr lang="en-GB" i="1">
+                                  <a:latin typeface="Cambria Math" panose="02040503050406030204" pitchFamily="18" charset="0"/>
+                                </a:rPr>
+                                <m:t>𝑝</m:t>
+                              </m:r>
+                              <m:r>
+                                <a:rPr lang="en-GB" i="1">
+                                  <a:latin typeface="Cambria Math" panose="02040503050406030204" pitchFamily="18" charset="0"/>
+                                  <a:ea typeface="Cambria Math" panose="02040503050406030204" pitchFamily="18" charset="0"/>
+                                </a:rPr>
+                                <m:t>∈</m:t>
+                              </m:r>
+                              <m:r>
+                                <a:rPr lang="en-GB" i="1">
+                                  <a:latin typeface="Cambria Math" panose="02040503050406030204" pitchFamily="18" charset="0"/>
+                                  <a:ea typeface="Cambria Math" panose="02040503050406030204" pitchFamily="18" charset="0"/>
+                                </a:rPr>
+                                <m:t>𝑃</m:t>
+                              </m:r>
+                            </m:sub>
+                            <m:sup/>
+                            <m:e>
+                              <m:r>
+                                <a:rPr lang="en-GB" i="1">
+                                  <a:latin typeface="Cambria Math" panose="02040503050406030204" pitchFamily="18" charset="0"/>
+                                </a:rPr>
+                                <m:t>𝑥</m:t>
+                              </m:r>
+                              <m:r>
+                                <a:rPr lang="en-GB" i="1">
+                                  <a:latin typeface="Cambria Math" panose="02040503050406030204" pitchFamily="18" charset="0"/>
+                                </a:rPr>
+                                <m:t>(</m:t>
+                              </m:r>
+                              <m:r>
+                                <a:rPr lang="en-GB" i="1">
+                                  <a:latin typeface="Cambria Math" panose="02040503050406030204" pitchFamily="18" charset="0"/>
+                                </a:rPr>
+                                <m:t>𝑝</m:t>
+                              </m:r>
+                              <m:r>
+                                <a:rPr lang="en-GB" i="1">
+                                  <a:latin typeface="Cambria Math" panose="02040503050406030204" pitchFamily="18" charset="0"/>
+                                </a:rPr>
+                                <m:t>)</m:t>
+                              </m:r>
+                            </m:e>
+                          </m:nary>
+                        </m:e>
+                      </m:func>
+                      <m:r>
+                        <a:rPr lang="en-GB" b="0" i="1" smtClean="0">
+                          <a:latin typeface="Cambria Math" panose="02040503050406030204" pitchFamily="18" charset="0"/>
+                        </a:rPr>
+                        <m:t> </m:t>
+                      </m:r>
+                      <m:r>
+                        <a:rPr lang="en-GB" b="0" i="1" smtClean="0">
+                          <a:latin typeface="Cambria Math" panose="02040503050406030204" pitchFamily="18" charset="0"/>
+                        </a:rPr>
+                        <m:t>𝑠</m:t>
+                      </m:r>
+                      <m:r>
+                        <a:rPr lang="en-GB" b="0" i="1" smtClean="0">
+                          <a:latin typeface="Cambria Math" panose="02040503050406030204" pitchFamily="18" charset="0"/>
+                        </a:rPr>
+                        <m:t>.</m:t>
+                      </m:r>
+                      <m:r>
+                        <a:rPr lang="en-GB" b="0" i="1" smtClean="0">
+                          <a:latin typeface="Cambria Math" panose="02040503050406030204" pitchFamily="18" charset="0"/>
+                        </a:rPr>
+                        <m:t>𝑡</m:t>
+                      </m:r>
+                      <m:r>
+                        <a:rPr lang="en-GB" b="0" i="1" smtClean="0">
+                          <a:latin typeface="Cambria Math" panose="02040503050406030204" pitchFamily="18" charset="0"/>
+                        </a:rPr>
+                        <m:t>.    </m:t>
+                      </m:r>
+                      <m:nary>
+                        <m:naryPr>
+                          <m:chr m:val="∑"/>
+                          <m:limLoc m:val="undOvr"/>
+                          <m:grow m:val="on"/>
+                          <m:supHide m:val="on"/>
+                          <m:ctrlPr>
+                            <a:rPr lang="de-DE" i="1" dirty="0" smtClean="0">
+                              <a:latin typeface="Cambria Math" panose="02040503050406030204" pitchFamily="18" charset="0"/>
+                            </a:rPr>
+                          </m:ctrlPr>
+                        </m:naryPr>
+                        <m:sub>
+                          <m:r>
+                            <m:rPr>
+                              <m:sty m:val="p"/>
+                              <m:brk/>
+                              <m:aln/>
+                            </m:rPr>
+                            <a:rPr lang="en-GB" b="0" i="0" dirty="0" smtClean="0">
+                              <a:latin typeface="Cambria Math" panose="02040503050406030204" pitchFamily="18" charset="0"/>
+                            </a:rPr>
+                            <m:t>p</m:t>
+                          </m:r>
+                          <m:r>
+                            <a:rPr lang="de-DE" i="0" dirty="0">
+                              <a:latin typeface="Cambria Math" panose="02040503050406030204" pitchFamily="18" charset="0"/>
+                            </a:rPr>
+                            <m:t>∈</m:t>
+                          </m:r>
+                          <m:sSub>
+                            <m:sSubPr>
+                              <m:ctrlPr>
+                                <a:rPr lang="de-DE" i="1" dirty="0" smtClean="0">
+                                  <a:latin typeface="Cambria Math" panose="02040503050406030204" pitchFamily="18" charset="0"/>
+                                </a:rPr>
+                              </m:ctrlPr>
+                            </m:sSubPr>
+                            <m:e>
+                              <m:r>
+                                <a:rPr lang="en-GB" b="0" i="1" dirty="0" smtClean="0">
+                                  <a:latin typeface="Cambria Math" panose="02040503050406030204" pitchFamily="18" charset="0"/>
+                                </a:rPr>
+                                <m:t>𝑃</m:t>
+                              </m:r>
+                            </m:e>
+                            <m:sub>
+                              <m:r>
+                                <a:rPr lang="en-GB" b="0" i="1" dirty="0" smtClean="0">
+                                  <a:latin typeface="Cambria Math" panose="02040503050406030204" pitchFamily="18" charset="0"/>
+                                </a:rPr>
+                                <m:t>𝑒</m:t>
+                              </m:r>
+                            </m:sub>
+                          </m:sSub>
+                        </m:sub>
+                        <m:sup/>
+                        <m:e>
+                          <m:r>
+                            <a:rPr lang="en-GB" b="0" i="1" dirty="0" smtClean="0">
+                              <a:latin typeface="Cambria Math" panose="02040503050406030204" pitchFamily="18" charset="0"/>
+                            </a:rPr>
+                            <m:t>𝑥</m:t>
+                          </m:r>
+                          <m:d>
+                            <m:dPr>
+                              <m:ctrlPr>
+                                <a:rPr lang="en-GB" b="0" i="1" dirty="0" smtClean="0">
+                                  <a:latin typeface="Cambria Math" panose="02040503050406030204" pitchFamily="18" charset="0"/>
+                                </a:rPr>
+                              </m:ctrlPr>
+                            </m:dPr>
+                            <m:e>
+                              <m:r>
+                                <a:rPr lang="en-GB" b="0" i="1" dirty="0" smtClean="0">
+                                  <a:latin typeface="Cambria Math" panose="02040503050406030204" pitchFamily="18" charset="0"/>
+                                </a:rPr>
+                                <m:t>𝑝</m:t>
+                              </m:r>
+                            </m:e>
+                          </m:d>
+                          <m:r>
+                            <a:rPr lang="en-GB" b="0" i="1" dirty="0" smtClean="0">
+                              <a:latin typeface="Cambria Math" panose="02040503050406030204" pitchFamily="18" charset="0"/>
+                              <a:ea typeface="Cambria Math" panose="02040503050406030204" pitchFamily="18" charset="0"/>
+                            </a:rPr>
+                            <m:t>≤</m:t>
+                          </m:r>
+                          <m:r>
+                            <a:rPr lang="en-GB" b="0" i="1" dirty="0" smtClean="0">
+                              <a:latin typeface="Cambria Math" panose="02040503050406030204" pitchFamily="18" charset="0"/>
+                              <a:ea typeface="Cambria Math" panose="02040503050406030204" pitchFamily="18" charset="0"/>
+                            </a:rPr>
+                            <m:t>𝑐</m:t>
+                          </m:r>
+                          <m:d>
+                            <m:dPr>
+                              <m:ctrlPr>
+                                <a:rPr lang="en-GB" b="0" i="1" dirty="0" smtClean="0">
+                                  <a:latin typeface="Cambria Math" panose="02040503050406030204" pitchFamily="18" charset="0"/>
+                                  <a:ea typeface="Cambria Math" panose="02040503050406030204" pitchFamily="18" charset="0"/>
+                                </a:rPr>
+                              </m:ctrlPr>
+                            </m:dPr>
+                            <m:e>
+                              <m:r>
+                                <a:rPr lang="en-GB" b="0" i="1" dirty="0" smtClean="0">
+                                  <a:latin typeface="Cambria Math" panose="02040503050406030204" pitchFamily="18" charset="0"/>
+                                  <a:ea typeface="Cambria Math" panose="02040503050406030204" pitchFamily="18" charset="0"/>
+                                </a:rPr>
+                                <m:t>𝑒</m:t>
+                              </m:r>
+                            </m:e>
+                          </m:d>
+                        </m:e>
+                      </m:nary>
+                      <m:r>
+                        <a:rPr lang="en-GB" b="0" i="1" dirty="0" smtClean="0">
+                          <a:latin typeface="Cambria Math" panose="02040503050406030204" pitchFamily="18" charset="0"/>
+                        </a:rPr>
+                        <m:t>,  </m:t>
+                      </m:r>
+                      <m:r>
+                        <a:rPr lang="en-GB" b="0" i="1" dirty="0" smtClean="0">
+                          <a:latin typeface="Cambria Math" panose="02040503050406030204" pitchFamily="18" charset="0"/>
+                        </a:rPr>
+                        <m:t>𝑥</m:t>
+                      </m:r>
+                      <m:r>
+                        <a:rPr lang="en-GB" b="0" i="1" dirty="0" smtClean="0">
+                          <a:latin typeface="Cambria Math" panose="02040503050406030204" pitchFamily="18" charset="0"/>
+                          <a:ea typeface="Cambria Math" panose="02040503050406030204" pitchFamily="18" charset="0"/>
+                        </a:rPr>
+                        <m:t>≥0</m:t>
+                      </m:r>
+                    </m:oMath>
+                  </m:oMathPara>
                 </a14:m>
                 <a:endParaRPr lang="en-GB" dirty="0"/>
               </a:p>
@@ -4775,6 +4780,253 @@
                 <a:endParaRPr lang="de-DE" dirty="0"/>
               </a:p>
               <a:p>
+                <a:r>
+                  <a:rPr lang="en-GB" dirty="0"/>
+                  <a:t>Dual Problem:</a:t>
+                </a:r>
+              </a:p>
+              <a:p>
+                <a:pPr marL="0" indent="0">
+                  <a:buNone/>
+                </a:pPr>
+                <a14:m>
+                  <m:oMathPara xmlns:m="http://schemas.openxmlformats.org/officeDocument/2006/math">
+                    <m:oMathParaPr>
+                      <m:jc m:val="centerGroup"/>
+                    </m:oMathParaPr>
+                    <m:oMath xmlns:m="http://schemas.openxmlformats.org/officeDocument/2006/math">
+                      <m:func>
+                        <m:funcPr>
+                          <m:ctrlPr>
+                            <a:rPr lang="en-GB" i="1">
+                              <a:latin typeface="Cambria Math" panose="02040503050406030204" pitchFamily="18" charset="0"/>
+                            </a:rPr>
+                          </m:ctrlPr>
+                        </m:funcPr>
+                        <m:fName>
+                          <m:sSub>
+                            <m:sSubPr>
+                              <m:ctrlPr>
+                                <a:rPr lang="en-GB" i="1" smtClean="0">
+                                  <a:latin typeface="Cambria Math" panose="02040503050406030204" pitchFamily="18" charset="0"/>
+                                </a:rPr>
+                              </m:ctrlPr>
+                            </m:sSubPr>
+                            <m:e>
+                              <m:r>
+                                <m:rPr>
+                                  <m:sty m:val="p"/>
+                                </m:rPr>
+                                <a:rPr lang="en-GB">
+                                  <a:latin typeface="Cambria Math" panose="02040503050406030204" pitchFamily="18" charset="0"/>
+                                </a:rPr>
+                                <m:t>min</m:t>
+                              </m:r>
+                            </m:e>
+                            <m:sub>
+                              <m:r>
+                                <a:rPr lang="en-GB" b="0" i="1" smtClean="0">
+                                  <a:latin typeface="Cambria Math" panose="02040503050406030204" pitchFamily="18" charset="0"/>
+                                </a:rPr>
+                                <m:t>𝑙</m:t>
+                              </m:r>
+                            </m:sub>
+                          </m:sSub>
+                        </m:fName>
+                        <m:e>
+                          <m:nary>
+                            <m:naryPr>
+                              <m:chr m:val="∑"/>
+                              <m:supHide m:val="on"/>
+                              <m:ctrlPr>
+                                <a:rPr lang="en-GB" i="1">
+                                  <a:latin typeface="Cambria Math" panose="02040503050406030204" pitchFamily="18" charset="0"/>
+                                </a:rPr>
+                              </m:ctrlPr>
+                            </m:naryPr>
+                            <m:sub>
+                              <m:r>
+                                <m:rPr>
+                                  <m:brk m:alnAt="7"/>
+                                </m:rPr>
+                                <a:rPr lang="en-GB" i="1">
+                                  <a:latin typeface="Cambria Math" panose="02040503050406030204" pitchFamily="18" charset="0"/>
+                                </a:rPr>
+                                <m:t>𝑐</m:t>
+                              </m:r>
+                              <m:r>
+                                <a:rPr lang="en-GB" i="1">
+                                  <a:latin typeface="Cambria Math" panose="02040503050406030204" pitchFamily="18" charset="0"/>
+                                </a:rPr>
+                                <m:t> ∈</m:t>
+                              </m:r>
+                              <m:r>
+                                <a:rPr lang="en-GB" i="1">
+                                  <a:latin typeface="Cambria Math" panose="02040503050406030204" pitchFamily="18" charset="0"/>
+                                  <a:ea typeface="Cambria Math" panose="02040503050406030204" pitchFamily="18" charset="0"/>
+                                </a:rPr>
+                                <m:t>𝐸</m:t>
+                              </m:r>
+                            </m:sub>
+                            <m:sup/>
+                            <m:e>
+                              <m:r>
+                                <a:rPr lang="en-GB" i="1">
+                                  <a:latin typeface="Cambria Math" panose="02040503050406030204" pitchFamily="18" charset="0"/>
+                                </a:rPr>
+                                <m:t>𝑐</m:t>
+                              </m:r>
+                              <m:r>
+                                <a:rPr lang="en-GB" i="1">
+                                  <a:latin typeface="Cambria Math" panose="02040503050406030204" pitchFamily="18" charset="0"/>
+                                </a:rPr>
+                                <m:t>(</m:t>
+                              </m:r>
+                              <m:r>
+                                <a:rPr lang="en-GB" i="1">
+                                  <a:latin typeface="Cambria Math" panose="02040503050406030204" pitchFamily="18" charset="0"/>
+                                </a:rPr>
+                                <m:t>𝑒</m:t>
+                              </m:r>
+                              <m:r>
+                                <a:rPr lang="en-GB" i="1">
+                                  <a:latin typeface="Cambria Math" panose="02040503050406030204" pitchFamily="18" charset="0"/>
+                                </a:rPr>
+                                <m:t>)</m:t>
+                              </m:r>
+                            </m:e>
+                          </m:nary>
+                          <m:r>
+                            <a:rPr lang="en-GB" b="0" i="1" smtClean="0">
+                              <a:latin typeface="Cambria Math" panose="02040503050406030204" pitchFamily="18" charset="0"/>
+                            </a:rPr>
+                            <m:t> </m:t>
+                          </m:r>
+                          <m:r>
+                            <a:rPr lang="en-GB" b="0" i="1" smtClean="0">
+                              <a:latin typeface="Cambria Math" panose="02040503050406030204" pitchFamily="18" charset="0"/>
+                            </a:rPr>
+                            <m:t>𝑠</m:t>
+                          </m:r>
+                          <m:r>
+                            <a:rPr lang="en-GB" b="0" i="1" smtClean="0">
+                              <a:latin typeface="Cambria Math" panose="02040503050406030204" pitchFamily="18" charset="0"/>
+                            </a:rPr>
+                            <m:t>.</m:t>
+                          </m:r>
+                          <m:r>
+                            <a:rPr lang="en-GB" b="0" i="1" smtClean="0">
+                              <a:latin typeface="Cambria Math" panose="02040503050406030204" pitchFamily="18" charset="0"/>
+                            </a:rPr>
+                            <m:t>𝑡</m:t>
+                          </m:r>
+                          <m:r>
+                            <a:rPr lang="en-GB" b="0" i="1" smtClean="0">
+                              <a:latin typeface="Cambria Math" panose="02040503050406030204" pitchFamily="18" charset="0"/>
+                            </a:rPr>
+                            <m:t>.  </m:t>
+                          </m:r>
+                          <m:nary>
+                            <m:naryPr>
+                              <m:chr m:val="∑"/>
+                              <m:supHide m:val="on"/>
+                              <m:ctrlPr>
+                                <a:rPr lang="en-GB" b="0" i="1" smtClean="0">
+                                  <a:latin typeface="Cambria Math" panose="02040503050406030204" pitchFamily="18" charset="0"/>
+                                </a:rPr>
+                              </m:ctrlPr>
+                            </m:naryPr>
+                            <m:sub>
+                              <m:r>
+                                <m:rPr>
+                                  <m:brk m:alnAt="7"/>
+                                </m:rPr>
+                                <a:rPr lang="en-GB" b="0" i="1" smtClean="0">
+                                  <a:latin typeface="Cambria Math" panose="02040503050406030204" pitchFamily="18" charset="0"/>
+                                </a:rPr>
+                                <m:t>𝑒</m:t>
+                              </m:r>
+                              <m:r>
+                                <a:rPr lang="en-GB" b="0" i="1" smtClean="0">
+                                  <a:latin typeface="Cambria Math" panose="02040503050406030204" pitchFamily="18" charset="0"/>
+                                </a:rPr>
+                                <m:t> ∈</m:t>
+                              </m:r>
+                              <m:r>
+                                <a:rPr lang="en-GB" b="0" i="1" smtClean="0">
+                                  <a:latin typeface="Cambria Math" panose="02040503050406030204" pitchFamily="18" charset="0"/>
+                                  <a:ea typeface="Cambria Math" panose="02040503050406030204" pitchFamily="18" charset="0"/>
+                                </a:rPr>
+                                <m:t>𝑝</m:t>
+                              </m:r>
+                            </m:sub>
+                            <m:sup/>
+                            <m:e>
+                              <m:r>
+                                <a:rPr lang="en-GB" b="0" i="1" smtClean="0">
+                                  <a:latin typeface="Cambria Math" panose="02040503050406030204" pitchFamily="18" charset="0"/>
+                                </a:rPr>
+                                <m:t>𝑙</m:t>
+                              </m:r>
+                              <m:d>
+                                <m:dPr>
+                                  <m:ctrlPr>
+                                    <a:rPr lang="en-GB" b="0" i="1" smtClean="0">
+                                      <a:latin typeface="Cambria Math" panose="02040503050406030204" pitchFamily="18" charset="0"/>
+                                    </a:rPr>
+                                  </m:ctrlPr>
+                                </m:dPr>
+                                <m:e>
+                                  <m:r>
+                                    <a:rPr lang="en-GB" b="0" i="1" smtClean="0">
+                                      <a:latin typeface="Cambria Math" panose="02040503050406030204" pitchFamily="18" charset="0"/>
+                                    </a:rPr>
+                                    <m:t>𝑒</m:t>
+                                  </m:r>
+                                </m:e>
+                              </m:d>
+                              <m:r>
+                                <a:rPr lang="en-GB" b="0" i="1" smtClean="0">
+                                  <a:latin typeface="Cambria Math" panose="02040503050406030204" pitchFamily="18" charset="0"/>
+                                  <a:ea typeface="Cambria Math" panose="02040503050406030204" pitchFamily="18" charset="0"/>
+                                </a:rPr>
+                                <m:t>≥1 ∀ </m:t>
+                              </m:r>
+                              <m:r>
+                                <a:rPr lang="en-GB" b="0" i="1" smtClean="0">
+                                  <a:latin typeface="Cambria Math" panose="02040503050406030204" pitchFamily="18" charset="0"/>
+                                  <a:ea typeface="Cambria Math" panose="02040503050406030204" pitchFamily="18" charset="0"/>
+                                </a:rPr>
+                                <m:t>𝑝</m:t>
+                              </m:r>
+                              <m:r>
+                                <a:rPr lang="en-GB" b="0" i="1" smtClean="0">
+                                  <a:latin typeface="Cambria Math" panose="02040503050406030204" pitchFamily="18" charset="0"/>
+                                  <a:ea typeface="Cambria Math" panose="02040503050406030204" pitchFamily="18" charset="0"/>
+                                </a:rPr>
+                                <m:t>∈</m:t>
+                              </m:r>
+                              <m:r>
+                                <a:rPr lang="en-GB" b="0" i="1" smtClean="0">
+                                  <a:latin typeface="Cambria Math" panose="02040503050406030204" pitchFamily="18" charset="0"/>
+                                  <a:ea typeface="Cambria Math" panose="02040503050406030204" pitchFamily="18" charset="0"/>
+                                </a:rPr>
+                                <m:t>𝑃</m:t>
+                              </m:r>
+                              <m:r>
+                                <a:rPr lang="en-GB" b="0" i="1" smtClean="0">
+                                  <a:latin typeface="Cambria Math" panose="02040503050406030204" pitchFamily="18" charset="0"/>
+                                  <a:ea typeface="Cambria Math" panose="02040503050406030204" pitchFamily="18" charset="0"/>
+                                </a:rPr>
+                                <m:t> </m:t>
+                              </m:r>
+                            </m:e>
+                          </m:nary>
+                        </m:e>
+                      </m:func>
+                    </m:oMath>
+                  </m:oMathPara>
+                </a14:m>
                 <a:endParaRPr lang="en-GB" dirty="0"/>
               </a:p>
               <a:p>
@@ -4807,7 +5059,7 @@
               <a:blipFill>
                 <a:blip r:embed="rId2"/>
                 <a:stretch>
-                  <a:fillRect/>
+                  <a:fillRect l="-1043" t="-2381"/>
                 </a:stretch>
               </a:blipFill>
             </p:spPr>
@@ -4879,14 +5131,14 @@
           <a:p>
             <a:r>
               <a:rPr lang="en-GB" dirty="0"/>
-              <a:t>Dual Program</a:t>
+              <a:t>Algorithm</a:t>
             </a:r>
             <a:endParaRPr lang="de-DE" dirty="0"/>
           </a:p>
         </p:txBody>
       </p:sp>
-      <mc:AlternateContent xmlns:mc="http://schemas.openxmlformats.org/markup-compatibility/2006" xmlns:a14="http://schemas.microsoft.com/office/drawing/2010/main">
-        <mc:Choice Requires="a14">
+      <mc:AlternateContent xmlns:mc="http://schemas.openxmlformats.org/markup-compatibility/2006">
+        <mc:Choice xmlns:a14="http://schemas.microsoft.com/office/drawing/2010/main" Requires="a14">
           <p:sp>
             <p:nvSpPr>
               <p:cNvPr id="3" name="Inhaltsplatzhalter 2">
@@ -4908,6 +5160,74 @@
               <a:bodyPr/>
               <a:lstStyle/>
               <a:p>
+                <a:pPr marL="0" indent="0">
+                  <a:buNone/>
+                </a:pPr>
+                <a:r>
+                  <a:rPr lang="en-GB" dirty="0"/>
+                  <a:t>Initialize </a:t>
+                </a:r>
+                <a14:m>
+                  <m:oMath xmlns:m="http://schemas.openxmlformats.org/officeDocument/2006/math">
+                    <m:r>
+                      <a:rPr lang="en-GB" b="0" i="1" smtClean="0">
+                        <a:latin typeface="Cambria Math" panose="02040503050406030204" pitchFamily="18" charset="0"/>
+                      </a:rPr>
+                      <m:t>𝑙</m:t>
+                    </m:r>
+                    <m:r>
+                      <a:rPr lang="en-GB" b="0" i="1" smtClean="0">
+                        <a:latin typeface="Cambria Math" panose="02040503050406030204" pitchFamily="18" charset="0"/>
+                      </a:rPr>
+                      <m:t>= </m:t>
+                    </m:r>
+                    <m:r>
+                      <a:rPr lang="de-DE" i="1" dirty="0" smtClean="0">
+                        <a:latin typeface="Cambria Math" panose="02040503050406030204" pitchFamily="18" charset="0"/>
+                      </a:rPr>
+                      <m:t>𝛿</m:t>
+                    </m:r>
+                    <m:r>
+                      <a:rPr lang="en-GB" b="0" i="1" dirty="0" smtClean="0">
+                        <a:latin typeface="Cambria Math" panose="02040503050406030204" pitchFamily="18" charset="0"/>
+                      </a:rPr>
+                      <m:t>, </m:t>
+                    </m:r>
+                    <m:r>
+                      <a:rPr lang="en-GB" b="0" i="1" dirty="0" smtClean="0">
+                        <a:latin typeface="Cambria Math" panose="02040503050406030204" pitchFamily="18" charset="0"/>
+                      </a:rPr>
+                      <m:t>𝑥</m:t>
+                    </m:r>
+                    <m:r>
+                      <a:rPr lang="en-GB" b="0" i="1" dirty="0" smtClean="0">
+                        <a:latin typeface="Cambria Math" panose="02040503050406030204" pitchFamily="18" charset="0"/>
+                      </a:rPr>
+                      <m:t>=0</m:t>
+                    </m:r>
+                  </m:oMath>
+                </a14:m>
+                <a:r>
+                  <a:rPr lang="de-DE" dirty="0"/>
+                  <a:t> </a:t>
+                </a:r>
+              </a:p>
+              <a:p>
+                <a:pPr marL="0" indent="0">
+                  <a:buNone/>
+                </a:pPr>
+                <a:r>
+                  <a:rPr lang="en-GB" dirty="0"/>
+                  <a:t>W</a:t>
+                </a:r>
+                <a:r>
+                  <a:rPr lang="de-DE" dirty="0" err="1"/>
+                  <a:t>hile</a:t>
+                </a:r>
+                <a:r>
+                  <a:rPr lang="de-DE" dirty="0"/>
+                  <a:t> </a:t>
+                </a:r>
                 <a14:m>
                   <m:oMath xmlns:m="http://schemas.openxmlformats.org/officeDocument/2006/math">
                     <m:func>
@@ -4930,78 +5250,201 @@
                         </m:r>
                       </m:fName>
                       <m:e>
-                        <m:nary>
-                          <m:naryPr>
-                            <m:chr m:val="∑"/>
-                            <m:supHide m:val="on"/>
+                        <m:d>
+                          <m:dPr>
+                            <m:begChr m:val="{"/>
+                            <m:endChr m:val="}"/>
                             <m:ctrlPr>
                               <a:rPr lang="en-GB" b="0" i="1" smtClean="0">
                                 <a:latin typeface="Cambria Math" panose="02040503050406030204" pitchFamily="18" charset="0"/>
                               </a:rPr>
                             </m:ctrlPr>
-                          </m:naryPr>
-                          <m:sub>
+                          </m:dPr>
+                          <m:e>
                             <m:r>
-                              <m:rPr>
-                                <m:brk m:alnAt="7"/>
-                              </m:rPr>
                               <a:rPr lang="en-GB" b="0" i="1" smtClean="0">
                                 <a:latin typeface="Cambria Math" panose="02040503050406030204" pitchFamily="18" charset="0"/>
                               </a:rPr>
-                              <m:t>𝑐</m:t>
+                              <m:t>𝑙𝑒𝑛</m:t>
+                            </m:r>
+                            <m:d>
+                              <m:dPr>
+                                <m:ctrlPr>
+                                  <a:rPr lang="en-GB" b="0" i="1" smtClean="0">
+                                    <a:latin typeface="Cambria Math" panose="02040503050406030204" pitchFamily="18" charset="0"/>
+                                  </a:rPr>
+                                </m:ctrlPr>
+                              </m:dPr>
+                              <m:e>
+                                <m:r>
+                                  <a:rPr lang="en-GB" b="0" i="1" smtClean="0">
+                                    <a:latin typeface="Cambria Math" panose="02040503050406030204" pitchFamily="18" charset="0"/>
+                                  </a:rPr>
+                                  <m:t>𝑝</m:t>
+                                </m:r>
+                              </m:e>
+                            </m:d>
+                            <m:r>
+                              <a:rPr lang="en-GB" b="0" i="1" smtClean="0">
+                                <a:latin typeface="Cambria Math" panose="02040503050406030204" pitchFamily="18" charset="0"/>
+                              </a:rPr>
+                              <m:t>:</m:t>
                             </m:r>
                             <m:r>
                               <a:rPr lang="en-GB" b="0" i="1" smtClean="0">
                                 <a:latin typeface="Cambria Math" panose="02040503050406030204" pitchFamily="18" charset="0"/>
                               </a:rPr>
-                              <m:t> ∈</m:t>
+                              <m:t>𝑝</m:t>
                             </m:r>
                             <m:r>
                               <a:rPr lang="en-GB" b="0" i="1" smtClean="0">
                                 <a:latin typeface="Cambria Math" panose="02040503050406030204" pitchFamily="18" charset="0"/>
                                 <a:ea typeface="Cambria Math" panose="02040503050406030204" pitchFamily="18" charset="0"/>
                               </a:rPr>
-                              <m:t>𝐸</m:t>
-                            </m:r>
-                          </m:sub>
-                          <m:sup/>
-                          <m:e>
-                            <m:r>
-                              <a:rPr lang="en-GB" b="0" i="1" smtClean="0">
-                                <a:latin typeface="Cambria Math" panose="02040503050406030204" pitchFamily="18" charset="0"/>
-                              </a:rPr>
-                              <m:t>𝑐</m:t>
+                              <m:t>∈</m:t>
                             </m:r>
                             <m:r>
                               <a:rPr lang="en-GB" b="0" i="1" smtClean="0">
                                 <a:latin typeface="Cambria Math" panose="02040503050406030204" pitchFamily="18" charset="0"/>
+                                <a:ea typeface="Cambria Math" panose="02040503050406030204" pitchFamily="18" charset="0"/>
                               </a:rPr>
-                              <m:t>(</m:t>
-                            </m:r>
-                            <m:r>
-                              <a:rPr lang="en-GB" b="0" i="1" smtClean="0">
-                                <a:latin typeface="Cambria Math" panose="02040503050406030204" pitchFamily="18" charset="0"/>
-                              </a:rPr>
-                              <m:t>𝑒</m:t>
-                            </m:r>
-                            <m:r>
-                              <a:rPr lang="en-GB" b="0" i="1" smtClean="0">
-                                <a:latin typeface="Cambria Math" panose="02040503050406030204" pitchFamily="18" charset="0"/>
-                              </a:rPr>
-                              <m:t>)</m:t>
+                              <m:t>𝑃</m:t>
                             </m:r>
                           </m:e>
-                        </m:nary>
+                        </m:d>
                       </m:e>
                     </m:func>
+                    <m:r>
+                      <a:rPr lang="en-GB" b="0" i="1" smtClean="0">
+                        <a:latin typeface="Cambria Math" panose="02040503050406030204" pitchFamily="18" charset="0"/>
+                      </a:rPr>
+                      <m:t>&lt;1: </m:t>
+                    </m:r>
                   </m:oMath>
                 </a14:m>
+                <a:br>
+                  <a:rPr lang="en-GB" b="0" dirty="0"/>
+                </a:br>
+                <a:r>
+                  <a:rPr lang="en-GB" b="0" dirty="0"/>
+                  <a:t>	</a:t>
+                </a:r>
+                <a14:m>
+                  <m:oMath xmlns:m="http://schemas.openxmlformats.org/officeDocument/2006/math">
+                    <m:acc>
+                      <m:accPr>
+                        <m:chr m:val="̂"/>
+                        <m:ctrlPr>
+                          <a:rPr lang="en-GB" b="0" i="1" smtClean="0">
+                            <a:latin typeface="Cambria Math" panose="02040503050406030204" pitchFamily="18" charset="0"/>
+                          </a:rPr>
+                        </m:ctrlPr>
+                      </m:accPr>
+                      <m:e>
+                        <m:r>
+                          <a:rPr lang="en-GB" b="0" i="1" smtClean="0">
+                            <a:latin typeface="Cambria Math" panose="02040503050406030204" pitchFamily="18" charset="0"/>
+                          </a:rPr>
+                          <m:t>𝜌</m:t>
+                        </m:r>
+                      </m:e>
+                    </m:acc>
+                    <m:r>
+                      <a:rPr lang="en-GB" b="0" i="1" smtClean="0">
+                        <a:latin typeface="Cambria Math" panose="02040503050406030204" pitchFamily="18" charset="0"/>
+                      </a:rPr>
+                      <m:t>=</m:t>
+                    </m:r>
+                    <m:sSub>
+                      <m:sSubPr>
+                        <m:ctrlPr>
+                          <a:rPr lang="en-GB" b="0" i="1" smtClean="0">
+                            <a:latin typeface="Cambria Math" panose="02040503050406030204" pitchFamily="18" charset="0"/>
+                          </a:rPr>
+                        </m:ctrlPr>
+                      </m:sSubPr>
+                      <m:e>
+                        <m:r>
+                          <a:rPr lang="en-GB" i="1">
+                            <a:latin typeface="Cambria Math" panose="02040503050406030204" pitchFamily="18" charset="0"/>
+                          </a:rPr>
+                          <m:t>𝑎𝑟𝑔𝑚𝑖𝑛</m:t>
+                        </m:r>
+                      </m:e>
+                      <m:sub>
+                        <m:r>
+                          <a:rPr lang="en-GB" b="0" i="1" smtClean="0">
+                            <a:latin typeface="Cambria Math" panose="02040503050406030204" pitchFamily="18" charset="0"/>
+                          </a:rPr>
+                          <m:t>𝑝</m:t>
+                        </m:r>
+                        <m:r>
+                          <a:rPr lang="en-GB" b="0" i="1" smtClean="0">
+                            <a:latin typeface="Cambria Math" panose="02040503050406030204" pitchFamily="18" charset="0"/>
+                          </a:rPr>
+                          <m:t> ∈</m:t>
+                        </m:r>
+                        <m:r>
+                          <a:rPr lang="en-GB" b="0" i="1" smtClean="0">
+                            <a:latin typeface="Cambria Math" panose="02040503050406030204" pitchFamily="18" charset="0"/>
+                            <a:ea typeface="Cambria Math" panose="02040503050406030204" pitchFamily="18" charset="0"/>
+                          </a:rPr>
+                          <m:t>𝑃</m:t>
+                        </m:r>
+                      </m:sub>
+                    </m:sSub>
+                    <m:r>
+                      <a:rPr lang="en-GB" b="0" i="1" smtClean="0">
+                        <a:latin typeface="Cambria Math" panose="02040503050406030204" pitchFamily="18" charset="0"/>
+                      </a:rPr>
+                      <m:t>𝑙𝑒𝑛</m:t>
+                    </m:r>
+                    <m:r>
+                      <a:rPr lang="en-GB" b="0" i="1" smtClean="0">
+                        <a:latin typeface="Cambria Math" panose="02040503050406030204" pitchFamily="18" charset="0"/>
+                      </a:rPr>
+                      <m:t>(</m:t>
+                    </m:r>
+                    <m:r>
+                      <a:rPr lang="en-GB" b="0" i="1" smtClean="0">
+                        <a:latin typeface="Cambria Math" panose="02040503050406030204" pitchFamily="18" charset="0"/>
+                      </a:rPr>
+                      <m:t>𝑝</m:t>
+                    </m:r>
+                    <m:r>
+                      <a:rPr lang="en-GB" b="0" i="1" smtClean="0">
+                        <a:latin typeface="Cambria Math" panose="02040503050406030204" pitchFamily="18" charset="0"/>
+                      </a:rPr>
+                      <m:t>)</m:t>
+                    </m:r>
+                  </m:oMath>
+                </a14:m>
+                <a:endParaRPr lang="en-GB" b="0" dirty="0"/>
+              </a:p>
+              <a:p>
+                <a:pPr marL="0" indent="0">
+                  <a:buNone/>
+                </a:pPr>
+                <a:r>
+                  <a:rPr lang="en-GB" dirty="0"/>
+                  <a:t>	</a:t>
+                </a:r>
+                <a:endParaRPr lang="de-DE" dirty="0"/>
+              </a:p>
+              <a:p>
+                <a:pPr marL="0" indent="0">
+                  <a:buNone/>
+                </a:pPr>
+                <a:r>
+                  <a:rPr lang="en-GB" dirty="0"/>
+                  <a:t>	</a:t>
+                </a:r>
                 <a:endParaRPr lang="de-DE" dirty="0"/>
               </a:p>
             </p:txBody>
           </p:sp>
         </mc:Choice>
-        <mc:Fallback xmlns="">
+        <mc:Fallback>
           <p:sp>
             <p:nvSpPr>
               <p:cNvPr id="3" name="Inhaltsplatzhalter 2">
@@ -5022,7 +5465,7 @@
               <a:blipFill>
                 <a:blip r:embed="rId2"/>
                 <a:stretch>
-                  <a:fillRect/>
+                  <a:fillRect l="-1217" t="-2241"/>
                 </a:stretch>
               </a:blipFill>
             </p:spPr>

--- a/MCFP.pptx
+++ b/MCFP.pptx
@@ -263,7 +263,7 @@
           <a:p>
             <a:fld id="{09C583F3-FD4A-47F5-92E3-ECEBCA750802}" type="datetimeFigureOut">
               <a:rPr lang="de-DE" smtClean="0"/>
-              <a:t>05.05.2019</a:t>
+              <a:t>06.05.2019</a:t>
             </a:fld>
             <a:endParaRPr lang="de-DE"/>
           </a:p>
@@ -461,7 +461,7 @@
           <a:p>
             <a:fld id="{09C583F3-FD4A-47F5-92E3-ECEBCA750802}" type="datetimeFigureOut">
               <a:rPr lang="de-DE" smtClean="0"/>
-              <a:t>05.05.2019</a:t>
+              <a:t>06.05.2019</a:t>
             </a:fld>
             <a:endParaRPr lang="de-DE"/>
           </a:p>
@@ -669,7 +669,7 @@
           <a:p>
             <a:fld id="{09C583F3-FD4A-47F5-92E3-ECEBCA750802}" type="datetimeFigureOut">
               <a:rPr lang="de-DE" smtClean="0"/>
-              <a:t>05.05.2019</a:t>
+              <a:t>06.05.2019</a:t>
             </a:fld>
             <a:endParaRPr lang="de-DE"/>
           </a:p>
@@ -867,7 +867,7 @@
           <a:p>
             <a:fld id="{09C583F3-FD4A-47F5-92E3-ECEBCA750802}" type="datetimeFigureOut">
               <a:rPr lang="de-DE" smtClean="0"/>
-              <a:t>05.05.2019</a:t>
+              <a:t>06.05.2019</a:t>
             </a:fld>
             <a:endParaRPr lang="de-DE"/>
           </a:p>
@@ -1142,7 +1142,7 @@
           <a:p>
             <a:fld id="{09C583F3-FD4A-47F5-92E3-ECEBCA750802}" type="datetimeFigureOut">
               <a:rPr lang="de-DE" smtClean="0"/>
-              <a:t>05.05.2019</a:t>
+              <a:t>06.05.2019</a:t>
             </a:fld>
             <a:endParaRPr lang="de-DE"/>
           </a:p>
@@ -1407,7 +1407,7 @@
           <a:p>
             <a:fld id="{09C583F3-FD4A-47F5-92E3-ECEBCA750802}" type="datetimeFigureOut">
               <a:rPr lang="de-DE" smtClean="0"/>
-              <a:t>05.05.2019</a:t>
+              <a:t>06.05.2019</a:t>
             </a:fld>
             <a:endParaRPr lang="de-DE"/>
           </a:p>
@@ -1819,7 +1819,7 @@
           <a:p>
             <a:fld id="{09C583F3-FD4A-47F5-92E3-ECEBCA750802}" type="datetimeFigureOut">
               <a:rPr lang="de-DE" smtClean="0"/>
-              <a:t>05.05.2019</a:t>
+              <a:t>06.05.2019</a:t>
             </a:fld>
             <a:endParaRPr lang="de-DE"/>
           </a:p>
@@ -1960,7 +1960,7 @@
           <a:p>
             <a:fld id="{09C583F3-FD4A-47F5-92E3-ECEBCA750802}" type="datetimeFigureOut">
               <a:rPr lang="de-DE" smtClean="0"/>
-              <a:t>05.05.2019</a:t>
+              <a:t>06.05.2019</a:t>
             </a:fld>
             <a:endParaRPr lang="de-DE"/>
           </a:p>
@@ -2073,7 +2073,7 @@
           <a:p>
             <a:fld id="{09C583F3-FD4A-47F5-92E3-ECEBCA750802}" type="datetimeFigureOut">
               <a:rPr lang="de-DE" smtClean="0"/>
-              <a:t>05.05.2019</a:t>
+              <a:t>06.05.2019</a:t>
             </a:fld>
             <a:endParaRPr lang="de-DE"/>
           </a:p>
@@ -2384,7 +2384,7 @@
           <a:p>
             <a:fld id="{09C583F3-FD4A-47F5-92E3-ECEBCA750802}" type="datetimeFigureOut">
               <a:rPr lang="de-DE" smtClean="0"/>
-              <a:t>05.05.2019</a:t>
+              <a:t>06.05.2019</a:t>
             </a:fld>
             <a:endParaRPr lang="de-DE"/>
           </a:p>
@@ -2672,7 +2672,7 @@
           <a:p>
             <a:fld id="{09C583F3-FD4A-47F5-92E3-ECEBCA750802}" type="datetimeFigureOut">
               <a:rPr lang="de-DE" smtClean="0"/>
-              <a:t>05.05.2019</a:t>
+              <a:t>06.05.2019</a:t>
             </a:fld>
             <a:endParaRPr lang="de-DE"/>
           </a:p>
@@ -2913,7 +2913,7 @@
           <a:p>
             <a:fld id="{09C583F3-FD4A-47F5-92E3-ECEBCA750802}" type="datetimeFigureOut">
               <a:rPr lang="de-DE" smtClean="0"/>
-              <a:t>05.05.2019</a:t>
+              <a:t>06.05.2019</a:t>
             </a:fld>
             <a:endParaRPr lang="de-DE"/>
           </a:p>
@@ -4749,7 +4749,7 @@
                         <a:rPr lang="en-GB" b="0" i="1" dirty="0" smtClean="0">
                           <a:latin typeface="Cambria Math" panose="02040503050406030204" pitchFamily="18" charset="0"/>
                         </a:rPr>
-                        <m:t>,  </m:t>
+                        <m:t>, </m:t>
                       </m:r>
                       <m:r>
                         <a:rPr lang="en-GB" b="0" i="1" dirty="0" smtClean="0">
@@ -5018,7 +5018,21 @@
                                   <a:latin typeface="Cambria Math" panose="02040503050406030204" pitchFamily="18" charset="0"/>
                                   <a:ea typeface="Cambria Math" panose="02040503050406030204" pitchFamily="18" charset="0"/>
                                 </a:rPr>
-                                <m:t> </m:t>
+                                <m:t> , </m:t>
+                              </m:r>
+                              <m:r>
+                                <a:rPr lang="en-GB" b="0" i="1" smtClean="0">
+                                  <a:latin typeface="Cambria Math" panose="02040503050406030204" pitchFamily="18" charset="0"/>
+                                  <a:ea typeface="Cambria Math" panose="02040503050406030204" pitchFamily="18" charset="0"/>
+                                </a:rPr>
+                                <m:t>𝑙</m:t>
+                              </m:r>
+                              <m:r>
+                                <a:rPr lang="en-GB" b="0" i="1" smtClean="0">
+                                  <a:latin typeface="Cambria Math" panose="02040503050406030204" pitchFamily="18" charset="0"/>
+                                  <a:ea typeface="Cambria Math" panose="02040503050406030204" pitchFamily="18" charset="0"/>
+                                </a:rPr>
+                                <m:t>≥0</m:t>
                               </m:r>
                             </m:e>
                           </m:nary>
@@ -5399,20 +5413,112 @@
                       </a:rPr>
                       <m:t>𝑙𝑒𝑛</m:t>
                     </m:r>
+                    <m:d>
+                      <m:dPr>
+                        <m:ctrlPr>
+                          <a:rPr lang="en-GB" b="0" i="1" smtClean="0">
+                            <a:latin typeface="Cambria Math" panose="02040503050406030204" pitchFamily="18" charset="0"/>
+                          </a:rPr>
+                        </m:ctrlPr>
+                      </m:dPr>
+                      <m:e>
+                        <m:r>
+                          <a:rPr lang="en-GB" b="0" i="1" smtClean="0">
+                            <a:latin typeface="Cambria Math" panose="02040503050406030204" pitchFamily="18" charset="0"/>
+                          </a:rPr>
+                          <m:t>𝑝</m:t>
+                        </m:r>
+                      </m:e>
+                    </m:d>
                     <m:r>
                       <a:rPr lang="en-GB" b="0" i="1" smtClean="0">
                         <a:latin typeface="Cambria Math" panose="02040503050406030204" pitchFamily="18" charset="0"/>
                       </a:rPr>
+                      <m:t>, </m:t>
+                    </m:r>
+                    <m:acc>
+                      <m:accPr>
+                        <m:chr m:val="̂"/>
+                        <m:ctrlPr>
+                          <a:rPr lang="en-GB" b="0" dirty="0" smtClean="0">
+                            <a:latin typeface="Cambria Math" panose="02040503050406030204" pitchFamily="18" charset="0"/>
+                          </a:rPr>
+                        </m:ctrlPr>
+                      </m:accPr>
+                      <m:e>
+                        <m:r>
+                          <a:rPr lang="en-GB" b="0" i="1" dirty="0">
+                            <a:latin typeface="Cambria Math" panose="02040503050406030204" pitchFamily="18" charset="0"/>
+                          </a:rPr>
+                          <m:t>𝑐</m:t>
+                        </m:r>
+                      </m:e>
+                    </m:acc>
+                    <m:r>
+                      <a:rPr lang="en-GB" b="0" i="1" dirty="0" smtClean="0">
+                        <a:latin typeface="Cambria Math" panose="02040503050406030204" pitchFamily="18" charset="0"/>
+                      </a:rPr>
+                      <m:t>=</m:t>
+                    </m:r>
+                    <m:sSub>
+                      <m:sSubPr>
+                        <m:ctrlPr>
+                          <a:rPr lang="en-GB" b="0" i="1" dirty="0" smtClean="0">
+                            <a:latin typeface="Cambria Math" panose="02040503050406030204" pitchFamily="18" charset="0"/>
+                          </a:rPr>
+                        </m:ctrlPr>
+                      </m:sSubPr>
+                      <m:e>
+                        <m:r>
+                          <a:rPr lang="en-GB" b="0" i="1" dirty="0" smtClean="0">
+                            <a:latin typeface="Cambria Math" panose="02040503050406030204" pitchFamily="18" charset="0"/>
+                          </a:rPr>
+                          <m:t>𝑚𝑖𝑛</m:t>
+                        </m:r>
+                      </m:e>
+                      <m:sub>
+                        <m:r>
+                          <a:rPr lang="en-GB" b="0" i="1" dirty="0" smtClean="0">
+                            <a:latin typeface="Cambria Math" panose="02040503050406030204" pitchFamily="18" charset="0"/>
+                          </a:rPr>
+                          <m:t>𝑐</m:t>
+                        </m:r>
+                        <m:r>
+                          <a:rPr lang="en-GB" b="0" i="1" dirty="0" smtClean="0">
+                            <a:latin typeface="Cambria Math" panose="02040503050406030204" pitchFamily="18" charset="0"/>
+                            <a:ea typeface="Cambria Math" panose="02040503050406030204" pitchFamily="18" charset="0"/>
+                          </a:rPr>
+                          <m:t>∈</m:t>
+                        </m:r>
+                        <m:r>
+                          <a:rPr lang="en-GB" b="0" i="1" dirty="0" smtClean="0">
+                            <a:latin typeface="Cambria Math" panose="02040503050406030204" pitchFamily="18" charset="0"/>
+                            <a:ea typeface="Cambria Math" panose="02040503050406030204" pitchFamily="18" charset="0"/>
+                          </a:rPr>
+                          <m:t>𝑃</m:t>
+                        </m:r>
+                      </m:sub>
+                    </m:sSub>
+                    <m:r>
+                      <a:rPr lang="en-GB" b="0" i="1" dirty="0" smtClean="0">
+                        <a:latin typeface="Cambria Math" panose="02040503050406030204" pitchFamily="18" charset="0"/>
+                      </a:rPr>
+                      <m:t>𝑐</m:t>
+                    </m:r>
+                    <m:r>
+                      <a:rPr lang="en-GB" b="0" i="1" dirty="0" smtClean="0">
+                        <a:latin typeface="Cambria Math" panose="02040503050406030204" pitchFamily="18" charset="0"/>
+                      </a:rPr>
                       <m:t>(</m:t>
                     </m:r>
                     <m:r>
-                      <a:rPr lang="en-GB" b="0" i="1" smtClean="0">
-                        <a:latin typeface="Cambria Math" panose="02040503050406030204" pitchFamily="18" charset="0"/>
-                      </a:rPr>
-                      <m:t>𝑝</m:t>
-                    </m:r>
-                    <m:r>
-                      <a:rPr lang="en-GB" b="0" i="1" smtClean="0">
+                      <a:rPr lang="en-GB" b="0" i="1" dirty="0" smtClean="0">
+                        <a:latin typeface="Cambria Math" panose="02040503050406030204" pitchFamily="18" charset="0"/>
+                      </a:rPr>
+                      <m:t>𝑒</m:t>
+                    </m:r>
+                    <m:r>
+                      <a:rPr lang="en-GB" b="0" i="1" dirty="0" smtClean="0">
                         <a:latin typeface="Cambria Math" panose="02040503050406030204" pitchFamily="18" charset="0"/>
                       </a:rPr>
                       <m:t>)</m:t>
@@ -5429,6 +5535,110 @@
                   <a:rPr lang="en-GB" dirty="0"/>
                   <a:t>	</a:t>
                 </a:r>
+                <a14:m>
+                  <m:oMath xmlns:m="http://schemas.openxmlformats.org/officeDocument/2006/math">
+                    <m:r>
+                      <a:rPr lang="en-GB" b="0" i="1" smtClean="0">
+                        <a:latin typeface="Cambria Math" panose="02040503050406030204" pitchFamily="18" charset="0"/>
+                      </a:rPr>
+                      <m:t>𝑥</m:t>
+                    </m:r>
+                    <m:d>
+                      <m:dPr>
+                        <m:ctrlPr>
+                          <a:rPr lang="en-GB" b="0" i="1" smtClean="0">
+                            <a:latin typeface="Cambria Math" panose="02040503050406030204" pitchFamily="18" charset="0"/>
+                          </a:rPr>
+                        </m:ctrlPr>
+                      </m:dPr>
+                      <m:e>
+                        <m:acc>
+                          <m:accPr>
+                            <m:chr m:val="̂"/>
+                            <m:ctrlPr>
+                              <a:rPr lang="en-GB" b="0" i="1" smtClean="0">
+                                <a:latin typeface="Cambria Math" panose="02040503050406030204" pitchFamily="18" charset="0"/>
+                              </a:rPr>
+                            </m:ctrlPr>
+                          </m:accPr>
+                          <m:e>
+                            <m:r>
+                              <a:rPr lang="en-GB" b="0" i="1" smtClean="0">
+                                <a:latin typeface="Cambria Math" panose="02040503050406030204" pitchFamily="18" charset="0"/>
+                              </a:rPr>
+                              <m:t>𝜌</m:t>
+                            </m:r>
+                          </m:e>
+                        </m:acc>
+                      </m:e>
+                    </m:d>
+                    <m:r>
+                      <a:rPr lang="en-GB" b="0" i="1" smtClean="0">
+                        <a:latin typeface="Cambria Math" panose="02040503050406030204" pitchFamily="18" charset="0"/>
+                      </a:rPr>
+                      <m:t>=</m:t>
+                    </m:r>
+                    <m:r>
+                      <a:rPr lang="en-GB" b="0" i="1" smtClean="0">
+                        <a:latin typeface="Cambria Math" panose="02040503050406030204" pitchFamily="18" charset="0"/>
+                      </a:rPr>
+                      <m:t>𝑥</m:t>
+                    </m:r>
+                    <m:d>
+                      <m:dPr>
+                        <m:ctrlPr>
+                          <a:rPr lang="en-GB" b="0" i="1" smtClean="0">
+                            <a:latin typeface="Cambria Math" panose="02040503050406030204" pitchFamily="18" charset="0"/>
+                          </a:rPr>
+                        </m:ctrlPr>
+                      </m:dPr>
+                      <m:e>
+                        <m:acc>
+                          <m:accPr>
+                            <m:chr m:val="̂"/>
+                            <m:ctrlPr>
+                              <a:rPr lang="en-GB" i="1">
+                                <a:latin typeface="Cambria Math" panose="02040503050406030204" pitchFamily="18" charset="0"/>
+                              </a:rPr>
+                            </m:ctrlPr>
+                          </m:accPr>
+                          <m:e>
+                            <m:r>
+                              <a:rPr lang="en-GB" i="1">
+                                <a:latin typeface="Cambria Math" panose="02040503050406030204" pitchFamily="18" charset="0"/>
+                              </a:rPr>
+                              <m:t>𝜌</m:t>
+                            </m:r>
+                          </m:e>
+                        </m:acc>
+                      </m:e>
+                    </m:d>
+                    <m:r>
+                      <a:rPr lang="en-GB" b="0" i="1" smtClean="0">
+                        <a:latin typeface="Cambria Math" panose="02040503050406030204" pitchFamily="18" charset="0"/>
+                      </a:rPr>
+                      <m:t>+</m:t>
+                    </m:r>
+                    <m:acc>
+                      <m:accPr>
+                        <m:chr m:val="̂"/>
+                        <m:ctrlPr>
+                          <a:rPr lang="en-GB" i="1" dirty="0">
+                            <a:latin typeface="Cambria Math" panose="02040503050406030204" pitchFamily="18" charset="0"/>
+                          </a:rPr>
+                        </m:ctrlPr>
+                      </m:accPr>
+                      <m:e>
+                        <m:r>
+                          <a:rPr lang="en-GB" i="1" dirty="0">
+                            <a:latin typeface="Cambria Math" panose="02040503050406030204" pitchFamily="18" charset="0"/>
+                          </a:rPr>
+                          <m:t>𝑐</m:t>
+                        </m:r>
+                      </m:e>
+                    </m:acc>
+                  </m:oMath>
+                </a14:m>
                 <a:endParaRPr lang="de-DE" dirty="0"/>
               </a:p>
               <a:p>
@@ -5439,6 +5649,323 @@
                   <a:rPr lang="en-GB" dirty="0"/>
                   <a:t>	</a:t>
                 </a:r>
+                <a14:m>
+                  <m:oMath xmlns:m="http://schemas.openxmlformats.org/officeDocument/2006/math">
+                    <m:r>
+                      <a:rPr lang="en-GB" i="1" smtClean="0">
+                        <a:latin typeface="Cambria Math" panose="02040503050406030204" pitchFamily="18" charset="0"/>
+                        <a:ea typeface="Cambria Math" panose="02040503050406030204" pitchFamily="18" charset="0"/>
+                      </a:rPr>
+                      <m:t>∀</m:t>
+                    </m:r>
+                    <m:r>
+                      <a:rPr lang="en-GB" b="0" i="1" smtClean="0">
+                        <a:latin typeface="Cambria Math" panose="02040503050406030204" pitchFamily="18" charset="0"/>
+                        <a:ea typeface="Cambria Math" panose="02040503050406030204" pitchFamily="18" charset="0"/>
+                      </a:rPr>
+                      <m:t> </m:t>
+                    </m:r>
+                    <m:r>
+                      <a:rPr lang="en-GB" b="0" i="1" smtClean="0">
+                        <a:latin typeface="Cambria Math" panose="02040503050406030204" pitchFamily="18" charset="0"/>
+                        <a:ea typeface="Cambria Math" panose="02040503050406030204" pitchFamily="18" charset="0"/>
+                      </a:rPr>
+                      <m:t>𝑒</m:t>
+                    </m:r>
+                    <m:r>
+                      <a:rPr lang="en-GB" b="0" i="1" smtClean="0">
+                        <a:latin typeface="Cambria Math" panose="02040503050406030204" pitchFamily="18" charset="0"/>
+                        <a:ea typeface="Cambria Math" panose="02040503050406030204" pitchFamily="18" charset="0"/>
+                      </a:rPr>
+                      <m:t> ∈</m:t>
+                    </m:r>
+                    <m:acc>
+                      <m:accPr>
+                        <m:chr m:val="̂"/>
+                        <m:ctrlPr>
+                          <a:rPr lang="en-GB" i="1">
+                            <a:latin typeface="Cambria Math" panose="02040503050406030204" pitchFamily="18" charset="0"/>
+                          </a:rPr>
+                        </m:ctrlPr>
+                      </m:accPr>
+                      <m:e>
+                        <m:r>
+                          <a:rPr lang="en-GB" i="1">
+                            <a:latin typeface="Cambria Math" panose="02040503050406030204" pitchFamily="18" charset="0"/>
+                          </a:rPr>
+                          <m:t>𝜌</m:t>
+                        </m:r>
+                      </m:e>
+                    </m:acc>
+                  </m:oMath>
+                </a14:m>
+                <a:r>
+                  <a:rPr lang="de-DE" dirty="0"/>
+                  <a:t> : </a:t>
+                </a:r>
+              </a:p>
+              <a:p>
+                <a:pPr marL="0" indent="0">
+                  <a:buNone/>
+                </a:pPr>
+                <a:r>
+                  <a:rPr lang="en-GB" dirty="0"/>
+                  <a:t>	</a:t>
+                </a:r>
+                <a:r>
+                  <a:rPr lang="de-DE" dirty="0"/>
+                  <a:t>	</a:t>
+                </a:r>
+                <a14:m>
+                  <m:oMath xmlns:m="http://schemas.openxmlformats.org/officeDocument/2006/math">
+                    <m:r>
+                      <a:rPr lang="en-GB" b="0" i="1" smtClean="0">
+                        <a:latin typeface="Cambria Math" panose="02040503050406030204" pitchFamily="18" charset="0"/>
+                      </a:rPr>
+                      <m:t>𝑙</m:t>
+                    </m:r>
+                    <m:d>
+                      <m:dPr>
+                        <m:ctrlPr>
+                          <a:rPr lang="en-GB" b="0" i="1" smtClean="0">
+                            <a:latin typeface="Cambria Math" panose="02040503050406030204" pitchFamily="18" charset="0"/>
+                          </a:rPr>
+                        </m:ctrlPr>
+                      </m:dPr>
+                      <m:e>
+                        <m:r>
+                          <a:rPr lang="en-GB" b="0" i="1" smtClean="0">
+                            <a:latin typeface="Cambria Math" panose="02040503050406030204" pitchFamily="18" charset="0"/>
+                          </a:rPr>
+                          <m:t>𝑒</m:t>
+                        </m:r>
+                      </m:e>
+                    </m:d>
+                    <m:r>
+                      <a:rPr lang="en-GB" b="0" i="1" smtClean="0">
+                        <a:latin typeface="Cambria Math" panose="02040503050406030204" pitchFamily="18" charset="0"/>
+                      </a:rPr>
+                      <m:t>=</m:t>
+                    </m:r>
+                    <m:r>
+                      <a:rPr lang="en-GB" b="0" i="1" smtClean="0">
+                        <a:latin typeface="Cambria Math" panose="02040503050406030204" pitchFamily="18" charset="0"/>
+                      </a:rPr>
+                      <m:t>𝑙</m:t>
+                    </m:r>
+                    <m:r>
+                      <a:rPr lang="en-GB" b="0" i="1" smtClean="0">
+                        <a:latin typeface="Cambria Math" panose="02040503050406030204" pitchFamily="18" charset="0"/>
+                      </a:rPr>
+                      <m:t>(</m:t>
+                    </m:r>
+                    <m:r>
+                      <a:rPr lang="en-GB" b="0" i="1" smtClean="0">
+                        <a:latin typeface="Cambria Math" panose="02040503050406030204" pitchFamily="18" charset="0"/>
+                      </a:rPr>
+                      <m:t>𝑒</m:t>
+                    </m:r>
+                    <m:r>
+                      <a:rPr lang="en-GB" b="0" i="1" smtClean="0">
+                        <a:latin typeface="Cambria Math" panose="02040503050406030204" pitchFamily="18" charset="0"/>
+                      </a:rPr>
+                      <m:t>)(1+</m:t>
+                    </m:r>
+                    <m:f>
+                      <m:fPr>
+                        <m:ctrlPr>
+                          <a:rPr lang="en-GB" b="0" i="1" smtClean="0">
+                            <a:latin typeface="Cambria Math" panose="02040503050406030204" pitchFamily="18" charset="0"/>
+                          </a:rPr>
+                        </m:ctrlPr>
+                      </m:fPr>
+                      <m:num>
+                        <m:r>
+                          <a:rPr lang="en-GB" b="0" i="1" smtClean="0">
+                            <a:latin typeface="Cambria Math" panose="02040503050406030204" pitchFamily="18" charset="0"/>
+                          </a:rPr>
+                          <m:t>𝜀</m:t>
+                        </m:r>
+                        <m:r>
+                          <a:rPr lang="en-GB" b="0" i="1" smtClean="0">
+                            <a:latin typeface="Cambria Math" panose="02040503050406030204" pitchFamily="18" charset="0"/>
+                          </a:rPr>
+                          <m:t>𝑐</m:t>
+                        </m:r>
+                        <m:r>
+                          <a:rPr lang="en-GB" b="0" i="1" smtClean="0">
+                            <a:latin typeface="Cambria Math" panose="02040503050406030204" pitchFamily="18" charset="0"/>
+                          </a:rPr>
+                          <m:t>(</m:t>
+                        </m:r>
+                        <m:r>
+                          <a:rPr lang="en-GB" b="0" i="1" smtClean="0">
+                            <a:latin typeface="Cambria Math" panose="02040503050406030204" pitchFamily="18" charset="0"/>
+                          </a:rPr>
+                          <m:t>𝑒</m:t>
+                        </m:r>
+                        <m:r>
+                          <a:rPr lang="en-GB" b="0" i="1" smtClean="0">
+                            <a:latin typeface="Cambria Math" panose="02040503050406030204" pitchFamily="18" charset="0"/>
+                          </a:rPr>
+                          <m:t>)</m:t>
+                        </m:r>
+                      </m:num>
+                      <m:den>
+                        <m:acc>
+                          <m:accPr>
+                            <m:chr m:val="̂"/>
+                            <m:ctrlPr>
+                              <a:rPr lang="en-GB" i="1" dirty="0">
+                                <a:latin typeface="Cambria Math" panose="02040503050406030204" pitchFamily="18" charset="0"/>
+                              </a:rPr>
+                            </m:ctrlPr>
+                          </m:accPr>
+                          <m:e>
+                            <m:r>
+                              <a:rPr lang="en-GB" i="1" dirty="0">
+                                <a:latin typeface="Cambria Math" panose="02040503050406030204" pitchFamily="18" charset="0"/>
+                              </a:rPr>
+                              <m:t>𝑐</m:t>
+                            </m:r>
+                          </m:e>
+                        </m:acc>
+                      </m:den>
+                    </m:f>
+                    <m:r>
+                      <a:rPr lang="en-GB" b="0" i="1" smtClean="0">
+                        <a:latin typeface="Cambria Math" panose="02040503050406030204" pitchFamily="18" charset="0"/>
+                      </a:rPr>
+                      <m:t>)</m:t>
+                    </m:r>
+                  </m:oMath>
+                </a14:m>
+                <a:r>
+                  <a:rPr lang="de-DE" dirty="0"/>
+                  <a:t> </a:t>
+                </a:r>
+              </a:p>
+              <a:p>
+                <a:pPr marL="0" indent="0">
+                  <a:buNone/>
+                </a:pPr>
+                <a:r>
+                  <a:rPr lang="en-GB" dirty="0"/>
+                  <a:t>Return </a:t>
+                </a:r>
+                <a14:m>
+                  <m:oMath xmlns:m="http://schemas.openxmlformats.org/officeDocument/2006/math">
+                    <m:r>
+                      <a:rPr lang="en-GB" b="0" i="1" smtClean="0">
+                        <a:latin typeface="Cambria Math" panose="02040503050406030204" pitchFamily="18" charset="0"/>
+                      </a:rPr>
+                      <m:t>(</m:t>
+                    </m:r>
+                    <m:f>
+                      <m:fPr>
+                        <m:ctrlPr>
+                          <a:rPr lang="en-GB" b="0" i="1" smtClean="0">
+                            <a:latin typeface="Cambria Math" panose="02040503050406030204" pitchFamily="18" charset="0"/>
+                          </a:rPr>
+                        </m:ctrlPr>
+                      </m:fPr>
+                      <m:num>
+                        <m:r>
+                          <a:rPr lang="en-GB" b="0" i="1" smtClean="0">
+                            <a:latin typeface="Cambria Math" panose="02040503050406030204" pitchFamily="18" charset="0"/>
+                          </a:rPr>
+                          <m:t>𝑥</m:t>
+                        </m:r>
+                      </m:num>
+                      <m:den>
+                        <m:func>
+                          <m:funcPr>
+                            <m:ctrlPr>
+                              <a:rPr lang="en-GB" b="0" i="1" smtClean="0">
+                                <a:latin typeface="Cambria Math" panose="02040503050406030204" pitchFamily="18" charset="0"/>
+                              </a:rPr>
+                            </m:ctrlPr>
+                          </m:funcPr>
+                          <m:fName>
+                            <m:sSub>
+                              <m:sSubPr>
+                                <m:ctrlPr>
+                                  <a:rPr lang="en-GB" b="0" i="1" smtClean="0">
+                                    <a:latin typeface="Cambria Math" panose="02040503050406030204" pitchFamily="18" charset="0"/>
+                                  </a:rPr>
+                                </m:ctrlPr>
+                              </m:sSubPr>
+                              <m:e>
+                                <m:r>
+                                  <m:rPr>
+                                    <m:sty m:val="p"/>
+                                  </m:rPr>
+                                  <a:rPr lang="en-GB" b="0" i="1" smtClean="0">
+                                    <a:latin typeface="Cambria Math" panose="02040503050406030204" pitchFamily="18" charset="0"/>
+                                  </a:rPr>
+                                  <m:t>log</m:t>
+                                </m:r>
+                              </m:e>
+                              <m:sub>
+                                <m:r>
+                                  <a:rPr lang="en-GB" i="1">
+                                    <a:latin typeface="Cambria Math" panose="02040503050406030204" pitchFamily="18" charset="0"/>
+                                  </a:rPr>
+                                  <m:t>1+</m:t>
+                                </m:r>
+                                <m:r>
+                                  <a:rPr lang="en-GB" i="1">
+                                    <a:latin typeface="Cambria Math" panose="02040503050406030204" pitchFamily="18" charset="0"/>
+                                  </a:rPr>
+                                  <m:t>𝜀</m:t>
+                                </m:r>
+                              </m:sub>
+                            </m:sSub>
+                          </m:fName>
+                          <m:e>
+                            <m:f>
+                              <m:fPr>
+                                <m:ctrlPr>
+                                  <a:rPr lang="en-GB" b="0" i="1" smtClean="0">
+                                    <a:latin typeface="Cambria Math" panose="02040503050406030204" pitchFamily="18" charset="0"/>
+                                  </a:rPr>
+                                </m:ctrlPr>
+                              </m:fPr>
+                              <m:num>
+                                <m:r>
+                                  <a:rPr lang="en-GB" i="1">
+                                    <a:latin typeface="Cambria Math" panose="02040503050406030204" pitchFamily="18" charset="0"/>
+                                  </a:rPr>
+                                  <m:t>1+</m:t>
+                                </m:r>
+                                <m:r>
+                                  <a:rPr lang="en-GB" i="1">
+                                    <a:latin typeface="Cambria Math" panose="02040503050406030204" pitchFamily="18" charset="0"/>
+                                  </a:rPr>
+                                  <m:t>𝜀</m:t>
+                                </m:r>
+                              </m:num>
+                              <m:den>
+                                <m:r>
+                                  <a:rPr lang="de-DE" i="1" dirty="0">
+                                    <a:latin typeface="Cambria Math" panose="02040503050406030204" pitchFamily="18" charset="0"/>
+                                  </a:rPr>
+                                  <m:t>𝛿</m:t>
+                                </m:r>
+                              </m:den>
+                            </m:f>
+                          </m:e>
+                        </m:func>
+                      </m:den>
+                    </m:f>
+                    <m:r>
+                      <a:rPr lang="en-GB" b="0" i="1" smtClean="0">
+                        <a:latin typeface="Cambria Math" panose="02040503050406030204" pitchFamily="18" charset="0"/>
+                      </a:rPr>
+                      <m:t>)</m:t>
+                    </m:r>
+                  </m:oMath>
+                </a14:m>
                 <a:endParaRPr lang="de-DE" dirty="0"/>
               </a:p>
             </p:txBody>

--- a/MCFP.pptx
+++ b/MCFP.pptx
@@ -7,9 +7,17 @@
   <p:sldIdLst>
     <p:sldId id="256" r:id="rId2"/>
     <p:sldId id="257" r:id="rId3"/>
-    <p:sldId id="258" r:id="rId4"/>
-    <p:sldId id="259" r:id="rId5"/>
-    <p:sldId id="260" r:id="rId6"/>
+    <p:sldId id="265" r:id="rId4"/>
+    <p:sldId id="261" r:id="rId5"/>
+    <p:sldId id="258" r:id="rId6"/>
+    <p:sldId id="259" r:id="rId7"/>
+    <p:sldId id="260" r:id="rId8"/>
+    <p:sldId id="267" r:id="rId9"/>
+    <p:sldId id="264" r:id="rId10"/>
+    <p:sldId id="266" r:id="rId11"/>
+    <p:sldId id="268" r:id="rId12"/>
+    <p:sldId id="263" r:id="rId13"/>
+    <p:sldId id="262" r:id="rId14"/>
   </p:sldIdLst>
   <p:sldSz cx="12192000" cy="6858000"/>
   <p:notesSz cx="6858000" cy="9144000"/>
@@ -263,7 +271,7 @@
           <a:p>
             <a:fld id="{09C583F3-FD4A-47F5-92E3-ECEBCA750802}" type="datetimeFigureOut">
               <a:rPr lang="de-DE" smtClean="0"/>
-              <a:t>06.05.2019</a:t>
+              <a:t>08.05.2019</a:t>
             </a:fld>
             <a:endParaRPr lang="de-DE"/>
           </a:p>
@@ -461,7 +469,7 @@
           <a:p>
             <a:fld id="{09C583F3-FD4A-47F5-92E3-ECEBCA750802}" type="datetimeFigureOut">
               <a:rPr lang="de-DE" smtClean="0"/>
-              <a:t>06.05.2019</a:t>
+              <a:t>08.05.2019</a:t>
             </a:fld>
             <a:endParaRPr lang="de-DE"/>
           </a:p>
@@ -669,7 +677,7 @@
           <a:p>
             <a:fld id="{09C583F3-FD4A-47F5-92E3-ECEBCA750802}" type="datetimeFigureOut">
               <a:rPr lang="de-DE" smtClean="0"/>
-              <a:t>06.05.2019</a:t>
+              <a:t>08.05.2019</a:t>
             </a:fld>
             <a:endParaRPr lang="de-DE"/>
           </a:p>
@@ -867,7 +875,7 @@
           <a:p>
             <a:fld id="{09C583F3-FD4A-47F5-92E3-ECEBCA750802}" type="datetimeFigureOut">
               <a:rPr lang="de-DE" smtClean="0"/>
-              <a:t>06.05.2019</a:t>
+              <a:t>08.05.2019</a:t>
             </a:fld>
             <a:endParaRPr lang="de-DE"/>
           </a:p>
@@ -1142,7 +1150,7 @@
           <a:p>
             <a:fld id="{09C583F3-FD4A-47F5-92E3-ECEBCA750802}" type="datetimeFigureOut">
               <a:rPr lang="de-DE" smtClean="0"/>
-              <a:t>06.05.2019</a:t>
+              <a:t>08.05.2019</a:t>
             </a:fld>
             <a:endParaRPr lang="de-DE"/>
           </a:p>
@@ -1407,7 +1415,7 @@
           <a:p>
             <a:fld id="{09C583F3-FD4A-47F5-92E3-ECEBCA750802}" type="datetimeFigureOut">
               <a:rPr lang="de-DE" smtClean="0"/>
-              <a:t>06.05.2019</a:t>
+              <a:t>08.05.2019</a:t>
             </a:fld>
             <a:endParaRPr lang="de-DE"/>
           </a:p>
@@ -1819,7 +1827,7 @@
           <a:p>
             <a:fld id="{09C583F3-FD4A-47F5-92E3-ECEBCA750802}" type="datetimeFigureOut">
               <a:rPr lang="de-DE" smtClean="0"/>
-              <a:t>06.05.2019</a:t>
+              <a:t>08.05.2019</a:t>
             </a:fld>
             <a:endParaRPr lang="de-DE"/>
           </a:p>
@@ -1960,7 +1968,7 @@
           <a:p>
             <a:fld id="{09C583F3-FD4A-47F5-92E3-ECEBCA750802}" type="datetimeFigureOut">
               <a:rPr lang="de-DE" smtClean="0"/>
-              <a:t>06.05.2019</a:t>
+              <a:t>08.05.2019</a:t>
             </a:fld>
             <a:endParaRPr lang="de-DE"/>
           </a:p>
@@ -2073,7 +2081,7 @@
           <a:p>
             <a:fld id="{09C583F3-FD4A-47F5-92E3-ECEBCA750802}" type="datetimeFigureOut">
               <a:rPr lang="de-DE" smtClean="0"/>
-              <a:t>06.05.2019</a:t>
+              <a:t>08.05.2019</a:t>
             </a:fld>
             <a:endParaRPr lang="de-DE"/>
           </a:p>
@@ -2384,7 +2392,7 @@
           <a:p>
             <a:fld id="{09C583F3-FD4A-47F5-92E3-ECEBCA750802}" type="datetimeFigureOut">
               <a:rPr lang="de-DE" smtClean="0"/>
-              <a:t>06.05.2019</a:t>
+              <a:t>08.05.2019</a:t>
             </a:fld>
             <a:endParaRPr lang="de-DE"/>
           </a:p>
@@ -2672,7 +2680,7 @@
           <a:p>
             <a:fld id="{09C583F3-FD4A-47F5-92E3-ECEBCA750802}" type="datetimeFigureOut">
               <a:rPr lang="de-DE" smtClean="0"/>
-              <a:t>06.05.2019</a:t>
+              <a:t>08.05.2019</a:t>
             </a:fld>
             <a:endParaRPr lang="de-DE"/>
           </a:p>
@@ -2913,7 +2921,7 @@
           <a:p>
             <a:fld id="{09C583F3-FD4A-47F5-92E3-ECEBCA750802}" type="datetimeFigureOut">
               <a:rPr lang="de-DE" smtClean="0"/>
-              <a:t>06.05.2019</a:t>
+              <a:t>08.05.2019</a:t>
             </a:fld>
             <a:endParaRPr lang="de-DE"/>
           </a:p>
@@ -3399,7 +3407,7 @@
           <a:p>
             <a:r>
               <a:rPr lang="en-US" dirty="0"/>
-              <a:t>Maximum Multi Commodity Flow Problem</a:t>
+              <a:t>Maximum Multi Commodity Flow Problem Approximation Scheme</a:t>
             </a:r>
             <a:br>
               <a:rPr lang="en-US" dirty="0"/>
@@ -3412,6 +3420,2507 @@
     <p:extLst>
       <p:ext uri="{BB962C8B-B14F-4D97-AF65-F5344CB8AC3E}">
         <p14:creationId xmlns:p14="http://schemas.microsoft.com/office/powerpoint/2010/main" val="1466878125"/>
+      </p:ext>
+    </p:extLst>
+  </p:cSld>
+  <p:clrMapOvr>
+    <a:masterClrMapping/>
+  </p:clrMapOvr>
+</p:sld>
+</file>
+
+<file path=ppt/slides/slide10.xml><?xml version="1.0" encoding="utf-8"?>
+<p:sld xmlns:a="http://schemas.openxmlformats.org/drawingml/2006/main" xmlns:r="http://schemas.openxmlformats.org/officeDocument/2006/relationships" xmlns:p="http://schemas.openxmlformats.org/presentationml/2006/main">
+  <p:cSld>
+    <p:spTree>
+      <p:nvGrpSpPr>
+        <p:cNvPr id="1" name=""/>
+        <p:cNvGrpSpPr/>
+        <p:nvPr/>
+      </p:nvGrpSpPr>
+      <p:grpSpPr>
+        <a:xfrm>
+          <a:off x="0" y="0"/>
+          <a:ext cx="0" cy="0"/>
+          <a:chOff x="0" y="0"/>
+          <a:chExt cx="0" cy="0"/>
+        </a:xfrm>
+      </p:grpSpPr>
+      <p:sp>
+        <p:nvSpPr>
+          <p:cNvPr id="2" name="Titel 1">
+            <a:extLst>
+              <a:ext uri="{FF2B5EF4-FFF2-40B4-BE49-F238E27FC236}">
+                <a16:creationId xmlns:a16="http://schemas.microsoft.com/office/drawing/2014/main" id="{4EFFAF4B-E858-416E-B027-6D6B4C4DB524}"/>
+              </a:ext>
+            </a:extLst>
+          </p:cNvPr>
+          <p:cNvSpPr>
+            <a:spLocks noGrp="1"/>
+          </p:cNvSpPr>
+          <p:nvPr>
+            <p:ph type="title"/>
+          </p:nvPr>
+        </p:nvSpPr>
+        <p:spPr/>
+        <p:txBody>
+          <a:bodyPr/>
+          <a:lstStyle/>
+          <a:p>
+            <a:endParaRPr lang="de-DE"/>
+          </a:p>
+        </p:txBody>
+      </p:sp>
+      <p:sp>
+        <p:nvSpPr>
+          <p:cNvPr id="3" name="Inhaltsplatzhalter 2">
+            <a:extLst>
+              <a:ext uri="{FF2B5EF4-FFF2-40B4-BE49-F238E27FC236}">
+                <a16:creationId xmlns:a16="http://schemas.microsoft.com/office/drawing/2014/main" id="{7A8A796D-6089-4C12-BAA4-73946ADF1593}"/>
+              </a:ext>
+            </a:extLst>
+          </p:cNvPr>
+          <p:cNvSpPr>
+            <a:spLocks noGrp="1"/>
+          </p:cNvSpPr>
+          <p:nvPr>
+            <p:ph idx="1"/>
+          </p:nvPr>
+        </p:nvSpPr>
+        <p:spPr/>
+        <p:txBody>
+          <a:bodyPr/>
+          <a:lstStyle/>
+          <a:p>
+            <a:endParaRPr lang="de-DE" dirty="0"/>
+          </a:p>
+        </p:txBody>
+      </p:sp>
+      <p:sp>
+        <p:nvSpPr>
+          <p:cNvPr id="4" name="Rechteck 3">
+            <a:extLst>
+              <a:ext uri="{FF2B5EF4-FFF2-40B4-BE49-F238E27FC236}">
+                <a16:creationId xmlns:a16="http://schemas.microsoft.com/office/drawing/2014/main" id="{B92379E7-A432-4591-89AE-F72A183D3BA1}"/>
+              </a:ext>
+            </a:extLst>
+          </p:cNvPr>
+          <p:cNvSpPr/>
+          <p:nvPr/>
+        </p:nvSpPr>
+        <p:spPr>
+          <a:xfrm>
+            <a:off x="1660124" y="2583404"/>
+            <a:ext cx="807868" cy="648069"/>
+          </a:xfrm>
+          <a:prstGeom prst="rect">
+            <a:avLst/>
+          </a:prstGeom>
+        </p:spPr>
+        <p:style>
+          <a:lnRef idx="2">
+            <a:schemeClr val="accent1">
+              <a:shade val="50000"/>
+            </a:schemeClr>
+          </a:lnRef>
+          <a:fillRef idx="1">
+            <a:schemeClr val="accent1"/>
+          </a:fillRef>
+          <a:effectRef idx="0">
+            <a:schemeClr val="accent1"/>
+          </a:effectRef>
+          <a:fontRef idx="minor">
+            <a:schemeClr val="lt1"/>
+          </a:fontRef>
+        </p:style>
+        <p:txBody>
+          <a:bodyPr rtlCol="0" anchor="ctr"/>
+          <a:lstStyle/>
+          <a:p>
+            <a:pPr algn="ctr"/>
+            <a:r>
+              <a:rPr lang="en-GB" dirty="0"/>
+              <a:t>a</a:t>
+            </a:r>
+            <a:endParaRPr lang="de-DE" dirty="0"/>
+          </a:p>
+        </p:txBody>
+      </p:sp>
+      <p:sp>
+        <p:nvSpPr>
+          <p:cNvPr id="5" name="Rechteck 4">
+            <a:extLst>
+              <a:ext uri="{FF2B5EF4-FFF2-40B4-BE49-F238E27FC236}">
+                <a16:creationId xmlns:a16="http://schemas.microsoft.com/office/drawing/2014/main" id="{BDF3770E-A723-4F4E-BDE3-553B88A16B15}"/>
+              </a:ext>
+            </a:extLst>
+          </p:cNvPr>
+          <p:cNvSpPr/>
+          <p:nvPr/>
+        </p:nvSpPr>
+        <p:spPr>
+          <a:xfrm>
+            <a:off x="3446016" y="2583403"/>
+            <a:ext cx="807868" cy="648069"/>
+          </a:xfrm>
+          <a:prstGeom prst="rect">
+            <a:avLst/>
+          </a:prstGeom>
+        </p:spPr>
+        <p:style>
+          <a:lnRef idx="2">
+            <a:schemeClr val="accent1">
+              <a:shade val="50000"/>
+            </a:schemeClr>
+          </a:lnRef>
+          <a:fillRef idx="1">
+            <a:schemeClr val="accent1"/>
+          </a:fillRef>
+          <a:effectRef idx="0">
+            <a:schemeClr val="accent1"/>
+          </a:effectRef>
+          <a:fontRef idx="minor">
+            <a:schemeClr val="lt1"/>
+          </a:fontRef>
+        </p:style>
+        <p:txBody>
+          <a:bodyPr rtlCol="0" anchor="ctr"/>
+          <a:lstStyle/>
+          <a:p>
+            <a:pPr algn="ctr"/>
+            <a:r>
+              <a:rPr lang="en-GB" dirty="0"/>
+              <a:t>b</a:t>
+            </a:r>
+            <a:endParaRPr lang="de-DE" dirty="0"/>
+          </a:p>
+        </p:txBody>
+      </p:sp>
+      <p:sp>
+        <p:nvSpPr>
+          <p:cNvPr id="6" name="Rechteck 5">
+            <a:extLst>
+              <a:ext uri="{FF2B5EF4-FFF2-40B4-BE49-F238E27FC236}">
+                <a16:creationId xmlns:a16="http://schemas.microsoft.com/office/drawing/2014/main" id="{3DF88EE5-681B-444A-B33B-B51F43C39A20}"/>
+              </a:ext>
+            </a:extLst>
+          </p:cNvPr>
+          <p:cNvSpPr/>
+          <p:nvPr/>
+        </p:nvSpPr>
+        <p:spPr>
+          <a:xfrm>
+            <a:off x="3446016" y="4056146"/>
+            <a:ext cx="807868" cy="648069"/>
+          </a:xfrm>
+          <a:prstGeom prst="rect">
+            <a:avLst/>
+          </a:prstGeom>
+        </p:spPr>
+        <p:style>
+          <a:lnRef idx="2">
+            <a:schemeClr val="accent1">
+              <a:shade val="50000"/>
+            </a:schemeClr>
+          </a:lnRef>
+          <a:fillRef idx="1">
+            <a:schemeClr val="accent1"/>
+          </a:fillRef>
+          <a:effectRef idx="0">
+            <a:schemeClr val="accent1"/>
+          </a:effectRef>
+          <a:fontRef idx="minor">
+            <a:schemeClr val="lt1"/>
+          </a:fontRef>
+        </p:style>
+        <p:txBody>
+          <a:bodyPr rtlCol="0" anchor="ctr"/>
+          <a:lstStyle/>
+          <a:p>
+            <a:pPr algn="ctr"/>
+            <a:r>
+              <a:rPr lang="en-GB" dirty="0"/>
+              <a:t>f</a:t>
+            </a:r>
+            <a:endParaRPr lang="de-DE" dirty="0"/>
+          </a:p>
+        </p:txBody>
+      </p:sp>
+      <p:sp>
+        <p:nvSpPr>
+          <p:cNvPr id="7" name="Rechteck 6">
+            <a:extLst>
+              <a:ext uri="{FF2B5EF4-FFF2-40B4-BE49-F238E27FC236}">
+                <a16:creationId xmlns:a16="http://schemas.microsoft.com/office/drawing/2014/main" id="{875E4D24-3D60-41A3-AA82-3A9D8CF818ED}"/>
+              </a:ext>
+            </a:extLst>
+          </p:cNvPr>
+          <p:cNvSpPr/>
+          <p:nvPr/>
+        </p:nvSpPr>
+        <p:spPr>
+          <a:xfrm>
+            <a:off x="1660124" y="4056148"/>
+            <a:ext cx="807868" cy="648069"/>
+          </a:xfrm>
+          <a:prstGeom prst="rect">
+            <a:avLst/>
+          </a:prstGeom>
+        </p:spPr>
+        <p:style>
+          <a:lnRef idx="2">
+            <a:schemeClr val="accent1">
+              <a:shade val="50000"/>
+            </a:schemeClr>
+          </a:lnRef>
+          <a:fillRef idx="1">
+            <a:schemeClr val="accent1"/>
+          </a:fillRef>
+          <a:effectRef idx="0">
+            <a:schemeClr val="accent1"/>
+          </a:effectRef>
+          <a:fontRef idx="minor">
+            <a:schemeClr val="lt1"/>
+          </a:fontRef>
+        </p:style>
+        <p:txBody>
+          <a:bodyPr rtlCol="0" anchor="ctr"/>
+          <a:lstStyle/>
+          <a:p>
+            <a:pPr algn="ctr"/>
+            <a:r>
+              <a:rPr lang="en-GB" dirty="0"/>
+              <a:t>e</a:t>
+            </a:r>
+            <a:endParaRPr lang="de-DE" dirty="0"/>
+          </a:p>
+        </p:txBody>
+      </p:sp>
+      <p:sp>
+        <p:nvSpPr>
+          <p:cNvPr id="8" name="Rechteck 7">
+            <a:extLst>
+              <a:ext uri="{FF2B5EF4-FFF2-40B4-BE49-F238E27FC236}">
+                <a16:creationId xmlns:a16="http://schemas.microsoft.com/office/drawing/2014/main" id="{5A7C41AB-43AC-4B6A-8F9C-FA0E040DE914}"/>
+              </a:ext>
+            </a:extLst>
+          </p:cNvPr>
+          <p:cNvSpPr/>
+          <p:nvPr/>
+        </p:nvSpPr>
+        <p:spPr>
+          <a:xfrm>
+            <a:off x="5231908" y="2583400"/>
+            <a:ext cx="807868" cy="648069"/>
+          </a:xfrm>
+          <a:prstGeom prst="rect">
+            <a:avLst/>
+          </a:prstGeom>
+        </p:spPr>
+        <p:style>
+          <a:lnRef idx="2">
+            <a:schemeClr val="accent1">
+              <a:shade val="50000"/>
+            </a:schemeClr>
+          </a:lnRef>
+          <a:fillRef idx="1">
+            <a:schemeClr val="accent1"/>
+          </a:fillRef>
+          <a:effectRef idx="0">
+            <a:schemeClr val="accent1"/>
+          </a:effectRef>
+          <a:fontRef idx="minor">
+            <a:schemeClr val="lt1"/>
+          </a:fontRef>
+        </p:style>
+        <p:txBody>
+          <a:bodyPr rtlCol="0" anchor="ctr"/>
+          <a:lstStyle/>
+          <a:p>
+            <a:pPr algn="ctr"/>
+            <a:r>
+              <a:rPr lang="en-GB" dirty="0"/>
+              <a:t>c</a:t>
+            </a:r>
+            <a:endParaRPr lang="de-DE" dirty="0"/>
+          </a:p>
+        </p:txBody>
+      </p:sp>
+      <p:sp>
+        <p:nvSpPr>
+          <p:cNvPr id="9" name="Rechteck 8">
+            <a:extLst>
+              <a:ext uri="{FF2B5EF4-FFF2-40B4-BE49-F238E27FC236}">
+                <a16:creationId xmlns:a16="http://schemas.microsoft.com/office/drawing/2014/main" id="{F1AD5E63-478C-4AF9-882F-6850D876A916}"/>
+              </a:ext>
+            </a:extLst>
+          </p:cNvPr>
+          <p:cNvSpPr/>
+          <p:nvPr/>
+        </p:nvSpPr>
+        <p:spPr>
+          <a:xfrm>
+            <a:off x="5231908" y="4056146"/>
+            <a:ext cx="807868" cy="648069"/>
+          </a:xfrm>
+          <a:prstGeom prst="rect">
+            <a:avLst/>
+          </a:prstGeom>
+        </p:spPr>
+        <p:style>
+          <a:lnRef idx="2">
+            <a:schemeClr val="accent1">
+              <a:shade val="50000"/>
+            </a:schemeClr>
+          </a:lnRef>
+          <a:fillRef idx="1">
+            <a:schemeClr val="accent1"/>
+          </a:fillRef>
+          <a:effectRef idx="0">
+            <a:schemeClr val="accent1"/>
+          </a:effectRef>
+          <a:fontRef idx="minor">
+            <a:schemeClr val="lt1"/>
+          </a:fontRef>
+        </p:style>
+        <p:txBody>
+          <a:bodyPr rtlCol="0" anchor="ctr"/>
+          <a:lstStyle/>
+          <a:p>
+            <a:pPr algn="ctr"/>
+            <a:r>
+              <a:rPr lang="en-GB" dirty="0"/>
+              <a:t>g</a:t>
+            </a:r>
+            <a:endParaRPr lang="de-DE" dirty="0"/>
+          </a:p>
+        </p:txBody>
+      </p:sp>
+      <p:sp>
+        <p:nvSpPr>
+          <p:cNvPr id="10" name="Rechteck 9">
+            <a:extLst>
+              <a:ext uri="{FF2B5EF4-FFF2-40B4-BE49-F238E27FC236}">
+                <a16:creationId xmlns:a16="http://schemas.microsoft.com/office/drawing/2014/main" id="{7F2AC756-DE5D-4EF9-B278-C8B783CD6B45}"/>
+              </a:ext>
+            </a:extLst>
+          </p:cNvPr>
+          <p:cNvSpPr/>
+          <p:nvPr/>
+        </p:nvSpPr>
+        <p:spPr>
+          <a:xfrm>
+            <a:off x="6861700" y="2583399"/>
+            <a:ext cx="807868" cy="648069"/>
+          </a:xfrm>
+          <a:prstGeom prst="rect">
+            <a:avLst/>
+          </a:prstGeom>
+        </p:spPr>
+        <p:style>
+          <a:lnRef idx="2">
+            <a:schemeClr val="accent1">
+              <a:shade val="50000"/>
+            </a:schemeClr>
+          </a:lnRef>
+          <a:fillRef idx="1">
+            <a:schemeClr val="accent1"/>
+          </a:fillRef>
+          <a:effectRef idx="0">
+            <a:schemeClr val="accent1"/>
+          </a:effectRef>
+          <a:fontRef idx="minor">
+            <a:schemeClr val="lt1"/>
+          </a:fontRef>
+        </p:style>
+        <p:txBody>
+          <a:bodyPr rtlCol="0" anchor="ctr"/>
+          <a:lstStyle/>
+          <a:p>
+            <a:pPr algn="ctr"/>
+            <a:r>
+              <a:rPr lang="en-GB" dirty="0"/>
+              <a:t>d</a:t>
+            </a:r>
+            <a:endParaRPr lang="de-DE" dirty="0"/>
+          </a:p>
+        </p:txBody>
+      </p:sp>
+      <p:cxnSp>
+        <p:nvCxnSpPr>
+          <p:cNvPr id="11" name="Gerade Verbindung mit Pfeil 10">
+            <a:extLst>
+              <a:ext uri="{FF2B5EF4-FFF2-40B4-BE49-F238E27FC236}">
+                <a16:creationId xmlns:a16="http://schemas.microsoft.com/office/drawing/2014/main" id="{85F1E9D3-CD53-41F2-84EF-3D29FC05234B}"/>
+              </a:ext>
+            </a:extLst>
+          </p:cNvPr>
+          <p:cNvCxnSpPr>
+            <a:stCxn id="4" idx="3"/>
+            <a:endCxn id="5" idx="1"/>
+          </p:cNvCxnSpPr>
+          <p:nvPr/>
+        </p:nvCxnSpPr>
+        <p:spPr>
+          <a:xfrm flipV="1">
+            <a:off x="2467992" y="2907438"/>
+            <a:ext cx="978024" cy="1"/>
+          </a:xfrm>
+          <a:prstGeom prst="straightConnector1">
+            <a:avLst/>
+          </a:prstGeom>
+          <a:ln>
+            <a:tailEnd type="triangle"/>
+          </a:ln>
+        </p:spPr>
+        <p:style>
+          <a:lnRef idx="1">
+            <a:schemeClr val="accent1"/>
+          </a:lnRef>
+          <a:fillRef idx="0">
+            <a:schemeClr val="accent1"/>
+          </a:fillRef>
+          <a:effectRef idx="0">
+            <a:schemeClr val="accent1"/>
+          </a:effectRef>
+          <a:fontRef idx="minor">
+            <a:schemeClr val="tx1"/>
+          </a:fontRef>
+        </p:style>
+      </p:cxnSp>
+      <p:cxnSp>
+        <p:nvCxnSpPr>
+          <p:cNvPr id="12" name="Gerade Verbindung mit Pfeil 11">
+            <a:extLst>
+              <a:ext uri="{FF2B5EF4-FFF2-40B4-BE49-F238E27FC236}">
+                <a16:creationId xmlns:a16="http://schemas.microsoft.com/office/drawing/2014/main" id="{99624B3C-7978-48BC-9827-CD42C4DE7AB1}"/>
+              </a:ext>
+            </a:extLst>
+          </p:cNvPr>
+          <p:cNvCxnSpPr/>
+          <p:nvPr/>
+        </p:nvCxnSpPr>
+        <p:spPr>
+          <a:xfrm flipV="1">
+            <a:off x="4253884" y="2907432"/>
+            <a:ext cx="978024" cy="1"/>
+          </a:xfrm>
+          <a:prstGeom prst="straightConnector1">
+            <a:avLst/>
+          </a:prstGeom>
+          <a:ln>
+            <a:tailEnd type="triangle"/>
+          </a:ln>
+        </p:spPr>
+        <p:style>
+          <a:lnRef idx="1">
+            <a:schemeClr val="accent1"/>
+          </a:lnRef>
+          <a:fillRef idx="0">
+            <a:schemeClr val="accent1"/>
+          </a:fillRef>
+          <a:effectRef idx="0">
+            <a:schemeClr val="accent1"/>
+          </a:effectRef>
+          <a:fontRef idx="minor">
+            <a:schemeClr val="tx1"/>
+          </a:fontRef>
+        </p:style>
+      </p:cxnSp>
+      <p:cxnSp>
+        <p:nvCxnSpPr>
+          <p:cNvPr id="13" name="Gerade Verbindung mit Pfeil 12">
+            <a:extLst>
+              <a:ext uri="{FF2B5EF4-FFF2-40B4-BE49-F238E27FC236}">
+                <a16:creationId xmlns:a16="http://schemas.microsoft.com/office/drawing/2014/main" id="{1313FE3B-DC21-4BA3-AF3E-9F35B59937FD}"/>
+              </a:ext>
+            </a:extLst>
+          </p:cNvPr>
+          <p:cNvCxnSpPr/>
+          <p:nvPr/>
+        </p:nvCxnSpPr>
+        <p:spPr>
+          <a:xfrm flipV="1">
+            <a:off x="5883676" y="2905212"/>
+            <a:ext cx="978024" cy="1"/>
+          </a:xfrm>
+          <a:prstGeom prst="straightConnector1">
+            <a:avLst/>
+          </a:prstGeom>
+          <a:ln>
+            <a:tailEnd type="triangle"/>
+          </a:ln>
+        </p:spPr>
+        <p:style>
+          <a:lnRef idx="1">
+            <a:schemeClr val="accent1"/>
+          </a:lnRef>
+          <a:fillRef idx="0">
+            <a:schemeClr val="accent1"/>
+          </a:fillRef>
+          <a:effectRef idx="0">
+            <a:schemeClr val="accent1"/>
+          </a:effectRef>
+          <a:fontRef idx="minor">
+            <a:schemeClr val="tx1"/>
+          </a:fontRef>
+        </p:style>
+      </p:cxnSp>
+      <p:cxnSp>
+        <p:nvCxnSpPr>
+          <p:cNvPr id="14" name="Gerade Verbindung mit Pfeil 13">
+            <a:extLst>
+              <a:ext uri="{FF2B5EF4-FFF2-40B4-BE49-F238E27FC236}">
+                <a16:creationId xmlns:a16="http://schemas.microsoft.com/office/drawing/2014/main" id="{C16522EB-F062-4936-98BD-644707BAB0A9}"/>
+              </a:ext>
+            </a:extLst>
+          </p:cNvPr>
+          <p:cNvCxnSpPr/>
+          <p:nvPr/>
+        </p:nvCxnSpPr>
+        <p:spPr>
+          <a:xfrm flipV="1">
+            <a:off x="4253884" y="4380179"/>
+            <a:ext cx="978024" cy="1"/>
+          </a:xfrm>
+          <a:prstGeom prst="straightConnector1">
+            <a:avLst/>
+          </a:prstGeom>
+          <a:ln>
+            <a:tailEnd type="triangle"/>
+          </a:ln>
+        </p:spPr>
+        <p:style>
+          <a:lnRef idx="1">
+            <a:schemeClr val="accent1"/>
+          </a:lnRef>
+          <a:fillRef idx="0">
+            <a:schemeClr val="accent1"/>
+          </a:fillRef>
+          <a:effectRef idx="0">
+            <a:schemeClr val="accent1"/>
+          </a:effectRef>
+          <a:fontRef idx="minor">
+            <a:schemeClr val="tx1"/>
+          </a:fontRef>
+        </p:style>
+      </p:cxnSp>
+      <p:cxnSp>
+        <p:nvCxnSpPr>
+          <p:cNvPr id="15" name="Gerade Verbindung mit Pfeil 14">
+            <a:extLst>
+              <a:ext uri="{FF2B5EF4-FFF2-40B4-BE49-F238E27FC236}">
+                <a16:creationId xmlns:a16="http://schemas.microsoft.com/office/drawing/2014/main" id="{3C659B38-C18E-4DFD-8403-67FE1F69FB7F}"/>
+              </a:ext>
+            </a:extLst>
+          </p:cNvPr>
+          <p:cNvCxnSpPr/>
+          <p:nvPr/>
+        </p:nvCxnSpPr>
+        <p:spPr>
+          <a:xfrm flipV="1">
+            <a:off x="2467992" y="4380180"/>
+            <a:ext cx="978024" cy="1"/>
+          </a:xfrm>
+          <a:prstGeom prst="straightConnector1">
+            <a:avLst/>
+          </a:prstGeom>
+          <a:ln>
+            <a:tailEnd type="triangle"/>
+          </a:ln>
+        </p:spPr>
+        <p:style>
+          <a:lnRef idx="1">
+            <a:schemeClr val="accent1"/>
+          </a:lnRef>
+          <a:fillRef idx="0">
+            <a:schemeClr val="accent1"/>
+          </a:fillRef>
+          <a:effectRef idx="0">
+            <a:schemeClr val="accent1"/>
+          </a:effectRef>
+          <a:fontRef idx="minor">
+            <a:schemeClr val="tx1"/>
+          </a:fontRef>
+        </p:style>
+      </p:cxnSp>
+      <mc:AlternateContent xmlns:mc="http://schemas.openxmlformats.org/markup-compatibility/2006">
+        <mc:Choice xmlns:a14="http://schemas.microsoft.com/office/drawing/2010/main" Requires="a14">
+          <p:sp>
+            <p:nvSpPr>
+              <p:cNvPr id="16" name="Textfeld 15">
+                <a:extLst>
+                  <a:ext uri="{FF2B5EF4-FFF2-40B4-BE49-F238E27FC236}">
+                    <a16:creationId xmlns:a16="http://schemas.microsoft.com/office/drawing/2014/main" id="{D5FD0E53-68A1-4B2D-B75A-0E009A3DB4F4}"/>
+                  </a:ext>
+                </a:extLst>
+              </p:cNvPr>
+              <p:cNvSpPr txBox="1"/>
+              <p:nvPr/>
+            </p:nvSpPr>
+            <p:spPr>
+              <a:xfrm>
+                <a:off x="2771985" y="2583398"/>
+                <a:ext cx="365805" cy="369332"/>
+              </a:xfrm>
+              <a:prstGeom prst="rect">
+                <a:avLst/>
+              </a:prstGeom>
+              <a:noFill/>
+            </p:spPr>
+            <p:txBody>
+              <a:bodyPr wrap="none" rtlCol="0">
+                <a:spAutoFit/>
+              </a:bodyPr>
+              <a:lstStyle/>
+              <a:p>
+                <a14:m>
+                  <m:oMathPara xmlns:m="http://schemas.openxmlformats.org/officeDocument/2006/math">
+                    <m:oMathParaPr>
+                      <m:jc m:val="centerGroup"/>
+                    </m:oMathParaPr>
+                    <m:oMath xmlns:m="http://schemas.openxmlformats.org/officeDocument/2006/math">
+                      <m:r>
+                        <a:rPr lang="en-GB" b="0" i="1" smtClean="0">
+                          <a:solidFill>
+                            <a:srgbClr val="FF0000"/>
+                          </a:solidFill>
+                          <a:latin typeface="Cambria Math" panose="02040503050406030204" pitchFamily="18" charset="0"/>
+                        </a:rPr>
+                        <m:t>0</m:t>
+                      </m:r>
+                    </m:oMath>
+                  </m:oMathPara>
+                </a14:m>
+                <a:endParaRPr lang="de-DE" dirty="0"/>
+              </a:p>
+            </p:txBody>
+          </p:sp>
+        </mc:Choice>
+        <mc:Fallback>
+          <p:sp>
+            <p:nvSpPr>
+              <p:cNvPr id="16" name="Textfeld 15">
+                <a:extLst>
+                  <a:ext uri="{FF2B5EF4-FFF2-40B4-BE49-F238E27FC236}">
+                    <a16:creationId xmlns:a16="http://schemas.microsoft.com/office/drawing/2014/main" id="{D5FD0E53-68A1-4B2D-B75A-0E009A3DB4F4}"/>
+                  </a:ext>
+                </a:extLst>
+              </p:cNvPr>
+              <p:cNvSpPr txBox="1">
+                <a:spLocks noRot="1" noChangeAspect="1" noMove="1" noResize="1" noEditPoints="1" noAdjustHandles="1" noChangeArrowheads="1" noChangeShapeType="1" noTextEdit="1"/>
+              </p:cNvSpPr>
+              <p:nvPr/>
+            </p:nvSpPr>
+            <p:spPr>
+              <a:xfrm>
+                <a:off x="2771985" y="2583398"/>
+                <a:ext cx="365805" cy="369332"/>
+              </a:xfrm>
+              <a:prstGeom prst="rect">
+                <a:avLst/>
+              </a:prstGeom>
+              <a:blipFill>
+                <a:blip r:embed="rId2"/>
+                <a:stretch>
+                  <a:fillRect/>
+                </a:stretch>
+              </a:blipFill>
+            </p:spPr>
+            <p:txBody>
+              <a:bodyPr/>
+              <a:lstStyle/>
+              <a:p>
+                <a:r>
+                  <a:rPr lang="de-DE">
+                    <a:noFill/>
+                  </a:rPr>
+                  <a:t> </a:t>
+                </a:r>
+              </a:p>
+            </p:txBody>
+          </p:sp>
+        </mc:Fallback>
+      </mc:AlternateContent>
+      <mc:AlternateContent xmlns:mc="http://schemas.openxmlformats.org/markup-compatibility/2006">
+        <mc:Choice xmlns:a14="http://schemas.microsoft.com/office/drawing/2010/main" Requires="a14">
+          <p:sp>
+            <p:nvSpPr>
+              <p:cNvPr id="17" name="Textfeld 16">
+                <a:extLst>
+                  <a:ext uri="{FF2B5EF4-FFF2-40B4-BE49-F238E27FC236}">
+                    <a16:creationId xmlns:a16="http://schemas.microsoft.com/office/drawing/2014/main" id="{2CF2336C-7432-4618-9B41-46E20D01B6ED}"/>
+                  </a:ext>
+                </a:extLst>
+              </p:cNvPr>
+              <p:cNvSpPr txBox="1"/>
+              <p:nvPr/>
+            </p:nvSpPr>
+            <p:spPr>
+              <a:xfrm>
+                <a:off x="4500071" y="2560750"/>
+                <a:ext cx="370038" cy="369332"/>
+              </a:xfrm>
+              <a:prstGeom prst="rect">
+                <a:avLst/>
+              </a:prstGeom>
+              <a:noFill/>
+            </p:spPr>
+            <p:txBody>
+              <a:bodyPr wrap="none" rtlCol="0">
+                <a:spAutoFit/>
+              </a:bodyPr>
+              <a:lstStyle/>
+              <a:p>
+                <a14:m>
+                  <m:oMathPara xmlns:m="http://schemas.openxmlformats.org/officeDocument/2006/math">
+                    <m:oMathParaPr>
+                      <m:jc m:val="centerGroup"/>
+                    </m:oMathParaPr>
+                    <m:oMath xmlns:m="http://schemas.openxmlformats.org/officeDocument/2006/math">
+                      <m:r>
+                        <a:rPr lang="en-GB" b="0" i="1" dirty="0" smtClean="0">
+                          <a:solidFill>
+                            <a:srgbClr val="FF0000"/>
+                          </a:solidFill>
+                          <a:latin typeface="Cambria Math" panose="02040503050406030204" pitchFamily="18" charset="0"/>
+                        </a:rPr>
+                        <m:t>0</m:t>
+                      </m:r>
+                    </m:oMath>
+                  </m:oMathPara>
+                </a14:m>
+                <a:endParaRPr lang="de-DE" dirty="0"/>
+              </a:p>
+            </p:txBody>
+          </p:sp>
+        </mc:Choice>
+        <mc:Fallback>
+          <p:sp>
+            <p:nvSpPr>
+              <p:cNvPr id="17" name="Textfeld 16">
+                <a:extLst>
+                  <a:ext uri="{FF2B5EF4-FFF2-40B4-BE49-F238E27FC236}">
+                    <a16:creationId xmlns:a16="http://schemas.microsoft.com/office/drawing/2014/main" id="{2CF2336C-7432-4618-9B41-46E20D01B6ED}"/>
+                  </a:ext>
+                </a:extLst>
+              </p:cNvPr>
+              <p:cNvSpPr txBox="1">
+                <a:spLocks noRot="1" noChangeAspect="1" noMove="1" noResize="1" noEditPoints="1" noAdjustHandles="1" noChangeArrowheads="1" noChangeShapeType="1" noTextEdit="1"/>
+              </p:cNvSpPr>
+              <p:nvPr/>
+            </p:nvSpPr>
+            <p:spPr>
+              <a:xfrm>
+                <a:off x="4500071" y="2560750"/>
+                <a:ext cx="370038" cy="369332"/>
+              </a:xfrm>
+              <a:prstGeom prst="rect">
+                <a:avLst/>
+              </a:prstGeom>
+              <a:blipFill>
+                <a:blip r:embed="rId3"/>
+                <a:stretch>
+                  <a:fillRect/>
+                </a:stretch>
+              </a:blipFill>
+            </p:spPr>
+            <p:txBody>
+              <a:bodyPr/>
+              <a:lstStyle/>
+              <a:p>
+                <a:r>
+                  <a:rPr lang="de-DE">
+                    <a:noFill/>
+                  </a:rPr>
+                  <a:t> </a:t>
+                </a:r>
+              </a:p>
+            </p:txBody>
+          </p:sp>
+        </mc:Fallback>
+      </mc:AlternateContent>
+      <mc:AlternateContent xmlns:mc="http://schemas.openxmlformats.org/markup-compatibility/2006">
+        <mc:Choice xmlns:a14="http://schemas.microsoft.com/office/drawing/2010/main" Requires="a14">
+          <p:sp>
+            <p:nvSpPr>
+              <p:cNvPr id="18" name="Textfeld 17">
+                <a:extLst>
+                  <a:ext uri="{FF2B5EF4-FFF2-40B4-BE49-F238E27FC236}">
+                    <a16:creationId xmlns:a16="http://schemas.microsoft.com/office/drawing/2014/main" id="{A74EBE9B-571C-4AA7-B7EB-3C55CB3D70D5}"/>
+                  </a:ext>
+                </a:extLst>
+              </p:cNvPr>
+              <p:cNvSpPr txBox="1"/>
+              <p:nvPr/>
+            </p:nvSpPr>
+            <p:spPr>
+              <a:xfrm>
+                <a:off x="6325204" y="2535880"/>
+                <a:ext cx="370038" cy="369332"/>
+              </a:xfrm>
+              <a:prstGeom prst="rect">
+                <a:avLst/>
+              </a:prstGeom>
+              <a:noFill/>
+            </p:spPr>
+            <p:txBody>
+              <a:bodyPr wrap="none" rtlCol="0">
+                <a:spAutoFit/>
+              </a:bodyPr>
+              <a:lstStyle/>
+              <a:p>
+                <a14:m>
+                  <m:oMathPara xmlns:m="http://schemas.openxmlformats.org/officeDocument/2006/math">
+                    <m:oMathParaPr>
+                      <m:jc m:val="centerGroup"/>
+                    </m:oMathParaPr>
+                    <m:oMath xmlns:m="http://schemas.openxmlformats.org/officeDocument/2006/math">
+                      <m:r>
+                        <a:rPr lang="en-GB" b="0" i="1" dirty="0" smtClean="0">
+                          <a:solidFill>
+                            <a:srgbClr val="FF0000"/>
+                          </a:solidFill>
+                          <a:latin typeface="Cambria Math" panose="02040503050406030204" pitchFamily="18" charset="0"/>
+                        </a:rPr>
+                        <m:t>0</m:t>
+                      </m:r>
+                    </m:oMath>
+                  </m:oMathPara>
+                </a14:m>
+                <a:endParaRPr lang="de-DE" dirty="0"/>
+              </a:p>
+            </p:txBody>
+          </p:sp>
+        </mc:Choice>
+        <mc:Fallback>
+          <p:sp>
+            <p:nvSpPr>
+              <p:cNvPr id="18" name="Textfeld 17">
+                <a:extLst>
+                  <a:ext uri="{FF2B5EF4-FFF2-40B4-BE49-F238E27FC236}">
+                    <a16:creationId xmlns:a16="http://schemas.microsoft.com/office/drawing/2014/main" id="{A74EBE9B-571C-4AA7-B7EB-3C55CB3D70D5}"/>
+                  </a:ext>
+                </a:extLst>
+              </p:cNvPr>
+              <p:cNvSpPr txBox="1">
+                <a:spLocks noRot="1" noChangeAspect="1" noMove="1" noResize="1" noEditPoints="1" noAdjustHandles="1" noChangeArrowheads="1" noChangeShapeType="1" noTextEdit="1"/>
+              </p:cNvSpPr>
+              <p:nvPr/>
+            </p:nvSpPr>
+            <p:spPr>
+              <a:xfrm>
+                <a:off x="6325204" y="2535880"/>
+                <a:ext cx="370038" cy="369332"/>
+              </a:xfrm>
+              <a:prstGeom prst="rect">
+                <a:avLst/>
+              </a:prstGeom>
+              <a:blipFill>
+                <a:blip r:embed="rId4"/>
+                <a:stretch>
+                  <a:fillRect/>
+                </a:stretch>
+              </a:blipFill>
+            </p:spPr>
+            <p:txBody>
+              <a:bodyPr/>
+              <a:lstStyle/>
+              <a:p>
+                <a:r>
+                  <a:rPr lang="de-DE">
+                    <a:noFill/>
+                  </a:rPr>
+                  <a:t> </a:t>
+                </a:r>
+              </a:p>
+            </p:txBody>
+          </p:sp>
+        </mc:Fallback>
+      </mc:AlternateContent>
+      <mc:AlternateContent xmlns:mc="http://schemas.openxmlformats.org/markup-compatibility/2006">
+        <mc:Choice xmlns:a14="http://schemas.microsoft.com/office/drawing/2010/main" Requires="a14">
+          <p:sp>
+            <p:nvSpPr>
+              <p:cNvPr id="19" name="Textfeld 18">
+                <a:extLst>
+                  <a:ext uri="{FF2B5EF4-FFF2-40B4-BE49-F238E27FC236}">
+                    <a16:creationId xmlns:a16="http://schemas.microsoft.com/office/drawing/2014/main" id="{259CC297-E6F7-454B-A51F-C657AC2B6285}"/>
+                  </a:ext>
+                </a:extLst>
+              </p:cNvPr>
+              <p:cNvSpPr txBox="1"/>
+              <p:nvPr/>
+            </p:nvSpPr>
+            <p:spPr>
+              <a:xfrm>
+                <a:off x="4500071" y="3987269"/>
+                <a:ext cx="370038" cy="369332"/>
+              </a:xfrm>
+              <a:prstGeom prst="rect">
+                <a:avLst/>
+              </a:prstGeom>
+              <a:noFill/>
+            </p:spPr>
+            <p:txBody>
+              <a:bodyPr wrap="none" rtlCol="0">
+                <a:spAutoFit/>
+              </a:bodyPr>
+              <a:lstStyle/>
+              <a:p>
+                <a14:m>
+                  <m:oMathPara xmlns:m="http://schemas.openxmlformats.org/officeDocument/2006/math">
+                    <m:oMathParaPr>
+                      <m:jc m:val="centerGroup"/>
+                    </m:oMathParaPr>
+                    <m:oMath xmlns:m="http://schemas.openxmlformats.org/officeDocument/2006/math">
+                      <m:r>
+                        <a:rPr lang="en-GB" b="0" i="1" dirty="0" smtClean="0">
+                          <a:solidFill>
+                            <a:srgbClr val="FF0000"/>
+                          </a:solidFill>
+                          <a:latin typeface="Cambria Math" panose="02040503050406030204" pitchFamily="18" charset="0"/>
+                        </a:rPr>
+                        <m:t>3</m:t>
+                      </m:r>
+                    </m:oMath>
+                  </m:oMathPara>
+                </a14:m>
+                <a:endParaRPr lang="de-DE" dirty="0"/>
+              </a:p>
+            </p:txBody>
+          </p:sp>
+        </mc:Choice>
+        <mc:Fallback>
+          <p:sp>
+            <p:nvSpPr>
+              <p:cNvPr id="19" name="Textfeld 18">
+                <a:extLst>
+                  <a:ext uri="{FF2B5EF4-FFF2-40B4-BE49-F238E27FC236}">
+                    <a16:creationId xmlns:a16="http://schemas.microsoft.com/office/drawing/2014/main" id="{259CC297-E6F7-454B-A51F-C657AC2B6285}"/>
+                  </a:ext>
+                </a:extLst>
+              </p:cNvPr>
+              <p:cNvSpPr txBox="1">
+                <a:spLocks noRot="1" noChangeAspect="1" noMove="1" noResize="1" noEditPoints="1" noAdjustHandles="1" noChangeArrowheads="1" noChangeShapeType="1" noTextEdit="1"/>
+              </p:cNvSpPr>
+              <p:nvPr/>
+            </p:nvSpPr>
+            <p:spPr>
+              <a:xfrm>
+                <a:off x="4500071" y="3987269"/>
+                <a:ext cx="370038" cy="369332"/>
+              </a:xfrm>
+              <a:prstGeom prst="rect">
+                <a:avLst/>
+              </a:prstGeom>
+              <a:blipFill>
+                <a:blip r:embed="rId5"/>
+                <a:stretch>
+                  <a:fillRect/>
+                </a:stretch>
+              </a:blipFill>
+            </p:spPr>
+            <p:txBody>
+              <a:bodyPr/>
+              <a:lstStyle/>
+              <a:p>
+                <a:r>
+                  <a:rPr lang="de-DE">
+                    <a:noFill/>
+                  </a:rPr>
+                  <a:t> </a:t>
+                </a:r>
+              </a:p>
+            </p:txBody>
+          </p:sp>
+        </mc:Fallback>
+      </mc:AlternateContent>
+      <mc:AlternateContent xmlns:mc="http://schemas.openxmlformats.org/markup-compatibility/2006">
+        <mc:Choice xmlns:a14="http://schemas.microsoft.com/office/drawing/2010/main" Requires="a14">
+          <p:sp>
+            <p:nvSpPr>
+              <p:cNvPr id="20" name="Textfeld 19">
+                <a:extLst>
+                  <a:ext uri="{FF2B5EF4-FFF2-40B4-BE49-F238E27FC236}">
+                    <a16:creationId xmlns:a16="http://schemas.microsoft.com/office/drawing/2014/main" id="{8FA4C5D9-98D3-4729-9238-B418AE3B4234}"/>
+                  </a:ext>
+                </a:extLst>
+              </p:cNvPr>
+              <p:cNvSpPr txBox="1"/>
+              <p:nvPr/>
+            </p:nvSpPr>
+            <p:spPr>
+              <a:xfrm>
+                <a:off x="2771985" y="4010847"/>
+                <a:ext cx="370038" cy="369332"/>
+              </a:xfrm>
+              <a:prstGeom prst="rect">
+                <a:avLst/>
+              </a:prstGeom>
+              <a:noFill/>
+            </p:spPr>
+            <p:txBody>
+              <a:bodyPr wrap="none" rtlCol="0">
+                <a:spAutoFit/>
+              </a:bodyPr>
+              <a:lstStyle/>
+              <a:p>
+                <a14:m>
+                  <m:oMathPara xmlns:m="http://schemas.openxmlformats.org/officeDocument/2006/math">
+                    <m:oMathParaPr>
+                      <m:jc m:val="centerGroup"/>
+                    </m:oMathParaPr>
+                    <m:oMath xmlns:m="http://schemas.openxmlformats.org/officeDocument/2006/math">
+                      <m:r>
+                        <a:rPr lang="en-GB" b="0" i="1" dirty="0" smtClean="0">
+                          <a:solidFill>
+                            <a:srgbClr val="FF0000"/>
+                          </a:solidFill>
+                          <a:latin typeface="Cambria Math" panose="02040503050406030204" pitchFamily="18" charset="0"/>
+                        </a:rPr>
+                        <m:t>3</m:t>
+                      </m:r>
+                    </m:oMath>
+                  </m:oMathPara>
+                </a14:m>
+                <a:endParaRPr lang="de-DE" dirty="0"/>
+              </a:p>
+            </p:txBody>
+          </p:sp>
+        </mc:Choice>
+        <mc:Fallback>
+          <p:sp>
+            <p:nvSpPr>
+              <p:cNvPr id="20" name="Textfeld 19">
+                <a:extLst>
+                  <a:ext uri="{FF2B5EF4-FFF2-40B4-BE49-F238E27FC236}">
+                    <a16:creationId xmlns:a16="http://schemas.microsoft.com/office/drawing/2014/main" id="{8FA4C5D9-98D3-4729-9238-B418AE3B4234}"/>
+                  </a:ext>
+                </a:extLst>
+              </p:cNvPr>
+              <p:cNvSpPr txBox="1">
+                <a:spLocks noRot="1" noChangeAspect="1" noMove="1" noResize="1" noEditPoints="1" noAdjustHandles="1" noChangeArrowheads="1" noChangeShapeType="1" noTextEdit="1"/>
+              </p:cNvSpPr>
+              <p:nvPr/>
+            </p:nvSpPr>
+            <p:spPr>
+              <a:xfrm>
+                <a:off x="2771985" y="4010847"/>
+                <a:ext cx="370038" cy="369332"/>
+              </a:xfrm>
+              <a:prstGeom prst="rect">
+                <a:avLst/>
+              </a:prstGeom>
+              <a:blipFill>
+                <a:blip r:embed="rId6"/>
+                <a:stretch>
+                  <a:fillRect/>
+                </a:stretch>
+              </a:blipFill>
+            </p:spPr>
+            <p:txBody>
+              <a:bodyPr/>
+              <a:lstStyle/>
+              <a:p>
+                <a:r>
+                  <a:rPr lang="de-DE">
+                    <a:noFill/>
+                  </a:rPr>
+                  <a:t> </a:t>
+                </a:r>
+              </a:p>
+            </p:txBody>
+          </p:sp>
+        </mc:Fallback>
+      </mc:AlternateContent>
+    </p:spTree>
+    <p:extLst>
+      <p:ext uri="{BB962C8B-B14F-4D97-AF65-F5344CB8AC3E}">
+        <p14:creationId xmlns:p14="http://schemas.microsoft.com/office/powerpoint/2010/main" val="3609500446"/>
+      </p:ext>
+    </p:extLst>
+  </p:cSld>
+  <p:clrMapOvr>
+    <a:masterClrMapping/>
+  </p:clrMapOvr>
+</p:sld>
+</file>
+
+<file path=ppt/slides/slide11.xml><?xml version="1.0" encoding="utf-8"?>
+<p:sld xmlns:a="http://schemas.openxmlformats.org/drawingml/2006/main" xmlns:r="http://schemas.openxmlformats.org/officeDocument/2006/relationships" xmlns:p="http://schemas.openxmlformats.org/presentationml/2006/main">
+  <p:cSld>
+    <p:spTree>
+      <p:nvGrpSpPr>
+        <p:cNvPr id="1" name=""/>
+        <p:cNvGrpSpPr/>
+        <p:nvPr/>
+      </p:nvGrpSpPr>
+      <p:grpSpPr>
+        <a:xfrm>
+          <a:off x="0" y="0"/>
+          <a:ext cx="0" cy="0"/>
+          <a:chOff x="0" y="0"/>
+          <a:chExt cx="0" cy="0"/>
+        </a:xfrm>
+      </p:grpSpPr>
+      <p:sp>
+        <p:nvSpPr>
+          <p:cNvPr id="2" name="Titel 1">
+            <a:extLst>
+              <a:ext uri="{FF2B5EF4-FFF2-40B4-BE49-F238E27FC236}">
+                <a16:creationId xmlns:a16="http://schemas.microsoft.com/office/drawing/2014/main" id="{AE4FE81E-DFCB-47DF-B993-4B950C09BF76}"/>
+              </a:ext>
+            </a:extLst>
+          </p:cNvPr>
+          <p:cNvSpPr>
+            <a:spLocks noGrp="1"/>
+          </p:cNvSpPr>
+          <p:nvPr>
+            <p:ph type="title"/>
+          </p:nvPr>
+        </p:nvSpPr>
+        <p:spPr/>
+        <p:txBody>
+          <a:bodyPr/>
+          <a:lstStyle/>
+          <a:p>
+            <a:endParaRPr lang="de-DE"/>
+          </a:p>
+        </p:txBody>
+      </p:sp>
+      <p:sp>
+        <p:nvSpPr>
+          <p:cNvPr id="3" name="Inhaltsplatzhalter 2">
+            <a:extLst>
+              <a:ext uri="{FF2B5EF4-FFF2-40B4-BE49-F238E27FC236}">
+                <a16:creationId xmlns:a16="http://schemas.microsoft.com/office/drawing/2014/main" id="{2BDAAB2B-CE98-4193-B4C4-D70550720FD3}"/>
+              </a:ext>
+            </a:extLst>
+          </p:cNvPr>
+          <p:cNvSpPr>
+            <a:spLocks noGrp="1"/>
+          </p:cNvSpPr>
+          <p:nvPr>
+            <p:ph idx="1"/>
+          </p:nvPr>
+        </p:nvSpPr>
+        <p:spPr/>
+        <p:txBody>
+          <a:bodyPr/>
+          <a:lstStyle/>
+          <a:p>
+            <a:endParaRPr lang="de-DE" dirty="0"/>
+          </a:p>
+        </p:txBody>
+      </p:sp>
+      <p:sp>
+        <p:nvSpPr>
+          <p:cNvPr id="22" name="Rechteck 21">
+            <a:extLst>
+              <a:ext uri="{FF2B5EF4-FFF2-40B4-BE49-F238E27FC236}">
+                <a16:creationId xmlns:a16="http://schemas.microsoft.com/office/drawing/2014/main" id="{60079517-FBBF-4010-947C-7A5B7D2F59B5}"/>
+              </a:ext>
+            </a:extLst>
+          </p:cNvPr>
+          <p:cNvSpPr/>
+          <p:nvPr/>
+        </p:nvSpPr>
+        <p:spPr>
+          <a:xfrm>
+            <a:off x="1660124" y="2583404"/>
+            <a:ext cx="807868" cy="648069"/>
+          </a:xfrm>
+          <a:prstGeom prst="rect">
+            <a:avLst/>
+          </a:prstGeom>
+        </p:spPr>
+        <p:style>
+          <a:lnRef idx="2">
+            <a:schemeClr val="accent1">
+              <a:shade val="50000"/>
+            </a:schemeClr>
+          </a:lnRef>
+          <a:fillRef idx="1">
+            <a:schemeClr val="accent1"/>
+          </a:fillRef>
+          <a:effectRef idx="0">
+            <a:schemeClr val="accent1"/>
+          </a:effectRef>
+          <a:fontRef idx="minor">
+            <a:schemeClr val="lt1"/>
+          </a:fontRef>
+        </p:style>
+        <p:txBody>
+          <a:bodyPr rtlCol="0" anchor="ctr"/>
+          <a:lstStyle/>
+          <a:p>
+            <a:pPr algn="ctr"/>
+            <a:r>
+              <a:rPr lang="en-GB" dirty="0"/>
+              <a:t>a</a:t>
+            </a:r>
+            <a:endParaRPr lang="de-DE" dirty="0"/>
+          </a:p>
+        </p:txBody>
+      </p:sp>
+      <p:sp>
+        <p:nvSpPr>
+          <p:cNvPr id="23" name="Rechteck 22">
+            <a:extLst>
+              <a:ext uri="{FF2B5EF4-FFF2-40B4-BE49-F238E27FC236}">
+                <a16:creationId xmlns:a16="http://schemas.microsoft.com/office/drawing/2014/main" id="{A2E9F3AF-2BD6-4D5E-92A0-3C186CEE2481}"/>
+              </a:ext>
+            </a:extLst>
+          </p:cNvPr>
+          <p:cNvSpPr/>
+          <p:nvPr/>
+        </p:nvSpPr>
+        <p:spPr>
+          <a:xfrm>
+            <a:off x="3446016" y="2583403"/>
+            <a:ext cx="807868" cy="648069"/>
+          </a:xfrm>
+          <a:prstGeom prst="rect">
+            <a:avLst/>
+          </a:prstGeom>
+        </p:spPr>
+        <p:style>
+          <a:lnRef idx="2">
+            <a:schemeClr val="accent1">
+              <a:shade val="50000"/>
+            </a:schemeClr>
+          </a:lnRef>
+          <a:fillRef idx="1">
+            <a:schemeClr val="accent1"/>
+          </a:fillRef>
+          <a:effectRef idx="0">
+            <a:schemeClr val="accent1"/>
+          </a:effectRef>
+          <a:fontRef idx="minor">
+            <a:schemeClr val="lt1"/>
+          </a:fontRef>
+        </p:style>
+        <p:txBody>
+          <a:bodyPr rtlCol="0" anchor="ctr"/>
+          <a:lstStyle/>
+          <a:p>
+            <a:pPr algn="ctr"/>
+            <a:r>
+              <a:rPr lang="en-GB" dirty="0"/>
+              <a:t>b</a:t>
+            </a:r>
+            <a:endParaRPr lang="de-DE" dirty="0"/>
+          </a:p>
+        </p:txBody>
+      </p:sp>
+      <p:sp>
+        <p:nvSpPr>
+          <p:cNvPr id="24" name="Rechteck 23">
+            <a:extLst>
+              <a:ext uri="{FF2B5EF4-FFF2-40B4-BE49-F238E27FC236}">
+                <a16:creationId xmlns:a16="http://schemas.microsoft.com/office/drawing/2014/main" id="{D8E67A00-5652-4141-A322-E1FE307103E8}"/>
+              </a:ext>
+            </a:extLst>
+          </p:cNvPr>
+          <p:cNvSpPr/>
+          <p:nvPr/>
+        </p:nvSpPr>
+        <p:spPr>
+          <a:xfrm>
+            <a:off x="3446016" y="4056146"/>
+            <a:ext cx="807868" cy="648069"/>
+          </a:xfrm>
+          <a:prstGeom prst="rect">
+            <a:avLst/>
+          </a:prstGeom>
+        </p:spPr>
+        <p:style>
+          <a:lnRef idx="2">
+            <a:schemeClr val="accent1">
+              <a:shade val="50000"/>
+            </a:schemeClr>
+          </a:lnRef>
+          <a:fillRef idx="1">
+            <a:schemeClr val="accent1"/>
+          </a:fillRef>
+          <a:effectRef idx="0">
+            <a:schemeClr val="accent1"/>
+          </a:effectRef>
+          <a:fontRef idx="minor">
+            <a:schemeClr val="lt1"/>
+          </a:fontRef>
+        </p:style>
+        <p:txBody>
+          <a:bodyPr rtlCol="0" anchor="ctr"/>
+          <a:lstStyle/>
+          <a:p>
+            <a:pPr algn="ctr"/>
+            <a:r>
+              <a:rPr lang="en-GB" dirty="0"/>
+              <a:t>f</a:t>
+            </a:r>
+            <a:endParaRPr lang="de-DE" dirty="0"/>
+          </a:p>
+        </p:txBody>
+      </p:sp>
+      <p:sp>
+        <p:nvSpPr>
+          <p:cNvPr id="25" name="Rechteck 24">
+            <a:extLst>
+              <a:ext uri="{FF2B5EF4-FFF2-40B4-BE49-F238E27FC236}">
+                <a16:creationId xmlns:a16="http://schemas.microsoft.com/office/drawing/2014/main" id="{B2A9630E-372B-4A94-A000-CF0DD3DA2526}"/>
+              </a:ext>
+            </a:extLst>
+          </p:cNvPr>
+          <p:cNvSpPr/>
+          <p:nvPr/>
+        </p:nvSpPr>
+        <p:spPr>
+          <a:xfrm>
+            <a:off x="1660124" y="4056148"/>
+            <a:ext cx="807868" cy="648069"/>
+          </a:xfrm>
+          <a:prstGeom prst="rect">
+            <a:avLst/>
+          </a:prstGeom>
+        </p:spPr>
+        <p:style>
+          <a:lnRef idx="2">
+            <a:schemeClr val="accent1">
+              <a:shade val="50000"/>
+            </a:schemeClr>
+          </a:lnRef>
+          <a:fillRef idx="1">
+            <a:schemeClr val="accent1"/>
+          </a:fillRef>
+          <a:effectRef idx="0">
+            <a:schemeClr val="accent1"/>
+          </a:effectRef>
+          <a:fontRef idx="minor">
+            <a:schemeClr val="lt1"/>
+          </a:fontRef>
+        </p:style>
+        <p:txBody>
+          <a:bodyPr rtlCol="0" anchor="ctr"/>
+          <a:lstStyle/>
+          <a:p>
+            <a:pPr algn="ctr"/>
+            <a:r>
+              <a:rPr lang="en-GB" dirty="0"/>
+              <a:t>e</a:t>
+            </a:r>
+            <a:endParaRPr lang="de-DE" dirty="0"/>
+          </a:p>
+        </p:txBody>
+      </p:sp>
+      <p:sp>
+        <p:nvSpPr>
+          <p:cNvPr id="26" name="Rechteck 25">
+            <a:extLst>
+              <a:ext uri="{FF2B5EF4-FFF2-40B4-BE49-F238E27FC236}">
+                <a16:creationId xmlns:a16="http://schemas.microsoft.com/office/drawing/2014/main" id="{5DF48283-89A8-4897-AA93-6F19934841D8}"/>
+              </a:ext>
+            </a:extLst>
+          </p:cNvPr>
+          <p:cNvSpPr/>
+          <p:nvPr/>
+        </p:nvSpPr>
+        <p:spPr>
+          <a:xfrm>
+            <a:off x="5231908" y="2583400"/>
+            <a:ext cx="807868" cy="648069"/>
+          </a:xfrm>
+          <a:prstGeom prst="rect">
+            <a:avLst/>
+          </a:prstGeom>
+        </p:spPr>
+        <p:style>
+          <a:lnRef idx="2">
+            <a:schemeClr val="accent1">
+              <a:shade val="50000"/>
+            </a:schemeClr>
+          </a:lnRef>
+          <a:fillRef idx="1">
+            <a:schemeClr val="accent1"/>
+          </a:fillRef>
+          <a:effectRef idx="0">
+            <a:schemeClr val="accent1"/>
+          </a:effectRef>
+          <a:fontRef idx="minor">
+            <a:schemeClr val="lt1"/>
+          </a:fontRef>
+        </p:style>
+        <p:txBody>
+          <a:bodyPr rtlCol="0" anchor="ctr"/>
+          <a:lstStyle/>
+          <a:p>
+            <a:pPr algn="ctr"/>
+            <a:r>
+              <a:rPr lang="en-GB" dirty="0"/>
+              <a:t>c</a:t>
+            </a:r>
+            <a:endParaRPr lang="de-DE" dirty="0"/>
+          </a:p>
+        </p:txBody>
+      </p:sp>
+      <p:sp>
+        <p:nvSpPr>
+          <p:cNvPr id="27" name="Rechteck 26">
+            <a:extLst>
+              <a:ext uri="{FF2B5EF4-FFF2-40B4-BE49-F238E27FC236}">
+                <a16:creationId xmlns:a16="http://schemas.microsoft.com/office/drawing/2014/main" id="{73E076F1-DADE-49EB-B680-E6F4E67AA6C3}"/>
+              </a:ext>
+            </a:extLst>
+          </p:cNvPr>
+          <p:cNvSpPr/>
+          <p:nvPr/>
+        </p:nvSpPr>
+        <p:spPr>
+          <a:xfrm>
+            <a:off x="5246110" y="4056144"/>
+            <a:ext cx="807868" cy="648069"/>
+          </a:xfrm>
+          <a:prstGeom prst="rect">
+            <a:avLst/>
+          </a:prstGeom>
+        </p:spPr>
+        <p:style>
+          <a:lnRef idx="2">
+            <a:schemeClr val="accent1">
+              <a:shade val="50000"/>
+            </a:schemeClr>
+          </a:lnRef>
+          <a:fillRef idx="1">
+            <a:schemeClr val="accent1"/>
+          </a:fillRef>
+          <a:effectRef idx="0">
+            <a:schemeClr val="accent1"/>
+          </a:effectRef>
+          <a:fontRef idx="minor">
+            <a:schemeClr val="lt1"/>
+          </a:fontRef>
+        </p:style>
+        <p:txBody>
+          <a:bodyPr rtlCol="0" anchor="ctr"/>
+          <a:lstStyle/>
+          <a:p>
+            <a:pPr algn="ctr"/>
+            <a:r>
+              <a:rPr lang="en-GB" dirty="0"/>
+              <a:t>g</a:t>
+            </a:r>
+            <a:endParaRPr lang="de-DE" dirty="0"/>
+          </a:p>
+        </p:txBody>
+      </p:sp>
+      <p:sp>
+        <p:nvSpPr>
+          <p:cNvPr id="28" name="Rechteck 27">
+            <a:extLst>
+              <a:ext uri="{FF2B5EF4-FFF2-40B4-BE49-F238E27FC236}">
+                <a16:creationId xmlns:a16="http://schemas.microsoft.com/office/drawing/2014/main" id="{6C51E597-E354-438B-848A-9F02D0490103}"/>
+              </a:ext>
+            </a:extLst>
+          </p:cNvPr>
+          <p:cNvSpPr/>
+          <p:nvPr/>
+        </p:nvSpPr>
+        <p:spPr>
+          <a:xfrm>
+            <a:off x="6861700" y="2583399"/>
+            <a:ext cx="807868" cy="648069"/>
+          </a:xfrm>
+          <a:prstGeom prst="rect">
+            <a:avLst/>
+          </a:prstGeom>
+        </p:spPr>
+        <p:style>
+          <a:lnRef idx="2">
+            <a:schemeClr val="accent1">
+              <a:shade val="50000"/>
+            </a:schemeClr>
+          </a:lnRef>
+          <a:fillRef idx="1">
+            <a:schemeClr val="accent1"/>
+          </a:fillRef>
+          <a:effectRef idx="0">
+            <a:schemeClr val="accent1"/>
+          </a:effectRef>
+          <a:fontRef idx="minor">
+            <a:schemeClr val="lt1"/>
+          </a:fontRef>
+        </p:style>
+        <p:txBody>
+          <a:bodyPr rtlCol="0" anchor="ctr"/>
+          <a:lstStyle/>
+          <a:p>
+            <a:pPr algn="ctr"/>
+            <a:r>
+              <a:rPr lang="en-GB" dirty="0"/>
+              <a:t>d</a:t>
+            </a:r>
+            <a:endParaRPr lang="de-DE" dirty="0"/>
+          </a:p>
+        </p:txBody>
+      </p:sp>
+      <p:cxnSp>
+        <p:nvCxnSpPr>
+          <p:cNvPr id="29" name="Gerade Verbindung mit Pfeil 28">
+            <a:extLst>
+              <a:ext uri="{FF2B5EF4-FFF2-40B4-BE49-F238E27FC236}">
+                <a16:creationId xmlns:a16="http://schemas.microsoft.com/office/drawing/2014/main" id="{31957391-3F8F-4BAC-BB8F-B7F09A27EE6E}"/>
+              </a:ext>
+            </a:extLst>
+          </p:cNvPr>
+          <p:cNvCxnSpPr>
+            <a:stCxn id="22" idx="3"/>
+            <a:endCxn id="23" idx="1"/>
+          </p:cNvCxnSpPr>
+          <p:nvPr/>
+        </p:nvCxnSpPr>
+        <p:spPr>
+          <a:xfrm flipV="1">
+            <a:off x="2467992" y="2907438"/>
+            <a:ext cx="978024" cy="1"/>
+          </a:xfrm>
+          <a:prstGeom prst="straightConnector1">
+            <a:avLst/>
+          </a:prstGeom>
+          <a:ln>
+            <a:tailEnd type="triangle"/>
+          </a:ln>
+        </p:spPr>
+        <p:style>
+          <a:lnRef idx="1">
+            <a:schemeClr val="accent1"/>
+          </a:lnRef>
+          <a:fillRef idx="0">
+            <a:schemeClr val="accent1"/>
+          </a:fillRef>
+          <a:effectRef idx="0">
+            <a:schemeClr val="accent1"/>
+          </a:effectRef>
+          <a:fontRef idx="minor">
+            <a:schemeClr val="tx1"/>
+          </a:fontRef>
+        </p:style>
+      </p:cxnSp>
+      <p:cxnSp>
+        <p:nvCxnSpPr>
+          <p:cNvPr id="30" name="Gerade Verbindung mit Pfeil 29">
+            <a:extLst>
+              <a:ext uri="{FF2B5EF4-FFF2-40B4-BE49-F238E27FC236}">
+                <a16:creationId xmlns:a16="http://schemas.microsoft.com/office/drawing/2014/main" id="{01015336-D26D-4AE8-AEBF-F9C99006BC9D}"/>
+              </a:ext>
+            </a:extLst>
+          </p:cNvPr>
+          <p:cNvCxnSpPr/>
+          <p:nvPr/>
+        </p:nvCxnSpPr>
+        <p:spPr>
+          <a:xfrm flipV="1">
+            <a:off x="4253884" y="2907432"/>
+            <a:ext cx="978024" cy="1"/>
+          </a:xfrm>
+          <a:prstGeom prst="straightConnector1">
+            <a:avLst/>
+          </a:prstGeom>
+          <a:ln>
+            <a:tailEnd type="triangle"/>
+          </a:ln>
+        </p:spPr>
+        <p:style>
+          <a:lnRef idx="1">
+            <a:schemeClr val="accent1"/>
+          </a:lnRef>
+          <a:fillRef idx="0">
+            <a:schemeClr val="accent1"/>
+          </a:fillRef>
+          <a:effectRef idx="0">
+            <a:schemeClr val="accent1"/>
+          </a:effectRef>
+          <a:fontRef idx="minor">
+            <a:schemeClr val="tx1"/>
+          </a:fontRef>
+        </p:style>
+      </p:cxnSp>
+      <p:cxnSp>
+        <p:nvCxnSpPr>
+          <p:cNvPr id="31" name="Gerade Verbindung mit Pfeil 30">
+            <a:extLst>
+              <a:ext uri="{FF2B5EF4-FFF2-40B4-BE49-F238E27FC236}">
+                <a16:creationId xmlns:a16="http://schemas.microsoft.com/office/drawing/2014/main" id="{4E6EE34D-27A4-4BD6-8872-CF74512398C3}"/>
+              </a:ext>
+            </a:extLst>
+          </p:cNvPr>
+          <p:cNvCxnSpPr/>
+          <p:nvPr/>
+        </p:nvCxnSpPr>
+        <p:spPr>
+          <a:xfrm flipV="1">
+            <a:off x="5883676" y="2905212"/>
+            <a:ext cx="978024" cy="1"/>
+          </a:xfrm>
+          <a:prstGeom prst="straightConnector1">
+            <a:avLst/>
+          </a:prstGeom>
+          <a:ln>
+            <a:tailEnd type="triangle"/>
+          </a:ln>
+        </p:spPr>
+        <p:style>
+          <a:lnRef idx="1">
+            <a:schemeClr val="accent1"/>
+          </a:lnRef>
+          <a:fillRef idx="0">
+            <a:schemeClr val="accent1"/>
+          </a:fillRef>
+          <a:effectRef idx="0">
+            <a:schemeClr val="accent1"/>
+          </a:effectRef>
+          <a:fontRef idx="minor">
+            <a:schemeClr val="tx1"/>
+          </a:fontRef>
+        </p:style>
+      </p:cxnSp>
+      <p:cxnSp>
+        <p:nvCxnSpPr>
+          <p:cNvPr id="32" name="Gerade Verbindung mit Pfeil 31">
+            <a:extLst>
+              <a:ext uri="{FF2B5EF4-FFF2-40B4-BE49-F238E27FC236}">
+                <a16:creationId xmlns:a16="http://schemas.microsoft.com/office/drawing/2014/main" id="{A61EA386-485B-476E-8A65-0C136A72F655}"/>
+              </a:ext>
+            </a:extLst>
+          </p:cNvPr>
+          <p:cNvCxnSpPr/>
+          <p:nvPr/>
+        </p:nvCxnSpPr>
+        <p:spPr>
+          <a:xfrm flipV="1">
+            <a:off x="4253884" y="4380179"/>
+            <a:ext cx="978024" cy="1"/>
+          </a:xfrm>
+          <a:prstGeom prst="straightConnector1">
+            <a:avLst/>
+          </a:prstGeom>
+          <a:ln>
+            <a:tailEnd type="triangle"/>
+          </a:ln>
+        </p:spPr>
+        <p:style>
+          <a:lnRef idx="1">
+            <a:schemeClr val="accent1"/>
+          </a:lnRef>
+          <a:fillRef idx="0">
+            <a:schemeClr val="accent1"/>
+          </a:fillRef>
+          <a:effectRef idx="0">
+            <a:schemeClr val="accent1"/>
+          </a:effectRef>
+          <a:fontRef idx="minor">
+            <a:schemeClr val="tx1"/>
+          </a:fontRef>
+        </p:style>
+      </p:cxnSp>
+      <p:cxnSp>
+        <p:nvCxnSpPr>
+          <p:cNvPr id="33" name="Gerade Verbindung mit Pfeil 32">
+            <a:extLst>
+              <a:ext uri="{FF2B5EF4-FFF2-40B4-BE49-F238E27FC236}">
+                <a16:creationId xmlns:a16="http://schemas.microsoft.com/office/drawing/2014/main" id="{40EB4665-7B48-408E-B447-6F50F52533BC}"/>
+              </a:ext>
+            </a:extLst>
+          </p:cNvPr>
+          <p:cNvCxnSpPr/>
+          <p:nvPr/>
+        </p:nvCxnSpPr>
+        <p:spPr>
+          <a:xfrm flipV="1">
+            <a:off x="2467992" y="4380180"/>
+            <a:ext cx="978024" cy="1"/>
+          </a:xfrm>
+          <a:prstGeom prst="straightConnector1">
+            <a:avLst/>
+          </a:prstGeom>
+          <a:ln>
+            <a:tailEnd type="triangle"/>
+          </a:ln>
+        </p:spPr>
+        <p:style>
+          <a:lnRef idx="1">
+            <a:schemeClr val="accent1"/>
+          </a:lnRef>
+          <a:fillRef idx="0">
+            <a:schemeClr val="accent1"/>
+          </a:fillRef>
+          <a:effectRef idx="0">
+            <a:schemeClr val="accent1"/>
+          </a:effectRef>
+          <a:fontRef idx="minor">
+            <a:schemeClr val="tx1"/>
+          </a:fontRef>
+        </p:style>
+      </p:cxnSp>
+      <mc:AlternateContent xmlns:mc="http://schemas.openxmlformats.org/markup-compatibility/2006">
+        <mc:Choice xmlns:a14="http://schemas.microsoft.com/office/drawing/2010/main" Requires="a14">
+          <p:sp>
+            <p:nvSpPr>
+              <p:cNvPr id="34" name="Textfeld 33">
+                <a:extLst>
+                  <a:ext uri="{FF2B5EF4-FFF2-40B4-BE49-F238E27FC236}">
+                    <a16:creationId xmlns:a16="http://schemas.microsoft.com/office/drawing/2014/main" id="{D571D1EC-78C0-4680-B357-4CFE2DAC7E6C}"/>
+                  </a:ext>
+                </a:extLst>
+              </p:cNvPr>
+              <p:cNvSpPr txBox="1"/>
+              <p:nvPr/>
+            </p:nvSpPr>
+            <p:spPr>
+              <a:xfrm>
+                <a:off x="2771985" y="2583398"/>
+                <a:ext cx="370038" cy="369332"/>
+              </a:xfrm>
+              <a:prstGeom prst="rect">
+                <a:avLst/>
+              </a:prstGeom>
+              <a:noFill/>
+            </p:spPr>
+            <p:txBody>
+              <a:bodyPr wrap="none" rtlCol="0">
+                <a:spAutoFit/>
+              </a:bodyPr>
+              <a:lstStyle/>
+              <a:p>
+                <a14:m>
+                  <m:oMathPara xmlns:m="http://schemas.openxmlformats.org/officeDocument/2006/math">
+                    <m:oMathParaPr>
+                      <m:jc m:val="centerGroup"/>
+                    </m:oMathParaPr>
+                    <m:oMath xmlns:m="http://schemas.openxmlformats.org/officeDocument/2006/math">
+                      <m:r>
+                        <a:rPr lang="de-DE" i="1" dirty="0" smtClean="0">
+                          <a:solidFill>
+                            <a:srgbClr val="92D050"/>
+                          </a:solidFill>
+                          <a:latin typeface="Cambria Math" panose="02040503050406030204" pitchFamily="18" charset="0"/>
+                        </a:rPr>
+                        <m:t>𝛿</m:t>
+                      </m:r>
+                    </m:oMath>
+                  </m:oMathPara>
+                </a14:m>
+                <a:endParaRPr lang="de-DE" dirty="0"/>
+              </a:p>
+            </p:txBody>
+          </p:sp>
+        </mc:Choice>
+        <mc:Fallback>
+          <p:sp>
+            <p:nvSpPr>
+              <p:cNvPr id="34" name="Textfeld 33">
+                <a:extLst>
+                  <a:ext uri="{FF2B5EF4-FFF2-40B4-BE49-F238E27FC236}">
+                    <a16:creationId xmlns:a16="http://schemas.microsoft.com/office/drawing/2014/main" id="{D571D1EC-78C0-4680-B357-4CFE2DAC7E6C}"/>
+                  </a:ext>
+                </a:extLst>
+              </p:cNvPr>
+              <p:cNvSpPr txBox="1">
+                <a:spLocks noRot="1" noChangeAspect="1" noMove="1" noResize="1" noEditPoints="1" noAdjustHandles="1" noChangeArrowheads="1" noChangeShapeType="1" noTextEdit="1"/>
+              </p:cNvSpPr>
+              <p:nvPr/>
+            </p:nvSpPr>
+            <p:spPr>
+              <a:xfrm>
+                <a:off x="2771985" y="2583398"/>
+                <a:ext cx="370038" cy="369332"/>
+              </a:xfrm>
+              <a:prstGeom prst="rect">
+                <a:avLst/>
+              </a:prstGeom>
+              <a:blipFill>
+                <a:blip r:embed="rId2"/>
+                <a:stretch>
+                  <a:fillRect/>
+                </a:stretch>
+              </a:blipFill>
+            </p:spPr>
+            <p:txBody>
+              <a:bodyPr/>
+              <a:lstStyle/>
+              <a:p>
+                <a:r>
+                  <a:rPr lang="de-DE">
+                    <a:noFill/>
+                  </a:rPr>
+                  <a:t> </a:t>
+                </a:r>
+              </a:p>
+            </p:txBody>
+          </p:sp>
+        </mc:Fallback>
+      </mc:AlternateContent>
+      <mc:AlternateContent xmlns:mc="http://schemas.openxmlformats.org/markup-compatibility/2006">
+        <mc:Choice xmlns:a14="http://schemas.microsoft.com/office/drawing/2010/main" Requires="a14">
+          <p:sp>
+            <p:nvSpPr>
+              <p:cNvPr id="35" name="Textfeld 34">
+                <a:extLst>
+                  <a:ext uri="{FF2B5EF4-FFF2-40B4-BE49-F238E27FC236}">
+                    <a16:creationId xmlns:a16="http://schemas.microsoft.com/office/drawing/2014/main" id="{447CC500-9331-49C6-A131-844D3AF97CE9}"/>
+                  </a:ext>
+                </a:extLst>
+              </p:cNvPr>
+              <p:cNvSpPr txBox="1"/>
+              <p:nvPr/>
+            </p:nvSpPr>
+            <p:spPr>
+              <a:xfrm>
+                <a:off x="4500071" y="2560750"/>
+                <a:ext cx="370038" cy="369332"/>
+              </a:xfrm>
+              <a:prstGeom prst="rect">
+                <a:avLst/>
+              </a:prstGeom>
+              <a:noFill/>
+            </p:spPr>
+            <p:txBody>
+              <a:bodyPr wrap="none" rtlCol="0">
+                <a:spAutoFit/>
+              </a:bodyPr>
+              <a:lstStyle/>
+              <a:p>
+                <a14:m>
+                  <m:oMathPara xmlns:m="http://schemas.openxmlformats.org/officeDocument/2006/math">
+                    <m:oMathParaPr>
+                      <m:jc m:val="centerGroup"/>
+                    </m:oMathParaPr>
+                    <m:oMath xmlns:m="http://schemas.openxmlformats.org/officeDocument/2006/math">
+                      <m:r>
+                        <a:rPr lang="de-DE" i="1" dirty="0">
+                          <a:solidFill>
+                            <a:srgbClr val="92D050"/>
+                          </a:solidFill>
+                          <a:latin typeface="Cambria Math" panose="02040503050406030204" pitchFamily="18" charset="0"/>
+                        </a:rPr>
+                        <m:t>𝛿</m:t>
+                      </m:r>
+                    </m:oMath>
+                  </m:oMathPara>
+                </a14:m>
+                <a:endParaRPr lang="de-DE" dirty="0"/>
+              </a:p>
+            </p:txBody>
+          </p:sp>
+        </mc:Choice>
+        <mc:Fallback>
+          <p:sp>
+            <p:nvSpPr>
+              <p:cNvPr id="35" name="Textfeld 34">
+                <a:extLst>
+                  <a:ext uri="{FF2B5EF4-FFF2-40B4-BE49-F238E27FC236}">
+                    <a16:creationId xmlns:a16="http://schemas.microsoft.com/office/drawing/2014/main" id="{447CC500-9331-49C6-A131-844D3AF97CE9}"/>
+                  </a:ext>
+                </a:extLst>
+              </p:cNvPr>
+              <p:cNvSpPr txBox="1">
+                <a:spLocks noRot="1" noChangeAspect="1" noMove="1" noResize="1" noEditPoints="1" noAdjustHandles="1" noChangeArrowheads="1" noChangeShapeType="1" noTextEdit="1"/>
+              </p:cNvSpPr>
+              <p:nvPr/>
+            </p:nvSpPr>
+            <p:spPr>
+              <a:xfrm>
+                <a:off x="4500071" y="2560750"/>
+                <a:ext cx="370038" cy="369332"/>
+              </a:xfrm>
+              <a:prstGeom prst="rect">
+                <a:avLst/>
+              </a:prstGeom>
+              <a:blipFill>
+                <a:blip r:embed="rId3"/>
+                <a:stretch>
+                  <a:fillRect/>
+                </a:stretch>
+              </a:blipFill>
+            </p:spPr>
+            <p:txBody>
+              <a:bodyPr/>
+              <a:lstStyle/>
+              <a:p>
+                <a:r>
+                  <a:rPr lang="de-DE">
+                    <a:noFill/>
+                  </a:rPr>
+                  <a:t> </a:t>
+                </a:r>
+              </a:p>
+            </p:txBody>
+          </p:sp>
+        </mc:Fallback>
+      </mc:AlternateContent>
+      <mc:AlternateContent xmlns:mc="http://schemas.openxmlformats.org/markup-compatibility/2006">
+        <mc:Choice xmlns:a14="http://schemas.microsoft.com/office/drawing/2010/main" Requires="a14">
+          <p:sp>
+            <p:nvSpPr>
+              <p:cNvPr id="36" name="Textfeld 35">
+                <a:extLst>
+                  <a:ext uri="{FF2B5EF4-FFF2-40B4-BE49-F238E27FC236}">
+                    <a16:creationId xmlns:a16="http://schemas.microsoft.com/office/drawing/2014/main" id="{F0D89058-6560-4FFC-A414-05557F53EED2}"/>
+                  </a:ext>
+                </a:extLst>
+              </p:cNvPr>
+              <p:cNvSpPr txBox="1"/>
+              <p:nvPr/>
+            </p:nvSpPr>
+            <p:spPr>
+              <a:xfrm>
+                <a:off x="6325204" y="2535880"/>
+                <a:ext cx="370038" cy="369332"/>
+              </a:xfrm>
+              <a:prstGeom prst="rect">
+                <a:avLst/>
+              </a:prstGeom>
+              <a:noFill/>
+            </p:spPr>
+            <p:txBody>
+              <a:bodyPr wrap="none" rtlCol="0">
+                <a:spAutoFit/>
+              </a:bodyPr>
+              <a:lstStyle/>
+              <a:p>
+                <a14:m>
+                  <m:oMathPara xmlns:m="http://schemas.openxmlformats.org/officeDocument/2006/math">
+                    <m:oMathParaPr>
+                      <m:jc m:val="centerGroup"/>
+                    </m:oMathParaPr>
+                    <m:oMath xmlns:m="http://schemas.openxmlformats.org/officeDocument/2006/math">
+                      <m:r>
+                        <a:rPr lang="de-DE" i="1" dirty="0">
+                          <a:solidFill>
+                            <a:srgbClr val="92D050"/>
+                          </a:solidFill>
+                          <a:latin typeface="Cambria Math" panose="02040503050406030204" pitchFamily="18" charset="0"/>
+                        </a:rPr>
+                        <m:t>𝛿</m:t>
+                      </m:r>
+                    </m:oMath>
+                  </m:oMathPara>
+                </a14:m>
+                <a:endParaRPr lang="de-DE" dirty="0"/>
+              </a:p>
+            </p:txBody>
+          </p:sp>
+        </mc:Choice>
+        <mc:Fallback>
+          <p:sp>
+            <p:nvSpPr>
+              <p:cNvPr id="36" name="Textfeld 35">
+                <a:extLst>
+                  <a:ext uri="{FF2B5EF4-FFF2-40B4-BE49-F238E27FC236}">
+                    <a16:creationId xmlns:a16="http://schemas.microsoft.com/office/drawing/2014/main" id="{F0D89058-6560-4FFC-A414-05557F53EED2}"/>
+                  </a:ext>
+                </a:extLst>
+              </p:cNvPr>
+              <p:cNvSpPr txBox="1">
+                <a:spLocks noRot="1" noChangeAspect="1" noMove="1" noResize="1" noEditPoints="1" noAdjustHandles="1" noChangeArrowheads="1" noChangeShapeType="1" noTextEdit="1"/>
+              </p:cNvSpPr>
+              <p:nvPr/>
+            </p:nvSpPr>
+            <p:spPr>
+              <a:xfrm>
+                <a:off x="6325204" y="2535880"/>
+                <a:ext cx="370038" cy="369332"/>
+              </a:xfrm>
+              <a:prstGeom prst="rect">
+                <a:avLst/>
+              </a:prstGeom>
+              <a:blipFill>
+                <a:blip r:embed="rId4"/>
+                <a:stretch>
+                  <a:fillRect/>
+                </a:stretch>
+              </a:blipFill>
+            </p:spPr>
+            <p:txBody>
+              <a:bodyPr/>
+              <a:lstStyle/>
+              <a:p>
+                <a:r>
+                  <a:rPr lang="de-DE">
+                    <a:noFill/>
+                  </a:rPr>
+                  <a:t> </a:t>
+                </a:r>
+              </a:p>
+            </p:txBody>
+          </p:sp>
+        </mc:Fallback>
+      </mc:AlternateContent>
+      <mc:AlternateContent xmlns:mc="http://schemas.openxmlformats.org/markup-compatibility/2006">
+        <mc:Choice xmlns:a14="http://schemas.microsoft.com/office/drawing/2010/main" Requires="a14">
+          <p:sp>
+            <p:nvSpPr>
+              <p:cNvPr id="37" name="Textfeld 36">
+                <a:extLst>
+                  <a:ext uri="{FF2B5EF4-FFF2-40B4-BE49-F238E27FC236}">
+                    <a16:creationId xmlns:a16="http://schemas.microsoft.com/office/drawing/2014/main" id="{FD4451D1-494E-4386-8F34-5166B0899915}"/>
+                  </a:ext>
+                </a:extLst>
+              </p:cNvPr>
+              <p:cNvSpPr txBox="1"/>
+              <p:nvPr/>
+            </p:nvSpPr>
+            <p:spPr>
+              <a:xfrm>
+                <a:off x="4141607" y="3814542"/>
+                <a:ext cx="1251751" cy="610936"/>
+              </a:xfrm>
+              <a:prstGeom prst="rect">
+                <a:avLst/>
+              </a:prstGeom>
+              <a:noFill/>
+            </p:spPr>
+            <p:txBody>
+              <a:bodyPr wrap="square" rtlCol="0">
+                <a:spAutoFit/>
+              </a:bodyPr>
+              <a:lstStyle/>
+              <a:p>
+                <a14:m>
+                  <m:oMathPara xmlns:m="http://schemas.openxmlformats.org/officeDocument/2006/math">
+                    <m:oMathParaPr>
+                      <m:jc m:val="centerGroup"/>
+                    </m:oMathParaPr>
+                    <m:oMath xmlns:m="http://schemas.openxmlformats.org/officeDocument/2006/math">
+                      <m:r>
+                        <a:rPr lang="de-DE" i="1" dirty="0" smtClean="0">
+                          <a:solidFill>
+                            <a:srgbClr val="92D050"/>
+                          </a:solidFill>
+                          <a:latin typeface="Cambria Math" panose="02040503050406030204" pitchFamily="18" charset="0"/>
+                        </a:rPr>
+                        <m:t>𝛿</m:t>
+                      </m:r>
+                      <m:r>
+                        <a:rPr lang="en-GB" b="0" i="1" dirty="0" smtClean="0">
+                          <a:solidFill>
+                            <a:srgbClr val="92D050"/>
+                          </a:solidFill>
+                          <a:latin typeface="Cambria Math" panose="02040503050406030204" pitchFamily="18" charset="0"/>
+                        </a:rPr>
+                        <m:t>(1+</m:t>
+                      </m:r>
+                      <m:f>
+                        <m:fPr>
+                          <m:ctrlPr>
+                            <a:rPr lang="en-GB" b="0" i="1" dirty="0" smtClean="0">
+                              <a:solidFill>
+                                <a:srgbClr val="92D050"/>
+                              </a:solidFill>
+                              <a:latin typeface="Cambria Math" panose="02040503050406030204" pitchFamily="18" charset="0"/>
+                            </a:rPr>
+                          </m:ctrlPr>
+                        </m:fPr>
+                        <m:num>
+                          <m:r>
+                            <a:rPr lang="en-GB" b="0" i="1" dirty="0" smtClean="0">
+                              <a:solidFill>
+                                <a:srgbClr val="92D050"/>
+                              </a:solidFill>
+                              <a:latin typeface="Cambria Math" panose="02040503050406030204" pitchFamily="18" charset="0"/>
+                            </a:rPr>
+                            <m:t>3</m:t>
+                          </m:r>
+                        </m:num>
+                        <m:den>
+                          <m:r>
+                            <a:rPr lang="en-GB" b="0" i="1" dirty="0" smtClean="0">
+                              <a:solidFill>
+                                <a:srgbClr val="92D050"/>
+                              </a:solidFill>
+                              <a:latin typeface="Cambria Math" panose="02040503050406030204" pitchFamily="18" charset="0"/>
+                            </a:rPr>
+                            <m:t>4</m:t>
+                          </m:r>
+                        </m:den>
+                      </m:f>
+                      <m:r>
+                        <a:rPr lang="en-GB" b="0" i="1" dirty="0" smtClean="0">
+                          <a:solidFill>
+                            <a:srgbClr val="92D050"/>
+                          </a:solidFill>
+                          <a:latin typeface="Cambria Math" panose="02040503050406030204" pitchFamily="18" charset="0"/>
+                          <a:ea typeface="Cambria Math" panose="02040503050406030204" pitchFamily="18" charset="0"/>
+                        </a:rPr>
+                        <m:t>𝜀</m:t>
+                      </m:r>
+                      <m:r>
+                        <a:rPr lang="en-GB" b="0" i="1" dirty="0" smtClean="0">
+                          <a:solidFill>
+                            <a:srgbClr val="92D050"/>
+                          </a:solidFill>
+                          <a:latin typeface="Cambria Math" panose="02040503050406030204" pitchFamily="18" charset="0"/>
+                        </a:rPr>
+                        <m:t>)</m:t>
+                      </m:r>
+                    </m:oMath>
+                  </m:oMathPara>
+                </a14:m>
+                <a:endParaRPr lang="de-DE" dirty="0"/>
+              </a:p>
+            </p:txBody>
+          </p:sp>
+        </mc:Choice>
+        <mc:Fallback>
+          <p:sp>
+            <p:nvSpPr>
+              <p:cNvPr id="37" name="Textfeld 36">
+                <a:extLst>
+                  <a:ext uri="{FF2B5EF4-FFF2-40B4-BE49-F238E27FC236}">
+                    <a16:creationId xmlns:a16="http://schemas.microsoft.com/office/drawing/2014/main" id="{FD4451D1-494E-4386-8F34-5166B0899915}"/>
+                  </a:ext>
+                </a:extLst>
+              </p:cNvPr>
+              <p:cNvSpPr txBox="1">
+                <a:spLocks noRot="1" noChangeAspect="1" noMove="1" noResize="1" noEditPoints="1" noAdjustHandles="1" noChangeArrowheads="1" noChangeShapeType="1" noTextEdit="1"/>
+              </p:cNvSpPr>
+              <p:nvPr/>
+            </p:nvSpPr>
+            <p:spPr>
+              <a:xfrm>
+                <a:off x="4141607" y="3814542"/>
+                <a:ext cx="1251751" cy="610936"/>
+              </a:xfrm>
+              <a:prstGeom prst="rect">
+                <a:avLst/>
+              </a:prstGeom>
+              <a:blipFill>
+                <a:blip r:embed="rId5"/>
+                <a:stretch>
+                  <a:fillRect/>
+                </a:stretch>
+              </a:blipFill>
+            </p:spPr>
+            <p:txBody>
+              <a:bodyPr/>
+              <a:lstStyle/>
+              <a:p>
+                <a:r>
+                  <a:rPr lang="de-DE">
+                    <a:noFill/>
+                  </a:rPr>
+                  <a:t> </a:t>
+                </a:r>
+              </a:p>
+            </p:txBody>
+          </p:sp>
+        </mc:Fallback>
+      </mc:AlternateContent>
+      <mc:AlternateContent xmlns:mc="http://schemas.openxmlformats.org/markup-compatibility/2006">
+        <mc:Choice xmlns:a14="http://schemas.microsoft.com/office/drawing/2010/main" Requires="a14">
+          <p:sp>
+            <p:nvSpPr>
+              <p:cNvPr id="38" name="Textfeld 37">
+                <a:extLst>
+                  <a:ext uri="{FF2B5EF4-FFF2-40B4-BE49-F238E27FC236}">
+                    <a16:creationId xmlns:a16="http://schemas.microsoft.com/office/drawing/2014/main" id="{86CCF95D-0FE5-400B-933C-CC74A91AC0AD}"/>
+                  </a:ext>
+                </a:extLst>
+              </p:cNvPr>
+              <p:cNvSpPr txBox="1"/>
+              <p:nvPr/>
+            </p:nvSpPr>
+            <p:spPr>
+              <a:xfrm>
+                <a:off x="2453790" y="4056146"/>
+                <a:ext cx="1079463" cy="369332"/>
+              </a:xfrm>
+              <a:prstGeom prst="rect">
+                <a:avLst/>
+              </a:prstGeom>
+              <a:noFill/>
+            </p:spPr>
+            <p:txBody>
+              <a:bodyPr wrap="none" rtlCol="0">
+                <a:spAutoFit/>
+              </a:bodyPr>
+              <a:lstStyle/>
+              <a:p>
+                <a14:m>
+                  <m:oMathPara xmlns:m="http://schemas.openxmlformats.org/officeDocument/2006/math">
+                    <m:oMathParaPr>
+                      <m:jc m:val="centerGroup"/>
+                    </m:oMathParaPr>
+                    <m:oMath xmlns:m="http://schemas.openxmlformats.org/officeDocument/2006/math">
+                      <m:r>
+                        <a:rPr lang="de-DE" i="1" dirty="0" smtClean="0">
+                          <a:solidFill>
+                            <a:srgbClr val="92D050"/>
+                          </a:solidFill>
+                          <a:latin typeface="Cambria Math" panose="02040503050406030204" pitchFamily="18" charset="0"/>
+                        </a:rPr>
+                        <m:t>𝛿</m:t>
+                      </m:r>
+                      <m:r>
+                        <a:rPr lang="en-GB" b="0" i="1" dirty="0" smtClean="0">
+                          <a:solidFill>
+                            <a:srgbClr val="92D050"/>
+                          </a:solidFill>
+                          <a:latin typeface="Cambria Math" panose="02040503050406030204" pitchFamily="18" charset="0"/>
+                        </a:rPr>
+                        <m:t>(1+</m:t>
+                      </m:r>
+                      <m:r>
+                        <a:rPr lang="en-GB" b="0" i="1" dirty="0" smtClean="0">
+                          <a:solidFill>
+                            <a:srgbClr val="92D050"/>
+                          </a:solidFill>
+                          <a:latin typeface="Cambria Math" panose="02040503050406030204" pitchFamily="18" charset="0"/>
+                          <a:ea typeface="Cambria Math" panose="02040503050406030204" pitchFamily="18" charset="0"/>
+                        </a:rPr>
+                        <m:t>𝜀</m:t>
+                      </m:r>
+                      <m:r>
+                        <a:rPr lang="en-GB" b="0" i="1" dirty="0" smtClean="0">
+                          <a:solidFill>
+                            <a:srgbClr val="92D050"/>
+                          </a:solidFill>
+                          <a:latin typeface="Cambria Math" panose="02040503050406030204" pitchFamily="18" charset="0"/>
+                        </a:rPr>
+                        <m:t>)</m:t>
+                      </m:r>
+                    </m:oMath>
+                  </m:oMathPara>
+                </a14:m>
+                <a:endParaRPr lang="de-DE" dirty="0"/>
+              </a:p>
+            </p:txBody>
+          </p:sp>
+        </mc:Choice>
+        <mc:Fallback>
+          <p:sp>
+            <p:nvSpPr>
+              <p:cNvPr id="38" name="Textfeld 37">
+                <a:extLst>
+                  <a:ext uri="{FF2B5EF4-FFF2-40B4-BE49-F238E27FC236}">
+                    <a16:creationId xmlns:a16="http://schemas.microsoft.com/office/drawing/2014/main" id="{86CCF95D-0FE5-400B-933C-CC74A91AC0AD}"/>
+                  </a:ext>
+                </a:extLst>
+              </p:cNvPr>
+              <p:cNvSpPr txBox="1">
+                <a:spLocks noRot="1" noChangeAspect="1" noMove="1" noResize="1" noEditPoints="1" noAdjustHandles="1" noChangeArrowheads="1" noChangeShapeType="1" noTextEdit="1"/>
+              </p:cNvSpPr>
+              <p:nvPr/>
+            </p:nvSpPr>
+            <p:spPr>
+              <a:xfrm>
+                <a:off x="2453790" y="4056146"/>
+                <a:ext cx="1079463" cy="369332"/>
+              </a:xfrm>
+              <a:prstGeom prst="rect">
+                <a:avLst/>
+              </a:prstGeom>
+              <a:blipFill>
+                <a:blip r:embed="rId6"/>
+                <a:stretch>
+                  <a:fillRect b="-13115"/>
+                </a:stretch>
+              </a:blipFill>
+            </p:spPr>
+            <p:txBody>
+              <a:bodyPr/>
+              <a:lstStyle/>
+              <a:p>
+                <a:r>
+                  <a:rPr lang="de-DE">
+                    <a:noFill/>
+                  </a:rPr>
+                  <a:t> </a:t>
+                </a:r>
+              </a:p>
+            </p:txBody>
+          </p:sp>
+        </mc:Fallback>
+      </mc:AlternateContent>
+    </p:spTree>
+    <p:extLst>
+      <p:ext uri="{BB962C8B-B14F-4D97-AF65-F5344CB8AC3E}">
+        <p14:creationId xmlns:p14="http://schemas.microsoft.com/office/powerpoint/2010/main" val="1660835232"/>
+      </p:ext>
+    </p:extLst>
+  </p:cSld>
+  <p:clrMapOvr>
+    <a:masterClrMapping/>
+  </p:clrMapOvr>
+</p:sld>
+</file>
+
+<file path=ppt/slides/slide12.xml><?xml version="1.0" encoding="utf-8"?>
+<p:sld xmlns:a="http://schemas.openxmlformats.org/drawingml/2006/main" xmlns:r="http://schemas.openxmlformats.org/officeDocument/2006/relationships" xmlns:p="http://schemas.openxmlformats.org/presentationml/2006/main">
+  <p:cSld>
+    <p:spTree>
+      <p:nvGrpSpPr>
+        <p:cNvPr id="1" name=""/>
+        <p:cNvGrpSpPr/>
+        <p:nvPr/>
+      </p:nvGrpSpPr>
+      <p:grpSpPr>
+        <a:xfrm>
+          <a:off x="0" y="0"/>
+          <a:ext cx="0" cy="0"/>
+          <a:chOff x="0" y="0"/>
+          <a:chExt cx="0" cy="0"/>
+        </a:xfrm>
+      </p:grpSpPr>
+      <p:sp>
+        <p:nvSpPr>
+          <p:cNvPr id="2" name="Titel 1">
+            <a:extLst>
+              <a:ext uri="{FF2B5EF4-FFF2-40B4-BE49-F238E27FC236}">
+                <a16:creationId xmlns:a16="http://schemas.microsoft.com/office/drawing/2014/main" id="{95533951-5988-43A8-9F8F-2B7424CA50A1}"/>
+              </a:ext>
+            </a:extLst>
+          </p:cNvPr>
+          <p:cNvSpPr>
+            <a:spLocks noGrp="1"/>
+          </p:cNvSpPr>
+          <p:nvPr>
+            <p:ph type="title"/>
+          </p:nvPr>
+        </p:nvSpPr>
+        <p:spPr/>
+        <p:txBody>
+          <a:bodyPr/>
+          <a:lstStyle/>
+          <a:p>
+            <a:r>
+              <a:rPr lang="en-GB" dirty="0"/>
+              <a:t>Algorithm</a:t>
+            </a:r>
+            <a:endParaRPr lang="de-DE" dirty="0"/>
+          </a:p>
+        </p:txBody>
+      </p:sp>
+      <p:sp>
+        <p:nvSpPr>
+          <p:cNvPr id="3" name="Inhaltsplatzhalter 2">
+            <a:extLst>
+              <a:ext uri="{FF2B5EF4-FFF2-40B4-BE49-F238E27FC236}">
+                <a16:creationId xmlns:a16="http://schemas.microsoft.com/office/drawing/2014/main" id="{5CE6619A-3615-41E2-9AFD-BC4D844FCCC0}"/>
+              </a:ext>
+            </a:extLst>
+          </p:cNvPr>
+          <p:cNvSpPr>
+            <a:spLocks noGrp="1"/>
+          </p:cNvSpPr>
+          <p:nvPr>
+            <p:ph idx="1"/>
+          </p:nvPr>
+        </p:nvSpPr>
+        <p:spPr/>
+        <p:txBody>
+          <a:bodyPr/>
+          <a:lstStyle/>
+          <a:p>
+            <a:endParaRPr lang="en-GB" dirty="0"/>
+          </a:p>
+          <a:p>
+            <a:r>
+              <a:rPr lang="en-GB" dirty="0"/>
+              <a:t>Running time: </a:t>
+            </a:r>
+            <a:endParaRPr lang="de-DE" dirty="0"/>
+          </a:p>
+        </p:txBody>
+      </p:sp>
+    </p:spTree>
+    <p:extLst>
+      <p:ext uri="{BB962C8B-B14F-4D97-AF65-F5344CB8AC3E}">
+        <p14:creationId xmlns:p14="http://schemas.microsoft.com/office/powerpoint/2010/main" val="2710473858"/>
+      </p:ext>
+    </p:extLst>
+  </p:cSld>
+  <p:clrMapOvr>
+    <a:masterClrMapping/>
+  </p:clrMapOvr>
+</p:sld>
+</file>
+
+<file path=ppt/slides/slide13.xml><?xml version="1.0" encoding="utf-8"?>
+<p:sld xmlns:a="http://schemas.openxmlformats.org/drawingml/2006/main" xmlns:r="http://schemas.openxmlformats.org/officeDocument/2006/relationships" xmlns:p="http://schemas.openxmlformats.org/presentationml/2006/main">
+  <p:cSld>
+    <p:spTree>
+      <p:nvGrpSpPr>
+        <p:cNvPr id="1" name=""/>
+        <p:cNvGrpSpPr/>
+        <p:nvPr/>
+      </p:nvGrpSpPr>
+      <p:grpSpPr>
+        <a:xfrm>
+          <a:off x="0" y="0"/>
+          <a:ext cx="0" cy="0"/>
+          <a:chOff x="0" y="0"/>
+          <a:chExt cx="0" cy="0"/>
+        </a:xfrm>
+      </p:grpSpPr>
+      <p:sp>
+        <p:nvSpPr>
+          <p:cNvPr id="2" name="Titel 1">
+            <a:extLst>
+              <a:ext uri="{FF2B5EF4-FFF2-40B4-BE49-F238E27FC236}">
+                <a16:creationId xmlns:a16="http://schemas.microsoft.com/office/drawing/2014/main" id="{37E0E092-677D-4779-8A85-4EC288D57F1D}"/>
+              </a:ext>
+            </a:extLst>
+          </p:cNvPr>
+          <p:cNvSpPr>
+            <a:spLocks noGrp="1"/>
+          </p:cNvSpPr>
+          <p:nvPr>
+            <p:ph type="title"/>
+          </p:nvPr>
+        </p:nvSpPr>
+        <p:spPr/>
+        <p:txBody>
+          <a:bodyPr/>
+          <a:lstStyle/>
+          <a:p>
+            <a:r>
+              <a:rPr lang="en-GB" dirty="0"/>
+              <a:t>Implementation Difficulties</a:t>
+            </a:r>
+            <a:endParaRPr lang="de-DE" dirty="0"/>
+          </a:p>
+        </p:txBody>
+      </p:sp>
+      <p:sp>
+        <p:nvSpPr>
+          <p:cNvPr id="3" name="Inhaltsplatzhalter 2">
+            <a:extLst>
+              <a:ext uri="{FF2B5EF4-FFF2-40B4-BE49-F238E27FC236}">
+                <a16:creationId xmlns:a16="http://schemas.microsoft.com/office/drawing/2014/main" id="{4F5A3919-58A6-49C1-BBA8-4C23D4ECACC8}"/>
+              </a:ext>
+            </a:extLst>
+          </p:cNvPr>
+          <p:cNvSpPr>
+            <a:spLocks noGrp="1"/>
+          </p:cNvSpPr>
+          <p:nvPr>
+            <p:ph idx="1"/>
+          </p:nvPr>
+        </p:nvSpPr>
+        <p:spPr/>
+        <p:txBody>
+          <a:bodyPr/>
+          <a:lstStyle/>
+          <a:p>
+            <a:endParaRPr lang="de-DE" dirty="0"/>
+          </a:p>
+        </p:txBody>
+      </p:sp>
+    </p:spTree>
+    <p:extLst>
+      <p:ext uri="{BB962C8B-B14F-4D97-AF65-F5344CB8AC3E}">
+        <p14:creationId xmlns:p14="http://schemas.microsoft.com/office/powerpoint/2010/main" val="2201917216"/>
       </p:ext>
     </p:extLst>
   </p:cSld>
@@ -3461,14 +5970,14 @@
           <a:p>
             <a:r>
               <a:rPr lang="en-US" dirty="0"/>
-              <a:t>Problem Definition</a:t>
+              <a:t>Maximum multicommodity flow</a:t>
             </a:r>
             <a:endParaRPr lang="de-DE" dirty="0"/>
           </a:p>
         </p:txBody>
       </p:sp>
-      <mc:AlternateContent xmlns:mc="http://schemas.openxmlformats.org/markup-compatibility/2006" xmlns:a14="http://schemas.microsoft.com/office/drawing/2010/main">
-        <mc:Choice Requires="a14">
+      <mc:AlternateContent xmlns:mc="http://schemas.openxmlformats.org/markup-compatibility/2006">
+        <mc:Choice xmlns:a14="http://schemas.microsoft.com/office/drawing/2010/main" Requires="a14">
           <p:sp>
             <p:nvSpPr>
               <p:cNvPr id="3" name="Inhaltsplatzhalter 2">
@@ -3613,77 +6122,124 @@
               <a:p>
                 <a:r>
                   <a:rPr lang="en-US" dirty="0"/>
-                  <a:t>k demands </a:t>
+                  <a:t>k commodities </a:t>
                 </a:r>
                 <a14:m>
                   <m:oMath xmlns:m="http://schemas.openxmlformats.org/officeDocument/2006/math">
-                    <m:d>
-                      <m:dPr>
+                    <m:sSub>
+                      <m:sSubPr>
                         <m:ctrlPr>
                           <a:rPr lang="en-GB" b="0" i="1" smtClean="0">
                             <a:latin typeface="Cambria Math" panose="02040503050406030204" pitchFamily="18" charset="0"/>
                           </a:rPr>
                         </m:ctrlPr>
-                      </m:dPr>
+                      </m:sSubPr>
                       <m:e>
-                        <m:sSub>
-                          <m:sSubPr>
+                        <m:d>
+                          <m:dPr>
                             <m:ctrlPr>
                               <a:rPr lang="en-GB" i="1">
                                 <a:latin typeface="Cambria Math" panose="02040503050406030204" pitchFamily="18" charset="0"/>
                               </a:rPr>
                             </m:ctrlPr>
-                          </m:sSubPr>
+                          </m:dPr>
                           <m:e>
+                            <m:sSub>
+                              <m:sSubPr>
+                                <m:ctrlPr>
+                                  <a:rPr lang="en-GB" i="1">
+                                    <a:latin typeface="Cambria Math" panose="02040503050406030204" pitchFamily="18" charset="0"/>
+                                  </a:rPr>
+                                </m:ctrlPr>
+                              </m:sSubPr>
+                              <m:e>
+                                <m:r>
+                                  <a:rPr lang="en-GB" i="1">
+                                    <a:latin typeface="Cambria Math" panose="02040503050406030204" pitchFamily="18" charset="0"/>
+                                  </a:rPr>
+                                  <m:t>𝑠</m:t>
+                                </m:r>
+                              </m:e>
+                              <m:sub>
+                                <m:r>
+                                  <a:rPr lang="en-GB" i="1">
+                                    <a:latin typeface="Cambria Math" panose="02040503050406030204" pitchFamily="18" charset="0"/>
+                                  </a:rPr>
+                                  <m:t>𝑖</m:t>
+                                </m:r>
+                              </m:sub>
+                            </m:sSub>
                             <m:r>
                               <a:rPr lang="en-GB" i="1">
                                 <a:latin typeface="Cambria Math" panose="02040503050406030204" pitchFamily="18" charset="0"/>
                               </a:rPr>
-                              <m:t>𝑠</m:t>
+                              <m:t>,</m:t>
                             </m:r>
+                            <m:sSub>
+                              <m:sSubPr>
+                                <m:ctrlPr>
+                                  <a:rPr lang="en-GB" i="1">
+                                    <a:latin typeface="Cambria Math" panose="02040503050406030204" pitchFamily="18" charset="0"/>
+                                  </a:rPr>
+                                </m:ctrlPr>
+                              </m:sSubPr>
+                              <m:e>
+                                <m:r>
+                                  <a:rPr lang="en-GB" i="1">
+                                    <a:latin typeface="Cambria Math" panose="02040503050406030204" pitchFamily="18" charset="0"/>
+                                  </a:rPr>
+                                  <m:t>𝑡</m:t>
+                                </m:r>
+                              </m:e>
+                              <m:sub>
+                                <m:r>
+                                  <a:rPr lang="en-GB" i="1">
+                                    <a:latin typeface="Cambria Math" panose="02040503050406030204" pitchFamily="18" charset="0"/>
+                                  </a:rPr>
+                                  <m:t>𝑖</m:t>
+                                </m:r>
+                              </m:sub>
+                            </m:sSub>
                           </m:e>
-                          <m:sub>
-                            <m:r>
-                              <a:rPr lang="en-GB" b="0" i="1" smtClean="0">
-                                <a:latin typeface="Cambria Math" panose="02040503050406030204" pitchFamily="18" charset="0"/>
-                              </a:rPr>
-                              <m:t>𝑖</m:t>
-                            </m:r>
-                          </m:sub>
-                        </m:sSub>
+                        </m:d>
+                      </m:e>
+                      <m:sub>
                         <m:r>
                           <a:rPr lang="en-GB" b="0" i="1" smtClean="0">
                             <a:latin typeface="Cambria Math" panose="02040503050406030204" pitchFamily="18" charset="0"/>
                           </a:rPr>
-                          <m:t>,</m:t>
+                          <m:t>1</m:t>
                         </m:r>
-                        <m:sSub>
-                          <m:sSubPr>
-                            <m:ctrlPr>
-                              <a:rPr lang="en-GB" b="0" i="1" smtClean="0">
-                                <a:latin typeface="Cambria Math" panose="02040503050406030204" pitchFamily="18" charset="0"/>
-                              </a:rPr>
-                            </m:ctrlPr>
-                          </m:sSubPr>
-                          <m:e>
-                            <m:r>
-                              <a:rPr lang="en-GB" b="0" i="1" smtClean="0">
-                                <a:latin typeface="Cambria Math" panose="02040503050406030204" pitchFamily="18" charset="0"/>
-                              </a:rPr>
-                              <m:t>𝑡</m:t>
-                            </m:r>
-                          </m:e>
-                          <m:sub>
-                            <m:r>
-                              <a:rPr lang="en-GB" b="0" i="1" smtClean="0">
-                                <a:latin typeface="Cambria Math" panose="02040503050406030204" pitchFamily="18" charset="0"/>
-                              </a:rPr>
-                              <m:t>𝑖</m:t>
-                            </m:r>
-                          </m:sub>
-                        </m:sSub>
-                      </m:e>
-                    </m:d>
+                        <m:r>
+                          <a:rPr lang="en-GB" b="0" i="1" smtClean="0">
+                            <a:latin typeface="Cambria Math" panose="02040503050406030204" pitchFamily="18" charset="0"/>
+                            <a:ea typeface="Cambria Math" panose="02040503050406030204" pitchFamily="18" charset="0"/>
+                          </a:rPr>
+                          <m:t>≤</m:t>
+                        </m:r>
+                        <m:r>
+                          <a:rPr lang="en-GB" b="0" i="1" smtClean="0">
+                            <a:latin typeface="Cambria Math" panose="02040503050406030204" pitchFamily="18" charset="0"/>
+                            <a:ea typeface="Cambria Math" panose="02040503050406030204" pitchFamily="18" charset="0"/>
+                          </a:rPr>
+                          <m:t>𝑖</m:t>
+                        </m:r>
+                        <m:r>
+                          <a:rPr lang="en-GB" b="0" i="1" smtClean="0">
+                            <a:latin typeface="Cambria Math" panose="02040503050406030204" pitchFamily="18" charset="0"/>
+                            <a:ea typeface="Cambria Math" panose="02040503050406030204" pitchFamily="18" charset="0"/>
+                          </a:rPr>
+                          <m:t>≤</m:t>
+                        </m:r>
+                        <m:r>
+                          <a:rPr lang="en-GB" b="0" i="1" smtClean="0">
+                            <a:latin typeface="Cambria Math" panose="02040503050406030204" pitchFamily="18" charset="0"/>
+                            <a:ea typeface="Cambria Math" panose="02040503050406030204" pitchFamily="18" charset="0"/>
+                          </a:rPr>
+                          <m:t>𝑘</m:t>
+                        </m:r>
+                      </m:sub>
+                    </m:sSub>
                     <m:r>
                       <a:rPr lang="en-GB" b="0" i="1" smtClean="0">
                         <a:latin typeface="Cambria Math" panose="02040503050406030204" pitchFamily="18" charset="0"/>
@@ -3802,7 +6358,7 @@
               <a:p>
                 <a:r>
                   <a:rPr lang="en-GB" dirty="0"/>
-                  <a:t>Maximize Flow along all commodities</a:t>
+                  <a:t>Maximize flow along all commodities</a:t>
                 </a:r>
                 <a:endParaRPr lang="en-GB" b="0" dirty="0"/>
               </a:p>
@@ -3813,19 +6369,19 @@
                 <a14:m>
                   <m:oMath xmlns:m="http://schemas.openxmlformats.org/officeDocument/2006/math">
                     <m:r>
-                      <a:rPr lang="en-GB" b="0" i="1" smtClean="0">
+                      <a:rPr lang="en-GB" i="1">
                         <a:latin typeface="Cambria Math" panose="02040503050406030204" pitchFamily="18" charset="0"/>
                       </a:rPr>
                       <m:t>(1+</m:t>
                     </m:r>
                     <m:r>
-                      <a:rPr lang="en-GB" b="0" i="1" smtClean="0">
+                      <a:rPr lang="en-GB" i="1">
                         <a:latin typeface="Cambria Math" panose="02040503050406030204" pitchFamily="18" charset="0"/>
                       </a:rPr>
                       <m:t>𝜔</m:t>
                     </m:r>
                     <m:r>
-                      <a:rPr lang="en-GB" b="0" i="1" smtClean="0">
+                      <a:rPr lang="en-GB" i="1">
                         <a:latin typeface="Cambria Math" panose="02040503050406030204" pitchFamily="18" charset="0"/>
                       </a:rPr>
                       <m:t>)</m:t>
@@ -3843,7 +6399,7 @@
             </p:txBody>
           </p:sp>
         </mc:Choice>
-        <mc:Fallback xmlns="">
+        <mc:Fallback>
           <p:sp>
             <p:nvSpPr>
               <p:cNvPr id="3" name="Inhaltsplatzhalter 2">
@@ -3918,6 +6474,1237 @@
           <p:cNvPr id="2" name="Titel 1">
             <a:extLst>
               <a:ext uri="{FF2B5EF4-FFF2-40B4-BE49-F238E27FC236}">
+                <a16:creationId xmlns:a16="http://schemas.microsoft.com/office/drawing/2014/main" id="{94FD4765-30C0-4FE2-8D1D-DA1A28D55270}"/>
+              </a:ext>
+            </a:extLst>
+          </p:cNvPr>
+          <p:cNvSpPr>
+            <a:spLocks noGrp="1"/>
+          </p:cNvSpPr>
+          <p:nvPr>
+            <p:ph type="title"/>
+          </p:nvPr>
+        </p:nvSpPr>
+        <p:spPr/>
+        <p:txBody>
+          <a:bodyPr/>
+          <a:lstStyle/>
+          <a:p>
+            <a:endParaRPr lang="de-DE" dirty="0"/>
+          </a:p>
+        </p:txBody>
+      </p:sp>
+      <mc:AlternateContent xmlns:mc="http://schemas.openxmlformats.org/markup-compatibility/2006">
+        <mc:Choice xmlns:a14="http://schemas.microsoft.com/office/drawing/2010/main" Requires="a14">
+          <p:sp>
+            <p:nvSpPr>
+              <p:cNvPr id="3" name="Inhaltsplatzhalter 2">
+                <a:extLst>
+                  <a:ext uri="{FF2B5EF4-FFF2-40B4-BE49-F238E27FC236}">
+                    <a16:creationId xmlns:a16="http://schemas.microsoft.com/office/drawing/2014/main" id="{7DF38239-6662-4052-AA91-7B28848BC322}"/>
+                  </a:ext>
+                </a:extLst>
+              </p:cNvPr>
+              <p:cNvSpPr>
+                <a:spLocks noGrp="1"/>
+              </p:cNvSpPr>
+              <p:nvPr>
+                <p:ph idx="1"/>
+              </p:nvPr>
+            </p:nvSpPr>
+            <p:spPr>
+              <a:xfrm>
+                <a:off x="838200" y="1825625"/>
+                <a:ext cx="10515600" cy="4351338"/>
+              </a:xfrm>
+            </p:spPr>
+            <p:txBody>
+              <a:bodyPr/>
+              <a:lstStyle/>
+              <a:p>
+                <a:pPr marL="0" indent="0">
+                  <a:buNone/>
+                </a:pPr>
+                <a:r>
+                  <a:rPr lang="en-GB" b="0" dirty="0"/>
+                  <a:t>Commodities: </a:t>
+                </a:r>
+                <a14:m>
+                  <m:oMath xmlns:m="http://schemas.openxmlformats.org/officeDocument/2006/math">
+                    <m:d>
+                      <m:dPr>
+                        <m:ctrlPr>
+                          <a:rPr lang="en-GB" b="0" i="1" smtClean="0">
+                            <a:latin typeface="Cambria Math" panose="02040503050406030204" pitchFamily="18" charset="0"/>
+                          </a:rPr>
+                        </m:ctrlPr>
+                      </m:dPr>
+                      <m:e>
+                        <m:r>
+                          <a:rPr lang="en-GB" b="0" i="1" smtClean="0">
+                            <a:latin typeface="Cambria Math" panose="02040503050406030204" pitchFamily="18" charset="0"/>
+                          </a:rPr>
+                          <m:t>𝑎</m:t>
+                        </m:r>
+                        <m:r>
+                          <a:rPr lang="en-GB" b="0" i="1" smtClean="0">
+                            <a:latin typeface="Cambria Math" panose="02040503050406030204" pitchFamily="18" charset="0"/>
+                          </a:rPr>
+                          <m:t>,</m:t>
+                        </m:r>
+                        <m:r>
+                          <a:rPr lang="en-GB" b="0" i="1" smtClean="0">
+                            <a:latin typeface="Cambria Math" panose="02040503050406030204" pitchFamily="18" charset="0"/>
+                          </a:rPr>
+                          <m:t>𝑐</m:t>
+                        </m:r>
+                      </m:e>
+                    </m:d>
+                    <m:r>
+                      <a:rPr lang="en-GB" b="0" i="1" smtClean="0">
+                        <a:latin typeface="Cambria Math" panose="02040503050406030204" pitchFamily="18" charset="0"/>
+                      </a:rPr>
+                      <m:t>,(</m:t>
+                    </m:r>
+                    <m:r>
+                      <a:rPr lang="en-GB" b="0" i="1" smtClean="0">
+                        <a:latin typeface="Cambria Math" panose="02040503050406030204" pitchFamily="18" charset="0"/>
+                      </a:rPr>
+                      <m:t>𝑏</m:t>
+                    </m:r>
+                    <m:r>
+                      <a:rPr lang="en-GB" b="0" i="1" smtClean="0">
+                        <a:latin typeface="Cambria Math" panose="02040503050406030204" pitchFamily="18" charset="0"/>
+                      </a:rPr>
+                      <m:t>,</m:t>
+                    </m:r>
+                    <m:r>
+                      <a:rPr lang="en-GB" b="0" i="1" smtClean="0">
+                        <a:latin typeface="Cambria Math" panose="02040503050406030204" pitchFamily="18" charset="0"/>
+                      </a:rPr>
+                      <m:t>𝑑</m:t>
+                    </m:r>
+                    <m:r>
+                      <a:rPr lang="en-GB" b="0" i="1" smtClean="0">
+                        <a:latin typeface="Cambria Math" panose="02040503050406030204" pitchFamily="18" charset="0"/>
+                      </a:rPr>
+                      <m:t>)</m:t>
+                    </m:r>
+                  </m:oMath>
+                </a14:m>
+                <a:endParaRPr lang="de-DE" dirty="0"/>
+              </a:p>
+            </p:txBody>
+          </p:sp>
+        </mc:Choice>
+        <mc:Fallback>
+          <p:sp>
+            <p:nvSpPr>
+              <p:cNvPr id="3" name="Inhaltsplatzhalter 2">
+                <a:extLst>
+                  <a:ext uri="{FF2B5EF4-FFF2-40B4-BE49-F238E27FC236}">
+                    <a16:creationId xmlns:a16="http://schemas.microsoft.com/office/drawing/2014/main" id="{7DF38239-6662-4052-AA91-7B28848BC322}"/>
+                  </a:ext>
+                </a:extLst>
+              </p:cNvPr>
+              <p:cNvSpPr>
+                <a:spLocks noGrp="1" noRot="1" noChangeAspect="1" noMove="1" noResize="1" noEditPoints="1" noAdjustHandles="1" noChangeArrowheads="1" noChangeShapeType="1" noTextEdit="1"/>
+              </p:cNvSpPr>
+              <p:nvPr>
+                <p:ph idx="1"/>
+              </p:nvPr>
+            </p:nvSpPr>
+            <p:spPr>
+              <a:xfrm>
+                <a:off x="838200" y="1825625"/>
+                <a:ext cx="10515600" cy="4351338"/>
+              </a:xfrm>
+              <a:blipFill>
+                <a:blip r:embed="rId2"/>
+                <a:stretch>
+                  <a:fillRect l="-1217" t="-2241"/>
+                </a:stretch>
+              </a:blipFill>
+            </p:spPr>
+            <p:txBody>
+              <a:bodyPr/>
+              <a:lstStyle/>
+              <a:p>
+                <a:r>
+                  <a:rPr lang="de-DE">
+                    <a:noFill/>
+                  </a:rPr>
+                  <a:t> </a:t>
+                </a:r>
+              </a:p>
+            </p:txBody>
+          </p:sp>
+        </mc:Fallback>
+      </mc:AlternateContent>
+      <p:sp>
+        <p:nvSpPr>
+          <p:cNvPr id="5" name="Rechteck 4">
+            <a:extLst>
+              <a:ext uri="{FF2B5EF4-FFF2-40B4-BE49-F238E27FC236}">
+                <a16:creationId xmlns:a16="http://schemas.microsoft.com/office/drawing/2014/main" id="{80CBC594-DBE7-42FB-B4A5-820844374A3F}"/>
+              </a:ext>
+            </a:extLst>
+          </p:cNvPr>
+          <p:cNvSpPr/>
+          <p:nvPr/>
+        </p:nvSpPr>
+        <p:spPr>
+          <a:xfrm>
+            <a:off x="3249227" y="2858611"/>
+            <a:ext cx="807868" cy="648069"/>
+          </a:xfrm>
+          <a:prstGeom prst="rect">
+            <a:avLst/>
+          </a:prstGeom>
+        </p:spPr>
+        <p:style>
+          <a:lnRef idx="2">
+            <a:schemeClr val="accent1">
+              <a:shade val="50000"/>
+            </a:schemeClr>
+          </a:lnRef>
+          <a:fillRef idx="1">
+            <a:schemeClr val="accent1"/>
+          </a:fillRef>
+          <a:effectRef idx="0">
+            <a:schemeClr val="accent1"/>
+          </a:effectRef>
+          <a:fontRef idx="minor">
+            <a:schemeClr val="lt1"/>
+          </a:fontRef>
+        </p:style>
+        <p:txBody>
+          <a:bodyPr rtlCol="0" anchor="ctr"/>
+          <a:lstStyle/>
+          <a:p>
+            <a:pPr algn="ctr"/>
+            <a:r>
+              <a:rPr lang="en-GB" dirty="0"/>
+              <a:t>a</a:t>
+            </a:r>
+            <a:endParaRPr lang="de-DE" dirty="0"/>
+          </a:p>
+        </p:txBody>
+      </p:sp>
+      <p:sp>
+        <p:nvSpPr>
+          <p:cNvPr id="6" name="Rechteck 5">
+            <a:extLst>
+              <a:ext uri="{FF2B5EF4-FFF2-40B4-BE49-F238E27FC236}">
+                <a16:creationId xmlns:a16="http://schemas.microsoft.com/office/drawing/2014/main" id="{98AECB43-F684-42EE-A710-32D7B0C7C704}"/>
+              </a:ext>
+            </a:extLst>
+          </p:cNvPr>
+          <p:cNvSpPr/>
+          <p:nvPr/>
+        </p:nvSpPr>
+        <p:spPr>
+          <a:xfrm>
+            <a:off x="8550676" y="2858611"/>
+            <a:ext cx="807868" cy="648069"/>
+          </a:xfrm>
+          <a:prstGeom prst="rect">
+            <a:avLst/>
+          </a:prstGeom>
+        </p:spPr>
+        <p:style>
+          <a:lnRef idx="2">
+            <a:schemeClr val="accent1">
+              <a:shade val="50000"/>
+            </a:schemeClr>
+          </a:lnRef>
+          <a:fillRef idx="1">
+            <a:schemeClr val="accent1"/>
+          </a:fillRef>
+          <a:effectRef idx="0">
+            <a:schemeClr val="accent1"/>
+          </a:effectRef>
+          <a:fontRef idx="minor">
+            <a:schemeClr val="lt1"/>
+          </a:fontRef>
+        </p:style>
+        <p:txBody>
+          <a:bodyPr rtlCol="0" anchor="ctr"/>
+          <a:lstStyle/>
+          <a:p>
+            <a:pPr algn="ctr"/>
+            <a:r>
+              <a:rPr lang="en-GB" dirty="0"/>
+              <a:t>c</a:t>
+            </a:r>
+            <a:endParaRPr lang="de-DE" dirty="0"/>
+          </a:p>
+        </p:txBody>
+      </p:sp>
+      <p:sp>
+        <p:nvSpPr>
+          <p:cNvPr id="8" name="Rechteck 7">
+            <a:extLst>
+              <a:ext uri="{FF2B5EF4-FFF2-40B4-BE49-F238E27FC236}">
+                <a16:creationId xmlns:a16="http://schemas.microsoft.com/office/drawing/2014/main" id="{9788C963-F6A0-4CCA-A9C3-F1A023E51C95}"/>
+              </a:ext>
+            </a:extLst>
+          </p:cNvPr>
+          <p:cNvSpPr/>
+          <p:nvPr/>
+        </p:nvSpPr>
+        <p:spPr>
+          <a:xfrm>
+            <a:off x="3249227" y="4166803"/>
+            <a:ext cx="807868" cy="648069"/>
+          </a:xfrm>
+          <a:prstGeom prst="rect">
+            <a:avLst/>
+          </a:prstGeom>
+        </p:spPr>
+        <p:style>
+          <a:lnRef idx="2">
+            <a:schemeClr val="accent1">
+              <a:shade val="50000"/>
+            </a:schemeClr>
+          </a:lnRef>
+          <a:fillRef idx="1">
+            <a:schemeClr val="accent1"/>
+          </a:fillRef>
+          <a:effectRef idx="0">
+            <a:schemeClr val="accent1"/>
+          </a:effectRef>
+          <a:fontRef idx="minor">
+            <a:schemeClr val="lt1"/>
+          </a:fontRef>
+        </p:style>
+        <p:txBody>
+          <a:bodyPr rtlCol="0" anchor="ctr"/>
+          <a:lstStyle/>
+          <a:p>
+            <a:pPr algn="ctr"/>
+            <a:r>
+              <a:rPr lang="en-GB" dirty="0"/>
+              <a:t>b</a:t>
+            </a:r>
+            <a:endParaRPr lang="de-DE" dirty="0"/>
+          </a:p>
+        </p:txBody>
+      </p:sp>
+      <p:sp>
+        <p:nvSpPr>
+          <p:cNvPr id="9" name="Rechteck 8">
+            <a:extLst>
+              <a:ext uri="{FF2B5EF4-FFF2-40B4-BE49-F238E27FC236}">
+                <a16:creationId xmlns:a16="http://schemas.microsoft.com/office/drawing/2014/main" id="{4D303926-0575-4646-A273-748E77D1412A}"/>
+              </a:ext>
+            </a:extLst>
+          </p:cNvPr>
+          <p:cNvSpPr/>
+          <p:nvPr/>
+        </p:nvSpPr>
+        <p:spPr>
+          <a:xfrm>
+            <a:off x="8550676" y="4218166"/>
+            <a:ext cx="807868" cy="648069"/>
+          </a:xfrm>
+          <a:prstGeom prst="rect">
+            <a:avLst/>
+          </a:prstGeom>
+        </p:spPr>
+        <p:style>
+          <a:lnRef idx="2">
+            <a:schemeClr val="accent1">
+              <a:shade val="50000"/>
+            </a:schemeClr>
+          </a:lnRef>
+          <a:fillRef idx="1">
+            <a:schemeClr val="accent1"/>
+          </a:fillRef>
+          <a:effectRef idx="0">
+            <a:schemeClr val="accent1"/>
+          </a:effectRef>
+          <a:fontRef idx="minor">
+            <a:schemeClr val="lt1"/>
+          </a:fontRef>
+        </p:style>
+        <p:txBody>
+          <a:bodyPr rtlCol="0" anchor="ctr"/>
+          <a:lstStyle/>
+          <a:p>
+            <a:pPr algn="ctr"/>
+            <a:r>
+              <a:rPr lang="en-GB" dirty="0"/>
+              <a:t>d</a:t>
+            </a:r>
+            <a:endParaRPr lang="de-DE" dirty="0"/>
+          </a:p>
+        </p:txBody>
+      </p:sp>
+      <p:cxnSp>
+        <p:nvCxnSpPr>
+          <p:cNvPr id="13" name="Gerade Verbindung mit Pfeil 12">
+            <a:extLst>
+              <a:ext uri="{FF2B5EF4-FFF2-40B4-BE49-F238E27FC236}">
+                <a16:creationId xmlns:a16="http://schemas.microsoft.com/office/drawing/2014/main" id="{509BF3FF-5B03-4AC2-B0D9-46E5400ED558}"/>
+              </a:ext>
+            </a:extLst>
+          </p:cNvPr>
+          <p:cNvCxnSpPr>
+            <a:stCxn id="5" idx="3"/>
+            <a:endCxn id="6" idx="1"/>
+          </p:cNvCxnSpPr>
+          <p:nvPr/>
+        </p:nvCxnSpPr>
+        <p:spPr>
+          <a:xfrm>
+            <a:off x="4057095" y="3182646"/>
+            <a:ext cx="4493581" cy="0"/>
+          </a:xfrm>
+          <a:prstGeom prst="straightConnector1">
+            <a:avLst/>
+          </a:prstGeom>
+          <a:ln>
+            <a:tailEnd type="triangle"/>
+          </a:ln>
+        </p:spPr>
+        <p:style>
+          <a:lnRef idx="1">
+            <a:schemeClr val="accent2"/>
+          </a:lnRef>
+          <a:fillRef idx="0">
+            <a:schemeClr val="accent2"/>
+          </a:fillRef>
+          <a:effectRef idx="0">
+            <a:schemeClr val="accent2"/>
+          </a:effectRef>
+          <a:fontRef idx="minor">
+            <a:schemeClr val="tx1"/>
+          </a:fontRef>
+        </p:style>
+      </p:cxnSp>
+      <p:cxnSp>
+        <p:nvCxnSpPr>
+          <p:cNvPr id="15" name="Gerade Verbindung mit Pfeil 14">
+            <a:extLst>
+              <a:ext uri="{FF2B5EF4-FFF2-40B4-BE49-F238E27FC236}">
+                <a16:creationId xmlns:a16="http://schemas.microsoft.com/office/drawing/2014/main" id="{02A520AC-05E7-48A6-A389-D57FA9FB4A36}"/>
+              </a:ext>
+            </a:extLst>
+          </p:cNvPr>
+          <p:cNvCxnSpPr>
+            <a:stCxn id="8" idx="3"/>
+            <a:endCxn id="9" idx="1"/>
+          </p:cNvCxnSpPr>
+          <p:nvPr/>
+        </p:nvCxnSpPr>
+        <p:spPr>
+          <a:xfrm>
+            <a:off x="4057095" y="4490838"/>
+            <a:ext cx="4493581" cy="51363"/>
+          </a:xfrm>
+          <a:prstGeom prst="straightConnector1">
+            <a:avLst/>
+          </a:prstGeom>
+          <a:ln>
+            <a:tailEnd type="triangle"/>
+          </a:ln>
+        </p:spPr>
+        <p:style>
+          <a:lnRef idx="1">
+            <a:schemeClr val="accent2"/>
+          </a:lnRef>
+          <a:fillRef idx="0">
+            <a:schemeClr val="accent2"/>
+          </a:fillRef>
+          <a:effectRef idx="0">
+            <a:schemeClr val="accent2"/>
+          </a:effectRef>
+          <a:fontRef idx="minor">
+            <a:schemeClr val="tx1"/>
+          </a:fontRef>
+        </p:style>
+      </p:cxnSp>
+      <p:cxnSp>
+        <p:nvCxnSpPr>
+          <p:cNvPr id="18" name="Gerade Verbindung mit Pfeil 17">
+            <a:extLst>
+              <a:ext uri="{FF2B5EF4-FFF2-40B4-BE49-F238E27FC236}">
+                <a16:creationId xmlns:a16="http://schemas.microsoft.com/office/drawing/2014/main" id="{82C61445-DEDF-469E-BF2B-B58021E983FD}"/>
+              </a:ext>
+            </a:extLst>
+          </p:cNvPr>
+          <p:cNvCxnSpPr>
+            <a:stCxn id="5" idx="3"/>
+            <a:endCxn id="9" idx="1"/>
+          </p:cNvCxnSpPr>
+          <p:nvPr/>
+        </p:nvCxnSpPr>
+        <p:spPr>
+          <a:xfrm>
+            <a:off x="4057095" y="3182646"/>
+            <a:ext cx="4493581" cy="1359555"/>
+          </a:xfrm>
+          <a:prstGeom prst="straightConnector1">
+            <a:avLst/>
+          </a:prstGeom>
+          <a:ln>
+            <a:tailEnd type="triangle"/>
+          </a:ln>
+        </p:spPr>
+        <p:style>
+          <a:lnRef idx="1">
+            <a:schemeClr val="accent1"/>
+          </a:lnRef>
+          <a:fillRef idx="0">
+            <a:schemeClr val="accent1"/>
+          </a:fillRef>
+          <a:effectRef idx="0">
+            <a:schemeClr val="accent1"/>
+          </a:effectRef>
+          <a:fontRef idx="minor">
+            <a:schemeClr val="tx1"/>
+          </a:fontRef>
+        </p:style>
+      </p:cxnSp>
+      <p:sp>
+        <p:nvSpPr>
+          <p:cNvPr id="19" name="Textfeld 18">
+            <a:extLst>
+              <a:ext uri="{FF2B5EF4-FFF2-40B4-BE49-F238E27FC236}">
+                <a16:creationId xmlns:a16="http://schemas.microsoft.com/office/drawing/2014/main" id="{05978C07-6539-4099-AC1A-C975A76D4B7E}"/>
+              </a:ext>
+            </a:extLst>
+          </p:cNvPr>
+          <p:cNvSpPr txBox="1"/>
+          <p:nvPr/>
+        </p:nvSpPr>
+        <p:spPr>
+          <a:xfrm>
+            <a:off x="5877018" y="2813313"/>
+            <a:ext cx="508473" cy="369332"/>
+          </a:xfrm>
+          <a:prstGeom prst="rect">
+            <a:avLst/>
+          </a:prstGeom>
+          <a:noFill/>
+        </p:spPr>
+        <p:txBody>
+          <a:bodyPr wrap="none" rtlCol="0">
+            <a:spAutoFit/>
+          </a:bodyPr>
+          <a:lstStyle/>
+          <a:p>
+            <a:r>
+              <a:rPr lang="en-GB" dirty="0"/>
+              <a:t>3/3</a:t>
+            </a:r>
+            <a:endParaRPr lang="de-DE" dirty="0"/>
+          </a:p>
+        </p:txBody>
+      </p:sp>
+      <p:sp>
+        <p:nvSpPr>
+          <p:cNvPr id="22" name="Textfeld 21">
+            <a:extLst>
+              <a:ext uri="{FF2B5EF4-FFF2-40B4-BE49-F238E27FC236}">
+                <a16:creationId xmlns:a16="http://schemas.microsoft.com/office/drawing/2014/main" id="{6DF7139D-D626-4ECF-8B76-E11E7BAF9911}"/>
+              </a:ext>
+            </a:extLst>
+          </p:cNvPr>
+          <p:cNvSpPr txBox="1"/>
+          <p:nvPr/>
+        </p:nvSpPr>
+        <p:spPr>
+          <a:xfrm>
+            <a:off x="6096000" y="3466306"/>
+            <a:ext cx="508473" cy="369332"/>
+          </a:xfrm>
+          <a:prstGeom prst="rect">
+            <a:avLst/>
+          </a:prstGeom>
+          <a:noFill/>
+        </p:spPr>
+        <p:txBody>
+          <a:bodyPr wrap="none" rtlCol="0">
+            <a:spAutoFit/>
+          </a:bodyPr>
+          <a:lstStyle/>
+          <a:p>
+            <a:r>
+              <a:rPr lang="en-GB" dirty="0"/>
+              <a:t>0/2</a:t>
+            </a:r>
+            <a:endParaRPr lang="de-DE" dirty="0"/>
+          </a:p>
+        </p:txBody>
+      </p:sp>
+      <p:sp>
+        <p:nvSpPr>
+          <p:cNvPr id="24" name="Textfeld 23">
+            <a:extLst>
+              <a:ext uri="{FF2B5EF4-FFF2-40B4-BE49-F238E27FC236}">
+                <a16:creationId xmlns:a16="http://schemas.microsoft.com/office/drawing/2014/main" id="{04202C29-B829-4143-A1DB-D500BB83BB67}"/>
+              </a:ext>
+            </a:extLst>
+          </p:cNvPr>
+          <p:cNvSpPr txBox="1"/>
+          <p:nvPr/>
+        </p:nvSpPr>
+        <p:spPr>
+          <a:xfrm>
+            <a:off x="5795412" y="4054038"/>
+            <a:ext cx="508473" cy="369332"/>
+          </a:xfrm>
+          <a:prstGeom prst="rect">
+            <a:avLst/>
+          </a:prstGeom>
+          <a:noFill/>
+        </p:spPr>
+        <p:txBody>
+          <a:bodyPr wrap="none" rtlCol="0">
+            <a:spAutoFit/>
+          </a:bodyPr>
+          <a:lstStyle/>
+          <a:p>
+            <a:r>
+              <a:rPr lang="en-GB" dirty="0"/>
+              <a:t>2/2</a:t>
+            </a:r>
+            <a:endParaRPr lang="de-DE" dirty="0"/>
+          </a:p>
+        </p:txBody>
+      </p:sp>
+    </p:spTree>
+    <p:extLst>
+      <p:ext uri="{BB962C8B-B14F-4D97-AF65-F5344CB8AC3E}">
+        <p14:creationId xmlns:p14="http://schemas.microsoft.com/office/powerpoint/2010/main" val="929190314"/>
+      </p:ext>
+    </p:extLst>
+  </p:cSld>
+  <p:clrMapOvr>
+    <a:masterClrMapping/>
+  </p:clrMapOvr>
+</p:sld>
+</file>
+
+<file path=ppt/slides/slide4.xml><?xml version="1.0" encoding="utf-8"?>
+<p:sld xmlns:a="http://schemas.openxmlformats.org/drawingml/2006/main" xmlns:r="http://schemas.openxmlformats.org/officeDocument/2006/relationships" xmlns:p="http://schemas.openxmlformats.org/presentationml/2006/main">
+  <p:cSld>
+    <p:spTree>
+      <p:nvGrpSpPr>
+        <p:cNvPr id="1" name=""/>
+        <p:cNvGrpSpPr/>
+        <p:nvPr/>
+      </p:nvGrpSpPr>
+      <p:grpSpPr>
+        <a:xfrm>
+          <a:off x="0" y="0"/>
+          <a:ext cx="0" cy="0"/>
+          <a:chOff x="0" y="0"/>
+          <a:chExt cx="0" cy="0"/>
+        </a:xfrm>
+      </p:grpSpPr>
+      <p:sp>
+        <p:nvSpPr>
+          <p:cNvPr id="2" name="Titel 1">
+            <a:extLst>
+              <a:ext uri="{FF2B5EF4-FFF2-40B4-BE49-F238E27FC236}">
+                <a16:creationId xmlns:a16="http://schemas.microsoft.com/office/drawing/2014/main" id="{91A70A3D-DC5E-47C8-870E-574E62A1EBFA}"/>
+              </a:ext>
+            </a:extLst>
+          </p:cNvPr>
+          <p:cNvSpPr>
+            <a:spLocks noGrp="1"/>
+          </p:cNvSpPr>
+          <p:nvPr>
+            <p:ph type="title"/>
+          </p:nvPr>
+        </p:nvSpPr>
+        <p:spPr/>
+        <p:txBody>
+          <a:bodyPr/>
+          <a:lstStyle/>
+          <a:p>
+            <a:r>
+              <a:rPr lang="en-GB" dirty="0"/>
+              <a:t>Garg and </a:t>
+            </a:r>
+            <a:r>
+              <a:rPr lang="en-GB" dirty="0" err="1"/>
+              <a:t>Koenemann</a:t>
+            </a:r>
+            <a:r>
+              <a:rPr lang="en-GB" dirty="0"/>
+              <a:t> Algorithm		</a:t>
+            </a:r>
+            <a:endParaRPr lang="de-DE" dirty="0"/>
+          </a:p>
+        </p:txBody>
+      </p:sp>
+      <mc:AlternateContent xmlns:mc="http://schemas.openxmlformats.org/markup-compatibility/2006">
+        <mc:Choice xmlns:a14="http://schemas.microsoft.com/office/drawing/2010/main" Requires="a14">
+          <p:sp>
+            <p:nvSpPr>
+              <p:cNvPr id="3" name="Inhaltsplatzhalter 2">
+                <a:extLst>
+                  <a:ext uri="{FF2B5EF4-FFF2-40B4-BE49-F238E27FC236}">
+                    <a16:creationId xmlns:a16="http://schemas.microsoft.com/office/drawing/2014/main" id="{1EB90AE0-D103-4B0C-AA3D-145B81F621F9}"/>
+                  </a:ext>
+                </a:extLst>
+              </p:cNvPr>
+              <p:cNvSpPr>
+                <a:spLocks noGrp="1"/>
+              </p:cNvSpPr>
+              <p:nvPr>
+                <p:ph idx="1"/>
+              </p:nvPr>
+            </p:nvSpPr>
+            <p:spPr/>
+            <p:txBody>
+              <a:bodyPr/>
+              <a:lstStyle/>
+              <a:p>
+                <a:r>
+                  <a:rPr lang="en-GB" dirty="0"/>
+                  <a:t>Input </a:t>
+                </a:r>
+                <a14:m>
+                  <m:oMath xmlns:m="http://schemas.openxmlformats.org/officeDocument/2006/math">
+                    <m:r>
+                      <m:rPr>
+                        <m:sty m:val="p"/>
+                      </m:rPr>
+                      <a:rPr lang="en-GB" b="0" i="0" smtClean="0">
+                        <a:latin typeface="Cambria Math" panose="02040503050406030204" pitchFamily="18" charset="0"/>
+                      </a:rPr>
+                      <m:t>Graph</m:t>
+                    </m:r>
+                    <m:r>
+                      <a:rPr lang="en-GB" b="0" i="0" smtClean="0">
+                        <a:latin typeface="Cambria Math" panose="02040503050406030204" pitchFamily="18" charset="0"/>
+                      </a:rPr>
+                      <m:t> </m:t>
+                    </m:r>
+                    <m:r>
+                      <a:rPr lang="en-GB" b="0" i="1" smtClean="0">
+                        <a:latin typeface="Cambria Math" panose="02040503050406030204" pitchFamily="18" charset="0"/>
+                      </a:rPr>
+                      <m:t>𝐺</m:t>
+                    </m:r>
+                    <m:r>
+                      <a:rPr lang="en-GB" b="0" i="1" smtClean="0">
+                        <a:latin typeface="Cambria Math" panose="02040503050406030204" pitchFamily="18" charset="0"/>
+                      </a:rPr>
+                      <m:t>=(</m:t>
+                    </m:r>
+                    <m:r>
+                      <a:rPr lang="en-GB" b="0" i="1" smtClean="0">
+                        <a:latin typeface="Cambria Math" panose="02040503050406030204" pitchFamily="18" charset="0"/>
+                      </a:rPr>
+                      <m:t>𝑉</m:t>
+                    </m:r>
+                    <m:r>
+                      <a:rPr lang="en-GB" b="0" i="1" smtClean="0">
+                        <a:latin typeface="Cambria Math" panose="02040503050406030204" pitchFamily="18" charset="0"/>
+                      </a:rPr>
+                      <m:t>,</m:t>
+                    </m:r>
+                    <m:r>
+                      <a:rPr lang="en-GB" b="0" i="1" smtClean="0">
+                        <a:latin typeface="Cambria Math" panose="02040503050406030204" pitchFamily="18" charset="0"/>
+                      </a:rPr>
+                      <m:t>𝐸</m:t>
+                    </m:r>
+                    <m:r>
+                      <a:rPr lang="en-GB" b="0" i="1" smtClean="0">
+                        <a:latin typeface="Cambria Math" panose="02040503050406030204" pitchFamily="18" charset="0"/>
+                      </a:rPr>
+                      <m:t>),</m:t>
+                    </m:r>
+                    <m:r>
+                      <a:rPr lang="en-GB" b="0" i="0" smtClean="0">
+                        <a:latin typeface="Cambria Math" panose="02040503050406030204" pitchFamily="18" charset="0"/>
+                      </a:rPr>
+                      <m:t> </m:t>
+                    </m:r>
+                    <m:r>
+                      <m:rPr>
+                        <m:sty m:val="p"/>
+                      </m:rPr>
+                      <a:rPr lang="en-GB" b="0" i="0" smtClean="0">
+                        <a:latin typeface="Cambria Math" panose="02040503050406030204" pitchFamily="18" charset="0"/>
+                      </a:rPr>
+                      <m:t>capacities</m:t>
+                    </m:r>
+                    <m:r>
+                      <a:rPr lang="en-GB" b="0" i="0" smtClean="0">
+                        <a:latin typeface="Cambria Math" panose="02040503050406030204" pitchFamily="18" charset="0"/>
+                      </a:rPr>
+                      <m:t> </m:t>
+                    </m:r>
+                    <m:r>
+                      <m:rPr>
+                        <m:sty m:val="p"/>
+                      </m:rPr>
+                      <a:rPr lang="en-GB" b="0" i="0" smtClean="0">
+                        <a:latin typeface="Cambria Math" panose="02040503050406030204" pitchFamily="18" charset="0"/>
+                      </a:rPr>
+                      <m:t>c</m:t>
+                    </m:r>
+                    <m:d>
+                      <m:dPr>
+                        <m:ctrlPr>
+                          <a:rPr lang="en-GB" b="0" i="0" smtClean="0">
+                            <a:latin typeface="Cambria Math" panose="02040503050406030204" pitchFamily="18" charset="0"/>
+                          </a:rPr>
+                        </m:ctrlPr>
+                      </m:dPr>
+                      <m:e>
+                        <m:r>
+                          <m:rPr>
+                            <m:sty m:val="p"/>
+                          </m:rPr>
+                          <a:rPr lang="en-GB" b="0" i="0" smtClean="0">
+                            <a:latin typeface="Cambria Math" panose="02040503050406030204" pitchFamily="18" charset="0"/>
+                          </a:rPr>
+                          <m:t>e</m:t>
+                        </m:r>
+                      </m:e>
+                    </m:d>
+                    <m:r>
+                      <a:rPr lang="en-GB" b="0" i="0" smtClean="0">
+                        <a:latin typeface="Cambria Math" panose="02040503050406030204" pitchFamily="18" charset="0"/>
+                      </a:rPr>
+                      <m:t>, </m:t>
+                    </m:r>
+                    <m:r>
+                      <m:rPr>
+                        <m:sty m:val="p"/>
+                      </m:rPr>
+                      <a:rPr lang="en-GB" b="0" i="0" smtClean="0">
+                        <a:latin typeface="Cambria Math" panose="02040503050406030204" pitchFamily="18" charset="0"/>
+                      </a:rPr>
+                      <m:t>k</m:t>
+                    </m:r>
+                    <m:r>
+                      <a:rPr lang="en-GB" b="0" i="0" smtClean="0">
+                        <a:latin typeface="Cambria Math" panose="02040503050406030204" pitchFamily="18" charset="0"/>
+                      </a:rPr>
+                      <m:t> </m:t>
+                    </m:r>
+                    <m:r>
+                      <m:rPr>
+                        <m:sty m:val="p"/>
+                      </m:rPr>
+                      <a:rPr lang="en-GB" b="0" i="0" smtClean="0">
+                        <a:latin typeface="Cambria Math" panose="02040503050406030204" pitchFamily="18" charset="0"/>
+                      </a:rPr>
+                      <m:t>commodity</m:t>
+                    </m:r>
+                    <m:r>
+                      <a:rPr lang="en-GB" b="0" i="0" smtClean="0">
+                        <a:latin typeface="Cambria Math" panose="02040503050406030204" pitchFamily="18" charset="0"/>
+                      </a:rPr>
+                      <m:t> </m:t>
+                    </m:r>
+                    <m:r>
+                      <m:rPr>
+                        <m:sty m:val="p"/>
+                      </m:rPr>
+                      <a:rPr lang="en-GB" b="0" i="0" smtClean="0">
+                        <a:latin typeface="Cambria Math" panose="02040503050406030204" pitchFamily="18" charset="0"/>
+                      </a:rPr>
+                      <m:t>pairs</m:t>
+                    </m:r>
+                    <m:d>
+                      <m:dPr>
+                        <m:ctrlPr>
+                          <a:rPr lang="en-GB" i="1">
+                            <a:latin typeface="Cambria Math" panose="02040503050406030204" pitchFamily="18" charset="0"/>
+                          </a:rPr>
+                        </m:ctrlPr>
+                      </m:dPr>
+                      <m:e>
+                        <m:sSub>
+                          <m:sSubPr>
+                            <m:ctrlPr>
+                              <a:rPr lang="en-GB" i="1">
+                                <a:latin typeface="Cambria Math" panose="02040503050406030204" pitchFamily="18" charset="0"/>
+                              </a:rPr>
+                            </m:ctrlPr>
+                          </m:sSubPr>
+                          <m:e>
+                            <m:r>
+                              <a:rPr lang="en-GB" i="1">
+                                <a:latin typeface="Cambria Math" panose="02040503050406030204" pitchFamily="18" charset="0"/>
+                              </a:rPr>
+                              <m:t>𝑠</m:t>
+                            </m:r>
+                          </m:e>
+                          <m:sub>
+                            <m:r>
+                              <a:rPr lang="en-GB" i="1">
+                                <a:latin typeface="Cambria Math" panose="02040503050406030204" pitchFamily="18" charset="0"/>
+                              </a:rPr>
+                              <m:t>𝑖</m:t>
+                            </m:r>
+                          </m:sub>
+                        </m:sSub>
+                        <m:r>
+                          <a:rPr lang="en-GB" i="1">
+                            <a:latin typeface="Cambria Math" panose="02040503050406030204" pitchFamily="18" charset="0"/>
+                          </a:rPr>
+                          <m:t>,</m:t>
+                        </m:r>
+                        <m:sSub>
+                          <m:sSubPr>
+                            <m:ctrlPr>
+                              <a:rPr lang="en-GB" i="1">
+                                <a:latin typeface="Cambria Math" panose="02040503050406030204" pitchFamily="18" charset="0"/>
+                              </a:rPr>
+                            </m:ctrlPr>
+                          </m:sSubPr>
+                          <m:e>
+                            <m:r>
+                              <a:rPr lang="en-GB" i="1">
+                                <a:latin typeface="Cambria Math" panose="02040503050406030204" pitchFamily="18" charset="0"/>
+                              </a:rPr>
+                              <m:t>𝑡</m:t>
+                            </m:r>
+                          </m:e>
+                          <m:sub>
+                            <m:r>
+                              <a:rPr lang="en-GB" i="1">
+                                <a:latin typeface="Cambria Math" panose="02040503050406030204" pitchFamily="18" charset="0"/>
+                              </a:rPr>
+                              <m:t>𝑖</m:t>
+                            </m:r>
+                          </m:sub>
+                        </m:sSub>
+                      </m:e>
+                    </m:d>
+                  </m:oMath>
+                </a14:m>
+                <a:r>
+                  <a:rPr lang="en-GB" dirty="0"/>
+                  <a:t>, accuaracy </a:t>
+                </a:r>
+                <a14:m>
+                  <m:oMath xmlns:m="http://schemas.openxmlformats.org/officeDocument/2006/math">
+                    <m:r>
+                      <a:rPr lang="en-GB" i="1">
+                        <a:latin typeface="Cambria Math" panose="02040503050406030204" pitchFamily="18" charset="0"/>
+                      </a:rPr>
+                      <m:t>𝜔</m:t>
+                    </m:r>
+                  </m:oMath>
+                </a14:m>
+                <a:r>
+                  <a:rPr lang="en-GB" dirty="0"/>
+                  <a:t> </a:t>
+                </a:r>
+              </a:p>
+              <a:p>
+                <a:pPr marL="0" indent="0">
+                  <a:buNone/>
+                </a:pPr>
+                <a:endParaRPr lang="en-GB" dirty="0"/>
+              </a:p>
+              <a:p>
+                <a:r>
+                  <a:rPr lang="en-GB" dirty="0"/>
+                  <a:t>C</a:t>
+                </a:r>
+                <a:r>
+                  <a:rPr lang="de-DE" dirty="0" err="1"/>
+                  <a:t>hoose</a:t>
+                </a:r>
+                <a:r>
+                  <a:rPr lang="de-DE" dirty="0"/>
+                  <a:t> </a:t>
+                </a:r>
+                <a14:m>
+                  <m:oMath xmlns:m="http://schemas.openxmlformats.org/officeDocument/2006/math">
+                    <m:r>
+                      <a:rPr lang="de-DE" i="1" smtClean="0">
+                        <a:latin typeface="Cambria Math" panose="02040503050406030204" pitchFamily="18" charset="0"/>
+                        <a:ea typeface="Cambria Math" panose="02040503050406030204" pitchFamily="18" charset="0"/>
+                      </a:rPr>
+                      <m:t>𝜀</m:t>
+                    </m:r>
+                    <m:r>
+                      <a:rPr lang="en-GB" b="0" i="1" smtClean="0">
+                        <a:latin typeface="Cambria Math" panose="02040503050406030204" pitchFamily="18" charset="0"/>
+                        <a:ea typeface="Cambria Math" panose="02040503050406030204" pitchFamily="18" charset="0"/>
+                      </a:rPr>
+                      <m:t>,</m:t>
+                    </m:r>
+                    <m:r>
+                      <a:rPr lang="en-GB" b="0" i="1" smtClean="0">
+                        <a:latin typeface="Cambria Math" panose="02040503050406030204" pitchFamily="18" charset="0"/>
+                        <a:ea typeface="Cambria Math" panose="02040503050406030204" pitchFamily="18" charset="0"/>
+                      </a:rPr>
+                      <m:t>𝛿</m:t>
+                    </m:r>
+                    <m:r>
+                      <a:rPr lang="en-GB" b="0" i="1" smtClean="0">
+                        <a:latin typeface="Cambria Math" panose="02040503050406030204" pitchFamily="18" charset="0"/>
+                        <a:ea typeface="Cambria Math" panose="02040503050406030204" pitchFamily="18" charset="0"/>
+                      </a:rPr>
+                      <m:t> </m:t>
+                    </m:r>
+                  </m:oMath>
+                </a14:m>
+                <a:r>
+                  <a:rPr lang="de-DE" dirty="0" err="1"/>
+                  <a:t>depending</a:t>
+                </a:r>
+                <a:r>
+                  <a:rPr lang="de-DE" dirty="0"/>
+                  <a:t> on </a:t>
+                </a:r>
+                <a14:m>
+                  <m:oMath xmlns:m="http://schemas.openxmlformats.org/officeDocument/2006/math">
+                    <m:r>
+                      <a:rPr lang="en-GB" b="0" i="1" smtClean="0">
+                        <a:latin typeface="Cambria Math" panose="02040503050406030204" pitchFamily="18" charset="0"/>
+                      </a:rPr>
+                      <m:t>|</m:t>
+                    </m:r>
+                    <m:r>
+                      <a:rPr lang="en-GB" b="0" i="1" smtClean="0">
+                        <a:latin typeface="Cambria Math" panose="02040503050406030204" pitchFamily="18" charset="0"/>
+                      </a:rPr>
+                      <m:t>𝐸</m:t>
+                    </m:r>
+                    <m:r>
+                      <a:rPr lang="en-GB" b="0" i="1" smtClean="0">
+                        <a:latin typeface="Cambria Math" panose="02040503050406030204" pitchFamily="18" charset="0"/>
+                      </a:rPr>
+                      <m:t>|</m:t>
+                    </m:r>
+                  </m:oMath>
+                </a14:m>
+                <a:r>
+                  <a:rPr lang="de-DE" dirty="0"/>
+                  <a:t> and </a:t>
+                </a:r>
+                <a14:m>
+                  <m:oMath xmlns:m="http://schemas.openxmlformats.org/officeDocument/2006/math">
+                    <m:r>
+                      <a:rPr lang="en-GB" i="1">
+                        <a:latin typeface="Cambria Math" panose="02040503050406030204" pitchFamily="18" charset="0"/>
+                      </a:rPr>
+                      <m:t>𝜔</m:t>
+                    </m:r>
+                  </m:oMath>
+                </a14:m>
+                <a:endParaRPr lang="de-DE" dirty="0"/>
+              </a:p>
+              <a:p>
+                <a:endParaRPr lang="en-GB" dirty="0"/>
+              </a:p>
+              <a:p>
+                <a:r>
+                  <a:rPr lang="en-GB" dirty="0"/>
+                  <a:t>R</a:t>
+                </a:r>
+                <a:r>
+                  <a:rPr lang="de-DE" dirty="0" err="1"/>
+                  <a:t>eturn</a:t>
+                </a:r>
+                <a:r>
+                  <a:rPr lang="de-DE" dirty="0"/>
+                  <a:t> </a:t>
+                </a:r>
+                <a:r>
+                  <a:rPr lang="de-DE" dirty="0" err="1"/>
+                  <a:t>feasible</a:t>
+                </a:r>
+                <a:r>
+                  <a:rPr lang="de-DE" dirty="0"/>
+                  <a:t> </a:t>
+                </a:r>
+                <a:r>
+                  <a:rPr lang="de-DE" dirty="0" err="1"/>
+                  <a:t>flow</a:t>
+                </a:r>
+                <a:r>
+                  <a:rPr lang="de-DE" dirty="0"/>
+                  <a:t> </a:t>
+                </a:r>
+                <a14:m>
+                  <m:oMath xmlns:m="http://schemas.openxmlformats.org/officeDocument/2006/math">
+                    <m:r>
+                      <a:rPr lang="en-GB" b="0" i="1" smtClean="0">
+                        <a:latin typeface="Cambria Math" panose="02040503050406030204" pitchFamily="18" charset="0"/>
+                      </a:rPr>
+                      <m:t>𝑥</m:t>
+                    </m:r>
+                  </m:oMath>
+                </a14:m>
+                <a:r>
+                  <a:rPr lang="de-DE" dirty="0"/>
+                  <a:t> </a:t>
+                </a:r>
+                <a:r>
+                  <a:rPr lang="de-DE" dirty="0" err="1"/>
+                  <a:t>with</a:t>
+                </a:r>
+                <a:r>
+                  <a:rPr lang="de-DE" dirty="0"/>
+                  <a:t> </a:t>
+                </a:r>
+                <a:r>
+                  <a:rPr lang="de-DE" dirty="0" err="1"/>
+                  <a:t>value</a:t>
+                </a:r>
+                <a:r>
+                  <a:rPr lang="de-DE" dirty="0"/>
+                  <a:t> at least </a:t>
+                </a:r>
+                <a14:m>
+                  <m:oMath xmlns:m="http://schemas.openxmlformats.org/officeDocument/2006/math">
+                    <m:r>
+                      <a:rPr lang="en-GB" b="0" i="1" smtClean="0">
+                        <a:latin typeface="Cambria Math" panose="02040503050406030204" pitchFamily="18" charset="0"/>
+                      </a:rPr>
+                      <m:t>(1+</m:t>
+                    </m:r>
+                    <m:r>
+                      <a:rPr lang="en-GB" i="1">
+                        <a:latin typeface="Cambria Math" panose="02040503050406030204" pitchFamily="18" charset="0"/>
+                      </a:rPr>
+                      <m:t>𝜔</m:t>
+                    </m:r>
+                    <m:r>
+                      <a:rPr lang="en-GB" b="0" i="1" smtClean="0">
+                        <a:latin typeface="Cambria Math" panose="02040503050406030204" pitchFamily="18" charset="0"/>
+                      </a:rPr>
+                      <m:t>)</m:t>
+                    </m:r>
+                  </m:oMath>
+                </a14:m>
+                <a:r>
+                  <a:rPr lang="de-DE" dirty="0"/>
+                  <a:t> </a:t>
+                </a:r>
+                <a:r>
+                  <a:rPr lang="de-DE" dirty="0" err="1"/>
+                  <a:t>times</a:t>
+                </a:r>
+                <a:r>
+                  <a:rPr lang="de-DE" dirty="0"/>
+                  <a:t> </a:t>
+                </a:r>
+                <a:r>
+                  <a:rPr lang="de-DE" dirty="0" err="1"/>
+                  <a:t>the</a:t>
+                </a:r>
+                <a:r>
+                  <a:rPr lang="de-DE" dirty="0"/>
+                  <a:t> optimal</a:t>
+                </a:r>
+              </a:p>
+              <a:p>
+                <a:endParaRPr lang="en-GB" dirty="0"/>
+              </a:p>
+              <a:p>
+                <a:r>
+                  <a:rPr lang="en-GB" dirty="0"/>
+                  <a:t>Polynomial running time in input size and </a:t>
+                </a:r>
+                <a14:m>
+                  <m:oMath xmlns:m="http://schemas.openxmlformats.org/officeDocument/2006/math">
+                    <m:r>
+                      <a:rPr lang="en-GB" i="1">
+                        <a:latin typeface="Cambria Math" panose="02040503050406030204" pitchFamily="18" charset="0"/>
+                      </a:rPr>
+                      <m:t>𝜔</m:t>
+                    </m:r>
+                  </m:oMath>
+                </a14:m>
+                <a:endParaRPr lang="de-DE" dirty="0"/>
+              </a:p>
+            </p:txBody>
+          </p:sp>
+        </mc:Choice>
+        <mc:Fallback>
+          <p:sp>
+            <p:nvSpPr>
+              <p:cNvPr id="3" name="Inhaltsplatzhalter 2">
+                <a:extLst>
+                  <a:ext uri="{FF2B5EF4-FFF2-40B4-BE49-F238E27FC236}">
+                    <a16:creationId xmlns:a16="http://schemas.microsoft.com/office/drawing/2014/main" id="{1EB90AE0-D103-4B0C-AA3D-145B81F621F9}"/>
+                  </a:ext>
+                </a:extLst>
+              </p:cNvPr>
+              <p:cNvSpPr>
+                <a:spLocks noGrp="1" noRot="1" noChangeAspect="1" noMove="1" noResize="1" noEditPoints="1" noAdjustHandles="1" noChangeArrowheads="1" noChangeShapeType="1" noTextEdit="1"/>
+              </p:cNvSpPr>
+              <p:nvPr>
+                <p:ph idx="1"/>
+              </p:nvPr>
+            </p:nvSpPr>
+            <p:spPr>
+              <a:blipFill>
+                <a:blip r:embed="rId2"/>
+                <a:stretch>
+                  <a:fillRect l="-1043" t="-2241"/>
+                </a:stretch>
+              </a:blipFill>
+            </p:spPr>
+            <p:txBody>
+              <a:bodyPr/>
+              <a:lstStyle/>
+              <a:p>
+                <a:r>
+                  <a:rPr lang="de-DE">
+                    <a:noFill/>
+                  </a:rPr>
+                  <a:t> </a:t>
+                </a:r>
+              </a:p>
+            </p:txBody>
+          </p:sp>
+        </mc:Fallback>
+      </mc:AlternateContent>
+    </p:spTree>
+    <p:extLst>
+      <p:ext uri="{BB962C8B-B14F-4D97-AF65-F5344CB8AC3E}">
+        <p14:creationId xmlns:p14="http://schemas.microsoft.com/office/powerpoint/2010/main" val="608848036"/>
+      </p:ext>
+    </p:extLst>
+  </p:cSld>
+  <p:clrMapOvr>
+    <a:masterClrMapping/>
+  </p:clrMapOvr>
+</p:sld>
+</file>
+
+<file path=ppt/slides/slide5.xml><?xml version="1.0" encoding="utf-8"?>
+<p:sld xmlns:a="http://schemas.openxmlformats.org/drawingml/2006/main" xmlns:r="http://schemas.openxmlformats.org/officeDocument/2006/relationships" xmlns:p="http://schemas.openxmlformats.org/presentationml/2006/main">
+  <p:cSld>
+    <p:spTree>
+      <p:nvGrpSpPr>
+        <p:cNvPr id="1" name=""/>
+        <p:cNvGrpSpPr/>
+        <p:nvPr/>
+      </p:nvGrpSpPr>
+      <p:grpSpPr>
+        <a:xfrm>
+          <a:off x="0" y="0"/>
+          <a:ext cx="0" cy="0"/>
+          <a:chOff x="0" y="0"/>
+          <a:chExt cx="0" cy="0"/>
+        </a:xfrm>
+      </p:grpSpPr>
+      <p:sp>
+        <p:nvSpPr>
+          <p:cNvPr id="2" name="Titel 1">
+            <a:extLst>
+              <a:ext uri="{FF2B5EF4-FFF2-40B4-BE49-F238E27FC236}">
                 <a16:creationId xmlns:a16="http://schemas.microsoft.com/office/drawing/2014/main" id="{61F49AD1-E58B-4680-870E-B330318D55E5}"/>
               </a:ext>
             </a:extLst>
@@ -4385,7 +8172,7 @@
 </p:sld>
 </file>
 
-<file path=ppt/slides/slide4.xml><?xml version="1.0" encoding="utf-8"?>
+<file path=ppt/slides/slide6.xml><?xml version="1.0" encoding="utf-8"?>
 <p:sld xmlns:a="http://schemas.openxmlformats.org/drawingml/2006/main" xmlns:r="http://schemas.openxmlformats.org/officeDocument/2006/relationships" xmlns:p="http://schemas.openxmlformats.org/presentationml/2006/main">
   <p:cSld>
     <p:spTree>
@@ -4643,27 +8430,24 @@
                         </m:naryPr>
                         <m:sub>
                           <m:r>
-                            <m:rPr>
-                              <m:sty m:val="p"/>
-                              <m:brk/>
-                              <m:aln/>
-                            </m:rPr>
-                            <a:rPr lang="en-GB" b="0" i="0" dirty="0" smtClean="0">
+                            <a:rPr lang="en-GB" b="0" i="1" dirty="0" smtClean="0">
                               <a:latin typeface="Cambria Math" panose="02040503050406030204" pitchFamily="18" charset="0"/>
                             </a:rPr>
-                            <m:t>p</m:t>
+                            <m:t>𝑝</m:t>
                           </m:r>
                           <m:r>
-                            <a:rPr lang="de-DE" i="0" dirty="0">
+                            <a:rPr lang="en-GB" b="0" i="1" dirty="0" smtClean="0">
                               <a:latin typeface="Cambria Math" panose="02040503050406030204" pitchFamily="18" charset="0"/>
+                              <a:ea typeface="Cambria Math" panose="02040503050406030204" pitchFamily="18" charset="0"/>
                             </a:rPr>
                             <m:t>∈</m:t>
                           </m:r>
                           <m:sSub>
                             <m:sSubPr>
                               <m:ctrlPr>
-                                <a:rPr lang="de-DE" i="1" dirty="0" smtClean="0">
+                                <a:rPr lang="en-GB" b="0" i="1" dirty="0" smtClean="0">
                                   <a:latin typeface="Cambria Math" panose="02040503050406030204" pitchFamily="18" charset="0"/>
+                                  <a:ea typeface="Cambria Math" panose="02040503050406030204" pitchFamily="18" charset="0"/>
                                 </a:rPr>
                               </m:ctrlPr>
                             </m:sSubPr>
@@ -4671,6 +8455,7 @@
                               <m:r>
                                 <a:rPr lang="en-GB" b="0" i="1" dirty="0" smtClean="0">
                                   <a:latin typeface="Cambria Math" panose="02040503050406030204" pitchFamily="18" charset="0"/>
+                                  <a:ea typeface="Cambria Math" panose="02040503050406030204" pitchFamily="18" charset="0"/>
                                 </a:rPr>
                                 <m:t>𝑃</m:t>
                               </m:r>
@@ -4679,6 +8464,7 @@
                               <m:r>
                                 <a:rPr lang="en-GB" b="0" i="1" dirty="0" smtClean="0">
                                   <a:latin typeface="Cambria Math" panose="02040503050406030204" pitchFamily="18" charset="0"/>
+                                  <a:ea typeface="Cambria Math" panose="02040503050406030204" pitchFamily="18" charset="0"/>
                                 </a:rPr>
                                 <m:t>𝑒</m:t>
                               </m:r>
@@ -5018,7 +8804,7 @@
                                   <a:latin typeface="Cambria Math" panose="02040503050406030204" pitchFamily="18" charset="0"/>
                                   <a:ea typeface="Cambria Math" panose="02040503050406030204" pitchFamily="18" charset="0"/>
                                 </a:rPr>
-                                <m:t> , </m:t>
+                                <m:t>, </m:t>
                               </m:r>
                               <m:r>
                                 <a:rPr lang="en-GB" b="0" i="1" smtClean="0">
@@ -5105,7 +8891,7 @@
 </p:sld>
 </file>
 
-<file path=ppt/slides/slide5.xml><?xml version="1.0" encoding="utf-8"?>
+<file path=ppt/slides/slide7.xml><?xml version="1.0" encoding="utf-8"?>
 <p:sld xmlns:a="http://schemas.openxmlformats.org/drawingml/2006/main" xmlns:r="http://schemas.openxmlformats.org/officeDocument/2006/relationships" xmlns:p="http://schemas.openxmlformats.org/presentationml/2006/main">
   <p:cSld>
     <p:spTree>
@@ -5279,7 +9065,7 @@
                               <a:rPr lang="en-GB" b="0" i="1" smtClean="0">
                                 <a:latin typeface="Cambria Math" panose="02040503050406030204" pitchFamily="18" charset="0"/>
                               </a:rPr>
-                              <m:t>𝑙𝑒𝑛</m:t>
+                              <m:t>𝑙</m:t>
                             </m:r>
                             <m:d>
                               <m:dPr>
@@ -5359,7 +9145,7 @@
                           <a:rPr lang="en-GB" b="0" i="1" smtClean="0">
                             <a:latin typeface="Cambria Math" panose="02040503050406030204" pitchFamily="18" charset="0"/>
                           </a:rPr>
-                          <m:t>𝜌</m:t>
+                          <m:t>𝑝</m:t>
                         </m:r>
                       </m:e>
                     </m:acc>
@@ -5411,7 +9197,7 @@
                       <a:rPr lang="en-GB" b="0" i="1" smtClean="0">
                         <a:latin typeface="Cambria Math" panose="02040503050406030204" pitchFamily="18" charset="0"/>
                       </a:rPr>
-                      <m:t>𝑙𝑒𝑛</m:t>
+                      <m:t>𝑙</m:t>
                     </m:r>
                     <m:d>
                       <m:dPr>
@@ -5440,7 +9226,7 @@
                       <m:accPr>
                         <m:chr m:val="̂"/>
                         <m:ctrlPr>
-                          <a:rPr lang="en-GB" b="0" dirty="0" smtClean="0">
+                          <a:rPr lang="en-GB" b="0" i="1" dirty="0" smtClean="0">
                             <a:latin typeface="Cambria Math" panose="02040503050406030204" pitchFamily="18" charset="0"/>
                           </a:rPr>
                         </m:ctrlPr>
@@ -5566,7 +9352,7 @@
                               <a:rPr lang="en-GB" b="0" i="1" smtClean="0">
                                 <a:latin typeface="Cambria Math" panose="02040503050406030204" pitchFamily="18" charset="0"/>
                               </a:rPr>
-                              <m:t>𝜌</m:t>
+                              <m:t>𝑝</m:t>
                             </m:r>
                           </m:e>
                         </m:acc>
@@ -5604,10 +9390,10 @@
                           </m:accPr>
                           <m:e>
                             <m:r>
-                              <a:rPr lang="en-GB" i="1">
+                              <a:rPr lang="en-GB" b="0" i="1" smtClean="0">
                                 <a:latin typeface="Cambria Math" panose="02040503050406030204" pitchFamily="18" charset="0"/>
                               </a:rPr>
-                              <m:t>𝜌</m:t>
+                              <m:t>𝑝</m:t>
                             </m:r>
                           </m:e>
                         </m:acc>
@@ -5683,17 +9469,17 @@
                       <m:accPr>
                         <m:chr m:val="̂"/>
                         <m:ctrlPr>
-                          <a:rPr lang="en-GB" i="1">
+                          <a:rPr lang="en-GB" i="1" smtClean="0">
                             <a:latin typeface="Cambria Math" panose="02040503050406030204" pitchFamily="18" charset="0"/>
                           </a:rPr>
                         </m:ctrlPr>
                       </m:accPr>
                       <m:e>
                         <m:r>
-                          <a:rPr lang="en-GB" i="1">
+                          <a:rPr lang="en-GB" b="0" i="1" smtClean="0">
                             <a:latin typeface="Cambria Math" panose="02040503050406030204" pitchFamily="18" charset="0"/>
                           </a:rPr>
-                          <m:t>𝜌</m:t>
+                          <m:t>𝑝</m:t>
                         </m:r>
                       </m:e>
                     </m:acc>
@@ -5786,37 +9572,11 @@
                           </a:rPr>
                           <m:t>𝜀</m:t>
                         </m:r>
-                        <m:r>
-                          <a:rPr lang="en-GB" b="0" i="1" smtClean="0">
-                            <a:latin typeface="Cambria Math" panose="02040503050406030204" pitchFamily="18" charset="0"/>
-                          </a:rPr>
-                          <m:t>𝑐</m:t>
-                        </m:r>
-                        <m:r>
-                          <a:rPr lang="en-GB" b="0" i="1" smtClean="0">
-                            <a:latin typeface="Cambria Math" panose="02040503050406030204" pitchFamily="18" charset="0"/>
-                          </a:rPr>
-                          <m:t>(</m:t>
-                        </m:r>
-                        <m:r>
-                          <a:rPr lang="en-GB" b="0" i="1" smtClean="0">
-                            <a:latin typeface="Cambria Math" panose="02040503050406030204" pitchFamily="18" charset="0"/>
-                          </a:rPr>
-                          <m:t>𝑒</m:t>
-                        </m:r>
-                        <m:r>
-                          <a:rPr lang="en-GB" b="0" i="1" smtClean="0">
-                            <a:latin typeface="Cambria Math" panose="02040503050406030204" pitchFamily="18" charset="0"/>
-                          </a:rPr>
-                          <m:t>)</m:t>
-                        </m:r>
-                      </m:num>
-                      <m:den>
                         <m:acc>
                           <m:accPr>
                             <m:chr m:val="̂"/>
                             <m:ctrlPr>
-                              <a:rPr lang="en-GB" i="1" dirty="0">
+                              <a:rPr lang="en-GB" i="1" dirty="0" smtClean="0">
                                 <a:latin typeface="Cambria Math" panose="02040503050406030204" pitchFamily="18" charset="0"/>
                               </a:rPr>
                             </m:ctrlPr>
@@ -5830,6 +9590,32 @@
                             </m:r>
                           </m:e>
                         </m:acc>
+                      </m:num>
+                      <m:den>
+                        <m:r>
+                          <a:rPr lang="en-GB" b="0" i="1" smtClean="0">
+                            <a:latin typeface="Cambria Math" panose="02040503050406030204" pitchFamily="18" charset="0"/>
+                          </a:rPr>
+                          <m:t>𝐶</m:t>
+                        </m:r>
+                        <m:r>
+                          <a:rPr lang="en-GB" b="0" i="1" smtClean="0">
+                            <a:latin typeface="Cambria Math" panose="02040503050406030204" pitchFamily="18" charset="0"/>
+                          </a:rPr>
+                          <m:t>(</m:t>
+                        </m:r>
+                        <m:r>
+                          <a:rPr lang="en-GB" b="0" i="1" smtClean="0">
+                            <a:latin typeface="Cambria Math" panose="02040503050406030204" pitchFamily="18" charset="0"/>
+                          </a:rPr>
+                          <m:t>𝐸</m:t>
+                        </m:r>
+                        <m:r>
+                          <a:rPr lang="en-GB" b="0" i="1" smtClean="0">
+                            <a:latin typeface="Cambria Math" panose="02040503050406030204" pitchFamily="18" charset="0"/>
+                          </a:rPr>
+                          <m:t>)</m:t>
+                        </m:r>
                       </m:den>
                     </m:f>
                     <m:r>
@@ -6015,6 +9801,2227 @@
     <p:extLst>
       <p:ext uri="{BB962C8B-B14F-4D97-AF65-F5344CB8AC3E}">
         <p14:creationId xmlns:p14="http://schemas.microsoft.com/office/powerpoint/2010/main" val="2514259774"/>
+      </p:ext>
+    </p:extLst>
+  </p:cSld>
+  <p:clrMapOvr>
+    <a:masterClrMapping/>
+  </p:clrMapOvr>
+</p:sld>
+</file>
+
+<file path=ppt/slides/slide8.xml><?xml version="1.0" encoding="utf-8"?>
+<p:sld xmlns:a="http://schemas.openxmlformats.org/drawingml/2006/main" xmlns:r="http://schemas.openxmlformats.org/officeDocument/2006/relationships" xmlns:p="http://schemas.openxmlformats.org/presentationml/2006/main">
+  <p:cSld>
+    <p:spTree>
+      <p:nvGrpSpPr>
+        <p:cNvPr id="1" name=""/>
+        <p:cNvGrpSpPr/>
+        <p:nvPr/>
+      </p:nvGrpSpPr>
+      <p:grpSpPr>
+        <a:xfrm>
+          <a:off x="0" y="0"/>
+          <a:ext cx="0" cy="0"/>
+          <a:chOff x="0" y="0"/>
+          <a:chExt cx="0" cy="0"/>
+        </a:xfrm>
+      </p:grpSpPr>
+      <p:sp>
+        <p:nvSpPr>
+          <p:cNvPr id="2" name="Titel 1">
+            <a:extLst>
+              <a:ext uri="{FF2B5EF4-FFF2-40B4-BE49-F238E27FC236}">
+                <a16:creationId xmlns:a16="http://schemas.microsoft.com/office/drawing/2014/main" id="{8F39DE1A-DB50-4C7A-9176-1D20018CB78C}"/>
+              </a:ext>
+            </a:extLst>
+          </p:cNvPr>
+          <p:cNvSpPr>
+            <a:spLocks noGrp="1"/>
+          </p:cNvSpPr>
+          <p:nvPr>
+            <p:ph type="title"/>
+          </p:nvPr>
+        </p:nvSpPr>
+        <p:spPr/>
+        <p:txBody>
+          <a:bodyPr/>
+          <a:lstStyle/>
+          <a:p>
+            <a:endParaRPr lang="de-DE"/>
+          </a:p>
+        </p:txBody>
+      </p:sp>
+      <p:sp>
+        <p:nvSpPr>
+          <p:cNvPr id="3" name="Inhaltsplatzhalter 2">
+            <a:extLst>
+              <a:ext uri="{FF2B5EF4-FFF2-40B4-BE49-F238E27FC236}">
+                <a16:creationId xmlns:a16="http://schemas.microsoft.com/office/drawing/2014/main" id="{C58FE163-D7B6-450D-98D4-661472413393}"/>
+              </a:ext>
+            </a:extLst>
+          </p:cNvPr>
+          <p:cNvSpPr>
+            <a:spLocks noGrp="1"/>
+          </p:cNvSpPr>
+          <p:nvPr>
+            <p:ph idx="1"/>
+          </p:nvPr>
+        </p:nvSpPr>
+        <p:spPr/>
+        <p:txBody>
+          <a:bodyPr/>
+          <a:lstStyle/>
+          <a:p>
+            <a:endParaRPr lang="de-DE" dirty="0"/>
+          </a:p>
+        </p:txBody>
+      </p:sp>
+      <p:sp>
+        <p:nvSpPr>
+          <p:cNvPr id="4" name="Rechteck 3">
+            <a:extLst>
+              <a:ext uri="{FF2B5EF4-FFF2-40B4-BE49-F238E27FC236}">
+                <a16:creationId xmlns:a16="http://schemas.microsoft.com/office/drawing/2014/main" id="{E0619AA5-1FC5-4756-B330-BAA6C1DEBC13}"/>
+              </a:ext>
+            </a:extLst>
+          </p:cNvPr>
+          <p:cNvSpPr/>
+          <p:nvPr/>
+        </p:nvSpPr>
+        <p:spPr>
+          <a:xfrm>
+            <a:off x="1660124" y="2583404"/>
+            <a:ext cx="807868" cy="648069"/>
+          </a:xfrm>
+          <a:prstGeom prst="rect">
+            <a:avLst/>
+          </a:prstGeom>
+        </p:spPr>
+        <p:style>
+          <a:lnRef idx="2">
+            <a:schemeClr val="accent1">
+              <a:shade val="50000"/>
+            </a:schemeClr>
+          </a:lnRef>
+          <a:fillRef idx="1">
+            <a:schemeClr val="accent1"/>
+          </a:fillRef>
+          <a:effectRef idx="0">
+            <a:schemeClr val="accent1"/>
+          </a:effectRef>
+          <a:fontRef idx="minor">
+            <a:schemeClr val="lt1"/>
+          </a:fontRef>
+        </p:style>
+        <p:txBody>
+          <a:bodyPr rtlCol="0" anchor="ctr"/>
+          <a:lstStyle/>
+          <a:p>
+            <a:pPr algn="ctr"/>
+            <a:r>
+              <a:rPr lang="en-GB" dirty="0"/>
+              <a:t>a</a:t>
+            </a:r>
+            <a:endParaRPr lang="de-DE" dirty="0"/>
+          </a:p>
+        </p:txBody>
+      </p:sp>
+      <p:sp>
+        <p:nvSpPr>
+          <p:cNvPr id="5" name="Rechteck 4">
+            <a:extLst>
+              <a:ext uri="{FF2B5EF4-FFF2-40B4-BE49-F238E27FC236}">
+                <a16:creationId xmlns:a16="http://schemas.microsoft.com/office/drawing/2014/main" id="{29DC4084-67AE-45A2-91E7-F0569C79FAA8}"/>
+              </a:ext>
+            </a:extLst>
+          </p:cNvPr>
+          <p:cNvSpPr/>
+          <p:nvPr/>
+        </p:nvSpPr>
+        <p:spPr>
+          <a:xfrm>
+            <a:off x="3446016" y="2583403"/>
+            <a:ext cx="807868" cy="648069"/>
+          </a:xfrm>
+          <a:prstGeom prst="rect">
+            <a:avLst/>
+          </a:prstGeom>
+        </p:spPr>
+        <p:style>
+          <a:lnRef idx="2">
+            <a:schemeClr val="accent1">
+              <a:shade val="50000"/>
+            </a:schemeClr>
+          </a:lnRef>
+          <a:fillRef idx="1">
+            <a:schemeClr val="accent1"/>
+          </a:fillRef>
+          <a:effectRef idx="0">
+            <a:schemeClr val="accent1"/>
+          </a:effectRef>
+          <a:fontRef idx="minor">
+            <a:schemeClr val="lt1"/>
+          </a:fontRef>
+        </p:style>
+        <p:txBody>
+          <a:bodyPr rtlCol="0" anchor="ctr"/>
+          <a:lstStyle/>
+          <a:p>
+            <a:pPr algn="ctr"/>
+            <a:r>
+              <a:rPr lang="en-GB" dirty="0"/>
+              <a:t>b</a:t>
+            </a:r>
+            <a:endParaRPr lang="de-DE" dirty="0"/>
+          </a:p>
+        </p:txBody>
+      </p:sp>
+      <p:sp>
+        <p:nvSpPr>
+          <p:cNvPr id="6" name="Rechteck 5">
+            <a:extLst>
+              <a:ext uri="{FF2B5EF4-FFF2-40B4-BE49-F238E27FC236}">
+                <a16:creationId xmlns:a16="http://schemas.microsoft.com/office/drawing/2014/main" id="{29C7E66B-8C3E-4DA9-AE37-6F8CFEFE71D1}"/>
+              </a:ext>
+            </a:extLst>
+          </p:cNvPr>
+          <p:cNvSpPr/>
+          <p:nvPr/>
+        </p:nvSpPr>
+        <p:spPr>
+          <a:xfrm>
+            <a:off x="3446016" y="4056146"/>
+            <a:ext cx="807868" cy="648069"/>
+          </a:xfrm>
+          <a:prstGeom prst="rect">
+            <a:avLst/>
+          </a:prstGeom>
+        </p:spPr>
+        <p:style>
+          <a:lnRef idx="2">
+            <a:schemeClr val="accent1">
+              <a:shade val="50000"/>
+            </a:schemeClr>
+          </a:lnRef>
+          <a:fillRef idx="1">
+            <a:schemeClr val="accent1"/>
+          </a:fillRef>
+          <a:effectRef idx="0">
+            <a:schemeClr val="accent1"/>
+          </a:effectRef>
+          <a:fontRef idx="minor">
+            <a:schemeClr val="lt1"/>
+          </a:fontRef>
+        </p:style>
+        <p:txBody>
+          <a:bodyPr rtlCol="0" anchor="ctr"/>
+          <a:lstStyle/>
+          <a:p>
+            <a:pPr algn="ctr"/>
+            <a:r>
+              <a:rPr lang="en-GB" dirty="0"/>
+              <a:t>f</a:t>
+            </a:r>
+            <a:endParaRPr lang="de-DE" dirty="0"/>
+          </a:p>
+        </p:txBody>
+      </p:sp>
+      <p:sp>
+        <p:nvSpPr>
+          <p:cNvPr id="7" name="Rechteck 6">
+            <a:extLst>
+              <a:ext uri="{FF2B5EF4-FFF2-40B4-BE49-F238E27FC236}">
+                <a16:creationId xmlns:a16="http://schemas.microsoft.com/office/drawing/2014/main" id="{1C0BF856-843E-47E0-9FEE-CADB2FDF6E7C}"/>
+              </a:ext>
+            </a:extLst>
+          </p:cNvPr>
+          <p:cNvSpPr/>
+          <p:nvPr/>
+        </p:nvSpPr>
+        <p:spPr>
+          <a:xfrm>
+            <a:off x="1660124" y="4056148"/>
+            <a:ext cx="807868" cy="648069"/>
+          </a:xfrm>
+          <a:prstGeom prst="rect">
+            <a:avLst/>
+          </a:prstGeom>
+        </p:spPr>
+        <p:style>
+          <a:lnRef idx="2">
+            <a:schemeClr val="accent1">
+              <a:shade val="50000"/>
+            </a:schemeClr>
+          </a:lnRef>
+          <a:fillRef idx="1">
+            <a:schemeClr val="accent1"/>
+          </a:fillRef>
+          <a:effectRef idx="0">
+            <a:schemeClr val="accent1"/>
+          </a:effectRef>
+          <a:fontRef idx="minor">
+            <a:schemeClr val="lt1"/>
+          </a:fontRef>
+        </p:style>
+        <p:txBody>
+          <a:bodyPr rtlCol="0" anchor="ctr"/>
+          <a:lstStyle/>
+          <a:p>
+            <a:pPr algn="ctr"/>
+            <a:r>
+              <a:rPr lang="en-GB" dirty="0"/>
+              <a:t>e</a:t>
+            </a:r>
+            <a:endParaRPr lang="de-DE" dirty="0"/>
+          </a:p>
+        </p:txBody>
+      </p:sp>
+      <p:sp>
+        <p:nvSpPr>
+          <p:cNvPr id="8" name="Rechteck 7">
+            <a:extLst>
+              <a:ext uri="{FF2B5EF4-FFF2-40B4-BE49-F238E27FC236}">
+                <a16:creationId xmlns:a16="http://schemas.microsoft.com/office/drawing/2014/main" id="{B4A373E3-E7A7-4C8A-A51A-8612C088E00A}"/>
+              </a:ext>
+            </a:extLst>
+          </p:cNvPr>
+          <p:cNvSpPr/>
+          <p:nvPr/>
+        </p:nvSpPr>
+        <p:spPr>
+          <a:xfrm>
+            <a:off x="5231908" y="2583400"/>
+            <a:ext cx="807868" cy="648069"/>
+          </a:xfrm>
+          <a:prstGeom prst="rect">
+            <a:avLst/>
+          </a:prstGeom>
+        </p:spPr>
+        <p:style>
+          <a:lnRef idx="2">
+            <a:schemeClr val="accent1">
+              <a:shade val="50000"/>
+            </a:schemeClr>
+          </a:lnRef>
+          <a:fillRef idx="1">
+            <a:schemeClr val="accent1"/>
+          </a:fillRef>
+          <a:effectRef idx="0">
+            <a:schemeClr val="accent1"/>
+          </a:effectRef>
+          <a:fontRef idx="minor">
+            <a:schemeClr val="lt1"/>
+          </a:fontRef>
+        </p:style>
+        <p:txBody>
+          <a:bodyPr rtlCol="0" anchor="ctr"/>
+          <a:lstStyle/>
+          <a:p>
+            <a:pPr algn="ctr"/>
+            <a:r>
+              <a:rPr lang="en-GB" dirty="0"/>
+              <a:t>c</a:t>
+            </a:r>
+            <a:endParaRPr lang="de-DE" dirty="0"/>
+          </a:p>
+        </p:txBody>
+      </p:sp>
+      <p:sp>
+        <p:nvSpPr>
+          <p:cNvPr id="9" name="Rechteck 8">
+            <a:extLst>
+              <a:ext uri="{FF2B5EF4-FFF2-40B4-BE49-F238E27FC236}">
+                <a16:creationId xmlns:a16="http://schemas.microsoft.com/office/drawing/2014/main" id="{6E45C7C0-C3C3-4A58-8120-802B32D69BD5}"/>
+              </a:ext>
+            </a:extLst>
+          </p:cNvPr>
+          <p:cNvSpPr/>
+          <p:nvPr/>
+        </p:nvSpPr>
+        <p:spPr>
+          <a:xfrm>
+            <a:off x="5231908" y="4056146"/>
+            <a:ext cx="807868" cy="648069"/>
+          </a:xfrm>
+          <a:prstGeom prst="rect">
+            <a:avLst/>
+          </a:prstGeom>
+        </p:spPr>
+        <p:style>
+          <a:lnRef idx="2">
+            <a:schemeClr val="accent1">
+              <a:shade val="50000"/>
+            </a:schemeClr>
+          </a:lnRef>
+          <a:fillRef idx="1">
+            <a:schemeClr val="accent1"/>
+          </a:fillRef>
+          <a:effectRef idx="0">
+            <a:schemeClr val="accent1"/>
+          </a:effectRef>
+          <a:fontRef idx="minor">
+            <a:schemeClr val="lt1"/>
+          </a:fontRef>
+        </p:style>
+        <p:txBody>
+          <a:bodyPr rtlCol="0" anchor="ctr"/>
+          <a:lstStyle/>
+          <a:p>
+            <a:pPr algn="ctr"/>
+            <a:r>
+              <a:rPr lang="en-GB" dirty="0"/>
+              <a:t>g</a:t>
+            </a:r>
+            <a:endParaRPr lang="de-DE" dirty="0"/>
+          </a:p>
+        </p:txBody>
+      </p:sp>
+      <p:sp>
+        <p:nvSpPr>
+          <p:cNvPr id="10" name="Rechteck 9">
+            <a:extLst>
+              <a:ext uri="{FF2B5EF4-FFF2-40B4-BE49-F238E27FC236}">
+                <a16:creationId xmlns:a16="http://schemas.microsoft.com/office/drawing/2014/main" id="{CE9D4EC3-D641-4AF3-93B2-7E00F7AD2DF2}"/>
+              </a:ext>
+            </a:extLst>
+          </p:cNvPr>
+          <p:cNvSpPr/>
+          <p:nvPr/>
+        </p:nvSpPr>
+        <p:spPr>
+          <a:xfrm>
+            <a:off x="6861700" y="2583399"/>
+            <a:ext cx="807868" cy="648069"/>
+          </a:xfrm>
+          <a:prstGeom prst="rect">
+            <a:avLst/>
+          </a:prstGeom>
+        </p:spPr>
+        <p:style>
+          <a:lnRef idx="2">
+            <a:schemeClr val="accent1">
+              <a:shade val="50000"/>
+            </a:schemeClr>
+          </a:lnRef>
+          <a:fillRef idx="1">
+            <a:schemeClr val="accent1"/>
+          </a:fillRef>
+          <a:effectRef idx="0">
+            <a:schemeClr val="accent1"/>
+          </a:effectRef>
+          <a:fontRef idx="minor">
+            <a:schemeClr val="lt1"/>
+          </a:fontRef>
+        </p:style>
+        <p:txBody>
+          <a:bodyPr rtlCol="0" anchor="ctr"/>
+          <a:lstStyle/>
+          <a:p>
+            <a:pPr algn="ctr"/>
+            <a:r>
+              <a:rPr lang="en-GB" dirty="0"/>
+              <a:t>d</a:t>
+            </a:r>
+            <a:endParaRPr lang="de-DE" dirty="0"/>
+          </a:p>
+        </p:txBody>
+      </p:sp>
+      <p:cxnSp>
+        <p:nvCxnSpPr>
+          <p:cNvPr id="11" name="Gerade Verbindung mit Pfeil 10">
+            <a:extLst>
+              <a:ext uri="{FF2B5EF4-FFF2-40B4-BE49-F238E27FC236}">
+                <a16:creationId xmlns:a16="http://schemas.microsoft.com/office/drawing/2014/main" id="{FC06360B-5F92-4559-B85F-C88E32E97B24}"/>
+              </a:ext>
+            </a:extLst>
+          </p:cNvPr>
+          <p:cNvCxnSpPr>
+            <a:stCxn id="4" idx="3"/>
+            <a:endCxn id="5" idx="1"/>
+          </p:cNvCxnSpPr>
+          <p:nvPr/>
+        </p:nvCxnSpPr>
+        <p:spPr>
+          <a:xfrm flipV="1">
+            <a:off x="2467992" y="2907438"/>
+            <a:ext cx="978024" cy="1"/>
+          </a:xfrm>
+          <a:prstGeom prst="straightConnector1">
+            <a:avLst/>
+          </a:prstGeom>
+          <a:ln>
+            <a:tailEnd type="triangle"/>
+          </a:ln>
+        </p:spPr>
+        <p:style>
+          <a:lnRef idx="1">
+            <a:schemeClr val="accent1"/>
+          </a:lnRef>
+          <a:fillRef idx="0">
+            <a:schemeClr val="accent1"/>
+          </a:fillRef>
+          <a:effectRef idx="0">
+            <a:schemeClr val="accent1"/>
+          </a:effectRef>
+          <a:fontRef idx="minor">
+            <a:schemeClr val="tx1"/>
+          </a:fontRef>
+        </p:style>
+      </p:cxnSp>
+      <p:cxnSp>
+        <p:nvCxnSpPr>
+          <p:cNvPr id="12" name="Gerade Verbindung mit Pfeil 11">
+            <a:extLst>
+              <a:ext uri="{FF2B5EF4-FFF2-40B4-BE49-F238E27FC236}">
+                <a16:creationId xmlns:a16="http://schemas.microsoft.com/office/drawing/2014/main" id="{ACA1A666-045F-44B0-9143-9DE7915AB7B4}"/>
+              </a:ext>
+            </a:extLst>
+          </p:cNvPr>
+          <p:cNvCxnSpPr/>
+          <p:nvPr/>
+        </p:nvCxnSpPr>
+        <p:spPr>
+          <a:xfrm flipV="1">
+            <a:off x="4253884" y="2907432"/>
+            <a:ext cx="978024" cy="1"/>
+          </a:xfrm>
+          <a:prstGeom prst="straightConnector1">
+            <a:avLst/>
+          </a:prstGeom>
+          <a:ln>
+            <a:tailEnd type="triangle"/>
+          </a:ln>
+        </p:spPr>
+        <p:style>
+          <a:lnRef idx="1">
+            <a:schemeClr val="accent1"/>
+          </a:lnRef>
+          <a:fillRef idx="0">
+            <a:schemeClr val="accent1"/>
+          </a:fillRef>
+          <a:effectRef idx="0">
+            <a:schemeClr val="accent1"/>
+          </a:effectRef>
+          <a:fontRef idx="minor">
+            <a:schemeClr val="tx1"/>
+          </a:fontRef>
+        </p:style>
+      </p:cxnSp>
+      <p:cxnSp>
+        <p:nvCxnSpPr>
+          <p:cNvPr id="13" name="Gerade Verbindung mit Pfeil 12">
+            <a:extLst>
+              <a:ext uri="{FF2B5EF4-FFF2-40B4-BE49-F238E27FC236}">
+                <a16:creationId xmlns:a16="http://schemas.microsoft.com/office/drawing/2014/main" id="{609BF7BC-91D4-4A3C-97BD-20D9DBFD7EE6}"/>
+              </a:ext>
+            </a:extLst>
+          </p:cNvPr>
+          <p:cNvCxnSpPr/>
+          <p:nvPr/>
+        </p:nvCxnSpPr>
+        <p:spPr>
+          <a:xfrm flipV="1">
+            <a:off x="5883676" y="2905212"/>
+            <a:ext cx="978024" cy="1"/>
+          </a:xfrm>
+          <a:prstGeom prst="straightConnector1">
+            <a:avLst/>
+          </a:prstGeom>
+          <a:ln>
+            <a:tailEnd type="triangle"/>
+          </a:ln>
+        </p:spPr>
+        <p:style>
+          <a:lnRef idx="1">
+            <a:schemeClr val="accent1"/>
+          </a:lnRef>
+          <a:fillRef idx="0">
+            <a:schemeClr val="accent1"/>
+          </a:fillRef>
+          <a:effectRef idx="0">
+            <a:schemeClr val="accent1"/>
+          </a:effectRef>
+          <a:fontRef idx="minor">
+            <a:schemeClr val="tx1"/>
+          </a:fontRef>
+        </p:style>
+      </p:cxnSp>
+      <p:cxnSp>
+        <p:nvCxnSpPr>
+          <p:cNvPr id="14" name="Gerade Verbindung mit Pfeil 13">
+            <a:extLst>
+              <a:ext uri="{FF2B5EF4-FFF2-40B4-BE49-F238E27FC236}">
+                <a16:creationId xmlns:a16="http://schemas.microsoft.com/office/drawing/2014/main" id="{2E2EED76-6A6D-4C12-8EB7-81F0D79A0A7C}"/>
+              </a:ext>
+            </a:extLst>
+          </p:cNvPr>
+          <p:cNvCxnSpPr/>
+          <p:nvPr/>
+        </p:nvCxnSpPr>
+        <p:spPr>
+          <a:xfrm flipV="1">
+            <a:off x="4253884" y="4380179"/>
+            <a:ext cx="978024" cy="1"/>
+          </a:xfrm>
+          <a:prstGeom prst="straightConnector1">
+            <a:avLst/>
+          </a:prstGeom>
+          <a:ln>
+            <a:tailEnd type="triangle"/>
+          </a:ln>
+        </p:spPr>
+        <p:style>
+          <a:lnRef idx="1">
+            <a:schemeClr val="accent1"/>
+          </a:lnRef>
+          <a:fillRef idx="0">
+            <a:schemeClr val="accent1"/>
+          </a:fillRef>
+          <a:effectRef idx="0">
+            <a:schemeClr val="accent1"/>
+          </a:effectRef>
+          <a:fontRef idx="minor">
+            <a:schemeClr val="tx1"/>
+          </a:fontRef>
+        </p:style>
+      </p:cxnSp>
+      <p:cxnSp>
+        <p:nvCxnSpPr>
+          <p:cNvPr id="15" name="Gerade Verbindung mit Pfeil 14">
+            <a:extLst>
+              <a:ext uri="{FF2B5EF4-FFF2-40B4-BE49-F238E27FC236}">
+                <a16:creationId xmlns:a16="http://schemas.microsoft.com/office/drawing/2014/main" id="{3E917B1F-018B-4D7C-816D-80352DAFBE8B}"/>
+              </a:ext>
+            </a:extLst>
+          </p:cNvPr>
+          <p:cNvCxnSpPr/>
+          <p:nvPr/>
+        </p:nvCxnSpPr>
+        <p:spPr>
+          <a:xfrm flipV="1">
+            <a:off x="2467992" y="4380180"/>
+            <a:ext cx="978024" cy="1"/>
+          </a:xfrm>
+          <a:prstGeom prst="straightConnector1">
+            <a:avLst/>
+          </a:prstGeom>
+          <a:ln>
+            <a:tailEnd type="triangle"/>
+          </a:ln>
+        </p:spPr>
+        <p:style>
+          <a:lnRef idx="1">
+            <a:schemeClr val="accent1"/>
+          </a:lnRef>
+          <a:fillRef idx="0">
+            <a:schemeClr val="accent1"/>
+          </a:fillRef>
+          <a:effectRef idx="0">
+            <a:schemeClr val="accent1"/>
+          </a:effectRef>
+          <a:fontRef idx="minor">
+            <a:schemeClr val="tx1"/>
+          </a:fontRef>
+        </p:style>
+      </p:cxnSp>
+      <mc:AlternateContent xmlns:mc="http://schemas.openxmlformats.org/markup-compatibility/2006">
+        <mc:Choice xmlns:a14="http://schemas.microsoft.com/office/drawing/2010/main" Requires="a14">
+          <p:sp>
+            <p:nvSpPr>
+              <p:cNvPr id="16" name="Textfeld 15">
+                <a:extLst>
+                  <a:ext uri="{FF2B5EF4-FFF2-40B4-BE49-F238E27FC236}">
+                    <a16:creationId xmlns:a16="http://schemas.microsoft.com/office/drawing/2014/main" id="{62649A80-3BD8-46DD-A46C-FA7AE9A6B55A}"/>
+                  </a:ext>
+                </a:extLst>
+              </p:cNvPr>
+              <p:cNvSpPr txBox="1"/>
+              <p:nvPr/>
+            </p:nvSpPr>
+            <p:spPr>
+              <a:xfrm>
+                <a:off x="2771985" y="2583398"/>
+                <a:ext cx="365805" cy="369332"/>
+              </a:xfrm>
+              <a:prstGeom prst="rect">
+                <a:avLst/>
+              </a:prstGeom>
+              <a:noFill/>
+            </p:spPr>
+            <p:txBody>
+              <a:bodyPr wrap="none" rtlCol="0">
+                <a:spAutoFit/>
+              </a:bodyPr>
+              <a:lstStyle/>
+              <a:p>
+                <a14:m>
+                  <m:oMathPara xmlns:m="http://schemas.openxmlformats.org/officeDocument/2006/math">
+                    <m:oMathParaPr>
+                      <m:jc m:val="centerGroup"/>
+                    </m:oMathParaPr>
+                    <m:oMath xmlns:m="http://schemas.openxmlformats.org/officeDocument/2006/math">
+                      <m:r>
+                        <a:rPr lang="en-GB" b="0" i="1" smtClean="0">
+                          <a:latin typeface="Cambria Math" panose="02040503050406030204" pitchFamily="18" charset="0"/>
+                        </a:rPr>
+                        <m:t>2</m:t>
+                      </m:r>
+                    </m:oMath>
+                  </m:oMathPara>
+                </a14:m>
+                <a:endParaRPr lang="de-DE" dirty="0"/>
+              </a:p>
+            </p:txBody>
+          </p:sp>
+        </mc:Choice>
+        <mc:Fallback>
+          <p:sp>
+            <p:nvSpPr>
+              <p:cNvPr id="16" name="Textfeld 15">
+                <a:extLst>
+                  <a:ext uri="{FF2B5EF4-FFF2-40B4-BE49-F238E27FC236}">
+                    <a16:creationId xmlns:a16="http://schemas.microsoft.com/office/drawing/2014/main" id="{62649A80-3BD8-46DD-A46C-FA7AE9A6B55A}"/>
+                  </a:ext>
+                </a:extLst>
+              </p:cNvPr>
+              <p:cNvSpPr txBox="1">
+                <a:spLocks noRot="1" noChangeAspect="1" noMove="1" noResize="1" noEditPoints="1" noAdjustHandles="1" noChangeArrowheads="1" noChangeShapeType="1" noTextEdit="1"/>
+              </p:cNvSpPr>
+              <p:nvPr/>
+            </p:nvSpPr>
+            <p:spPr>
+              <a:xfrm>
+                <a:off x="2771985" y="2583398"/>
+                <a:ext cx="365805" cy="369332"/>
+              </a:xfrm>
+              <a:prstGeom prst="rect">
+                <a:avLst/>
+              </a:prstGeom>
+              <a:blipFill>
+                <a:blip r:embed="rId2"/>
+                <a:stretch>
+                  <a:fillRect/>
+                </a:stretch>
+              </a:blipFill>
+            </p:spPr>
+            <p:txBody>
+              <a:bodyPr/>
+              <a:lstStyle/>
+              <a:p>
+                <a:r>
+                  <a:rPr lang="de-DE">
+                    <a:noFill/>
+                  </a:rPr>
+                  <a:t> </a:t>
+                </a:r>
+              </a:p>
+            </p:txBody>
+          </p:sp>
+        </mc:Fallback>
+      </mc:AlternateContent>
+      <mc:AlternateContent xmlns:mc="http://schemas.openxmlformats.org/markup-compatibility/2006">
+        <mc:Choice xmlns:a14="http://schemas.microsoft.com/office/drawing/2010/main" Requires="a14">
+          <p:sp>
+            <p:nvSpPr>
+              <p:cNvPr id="17" name="Textfeld 16">
+                <a:extLst>
+                  <a:ext uri="{FF2B5EF4-FFF2-40B4-BE49-F238E27FC236}">
+                    <a16:creationId xmlns:a16="http://schemas.microsoft.com/office/drawing/2014/main" id="{C737466A-1089-4EF3-9CBC-2F84435B7FDC}"/>
+                  </a:ext>
+                </a:extLst>
+              </p:cNvPr>
+              <p:cNvSpPr txBox="1"/>
+              <p:nvPr/>
+            </p:nvSpPr>
+            <p:spPr>
+              <a:xfrm>
+                <a:off x="4500071" y="2560750"/>
+                <a:ext cx="370038" cy="369332"/>
+              </a:xfrm>
+              <a:prstGeom prst="rect">
+                <a:avLst/>
+              </a:prstGeom>
+              <a:noFill/>
+            </p:spPr>
+            <p:txBody>
+              <a:bodyPr wrap="none" rtlCol="0">
+                <a:spAutoFit/>
+              </a:bodyPr>
+              <a:lstStyle/>
+              <a:p>
+                <a14:m>
+                  <m:oMathPara xmlns:m="http://schemas.openxmlformats.org/officeDocument/2006/math">
+                    <m:oMathParaPr>
+                      <m:jc m:val="centerGroup"/>
+                    </m:oMathParaPr>
+                    <m:oMath xmlns:m="http://schemas.openxmlformats.org/officeDocument/2006/math">
+                      <m:r>
+                        <a:rPr lang="en-GB" b="0" i="1" dirty="0" smtClean="0">
+                          <a:latin typeface="Cambria Math" panose="02040503050406030204" pitchFamily="18" charset="0"/>
+                        </a:rPr>
+                        <m:t>4</m:t>
+                      </m:r>
+                    </m:oMath>
+                  </m:oMathPara>
+                </a14:m>
+                <a:endParaRPr lang="de-DE" dirty="0"/>
+              </a:p>
+            </p:txBody>
+          </p:sp>
+        </mc:Choice>
+        <mc:Fallback>
+          <p:sp>
+            <p:nvSpPr>
+              <p:cNvPr id="17" name="Textfeld 16">
+                <a:extLst>
+                  <a:ext uri="{FF2B5EF4-FFF2-40B4-BE49-F238E27FC236}">
+                    <a16:creationId xmlns:a16="http://schemas.microsoft.com/office/drawing/2014/main" id="{C737466A-1089-4EF3-9CBC-2F84435B7FDC}"/>
+                  </a:ext>
+                </a:extLst>
+              </p:cNvPr>
+              <p:cNvSpPr txBox="1">
+                <a:spLocks noRot="1" noChangeAspect="1" noMove="1" noResize="1" noEditPoints="1" noAdjustHandles="1" noChangeArrowheads="1" noChangeShapeType="1" noTextEdit="1"/>
+              </p:cNvSpPr>
+              <p:nvPr/>
+            </p:nvSpPr>
+            <p:spPr>
+              <a:xfrm>
+                <a:off x="4500071" y="2560750"/>
+                <a:ext cx="370038" cy="369332"/>
+              </a:xfrm>
+              <a:prstGeom prst="rect">
+                <a:avLst/>
+              </a:prstGeom>
+              <a:blipFill>
+                <a:blip r:embed="rId3"/>
+                <a:stretch>
+                  <a:fillRect/>
+                </a:stretch>
+              </a:blipFill>
+            </p:spPr>
+            <p:txBody>
+              <a:bodyPr/>
+              <a:lstStyle/>
+              <a:p>
+                <a:r>
+                  <a:rPr lang="de-DE">
+                    <a:noFill/>
+                  </a:rPr>
+                  <a:t> </a:t>
+                </a:r>
+              </a:p>
+            </p:txBody>
+          </p:sp>
+        </mc:Fallback>
+      </mc:AlternateContent>
+      <mc:AlternateContent xmlns:mc="http://schemas.openxmlformats.org/markup-compatibility/2006">
+        <mc:Choice xmlns:a14="http://schemas.microsoft.com/office/drawing/2010/main" Requires="a14">
+          <p:sp>
+            <p:nvSpPr>
+              <p:cNvPr id="18" name="Textfeld 17">
+                <a:extLst>
+                  <a:ext uri="{FF2B5EF4-FFF2-40B4-BE49-F238E27FC236}">
+                    <a16:creationId xmlns:a16="http://schemas.microsoft.com/office/drawing/2014/main" id="{B2271B1E-60E2-49CA-BADE-C66BFF7C0BD2}"/>
+                  </a:ext>
+                </a:extLst>
+              </p:cNvPr>
+              <p:cNvSpPr txBox="1"/>
+              <p:nvPr/>
+            </p:nvSpPr>
+            <p:spPr>
+              <a:xfrm>
+                <a:off x="6325204" y="2535880"/>
+                <a:ext cx="370038" cy="369332"/>
+              </a:xfrm>
+              <a:prstGeom prst="rect">
+                <a:avLst/>
+              </a:prstGeom>
+              <a:noFill/>
+            </p:spPr>
+            <p:txBody>
+              <a:bodyPr wrap="none" rtlCol="0">
+                <a:spAutoFit/>
+              </a:bodyPr>
+              <a:lstStyle/>
+              <a:p>
+                <a14:m>
+                  <m:oMathPara xmlns:m="http://schemas.openxmlformats.org/officeDocument/2006/math">
+                    <m:oMathParaPr>
+                      <m:jc m:val="centerGroup"/>
+                    </m:oMathParaPr>
+                    <m:oMath xmlns:m="http://schemas.openxmlformats.org/officeDocument/2006/math">
+                      <m:r>
+                        <a:rPr lang="en-GB" b="0" i="1" dirty="0" smtClean="0">
+                          <a:latin typeface="Cambria Math" panose="02040503050406030204" pitchFamily="18" charset="0"/>
+                        </a:rPr>
+                        <m:t>8</m:t>
+                      </m:r>
+                    </m:oMath>
+                  </m:oMathPara>
+                </a14:m>
+                <a:endParaRPr lang="de-DE" dirty="0"/>
+              </a:p>
+            </p:txBody>
+          </p:sp>
+        </mc:Choice>
+        <mc:Fallback>
+          <p:sp>
+            <p:nvSpPr>
+              <p:cNvPr id="18" name="Textfeld 17">
+                <a:extLst>
+                  <a:ext uri="{FF2B5EF4-FFF2-40B4-BE49-F238E27FC236}">
+                    <a16:creationId xmlns:a16="http://schemas.microsoft.com/office/drawing/2014/main" id="{B2271B1E-60E2-49CA-BADE-C66BFF7C0BD2}"/>
+                  </a:ext>
+                </a:extLst>
+              </p:cNvPr>
+              <p:cNvSpPr txBox="1">
+                <a:spLocks noRot="1" noChangeAspect="1" noMove="1" noResize="1" noEditPoints="1" noAdjustHandles="1" noChangeArrowheads="1" noChangeShapeType="1" noTextEdit="1"/>
+              </p:cNvSpPr>
+              <p:nvPr/>
+            </p:nvSpPr>
+            <p:spPr>
+              <a:xfrm>
+                <a:off x="6325204" y="2535880"/>
+                <a:ext cx="370038" cy="369332"/>
+              </a:xfrm>
+              <a:prstGeom prst="rect">
+                <a:avLst/>
+              </a:prstGeom>
+              <a:blipFill>
+                <a:blip r:embed="rId4"/>
+                <a:stretch>
+                  <a:fillRect/>
+                </a:stretch>
+              </a:blipFill>
+            </p:spPr>
+            <p:txBody>
+              <a:bodyPr/>
+              <a:lstStyle/>
+              <a:p>
+                <a:r>
+                  <a:rPr lang="de-DE">
+                    <a:noFill/>
+                  </a:rPr>
+                  <a:t> </a:t>
+                </a:r>
+              </a:p>
+            </p:txBody>
+          </p:sp>
+        </mc:Fallback>
+      </mc:AlternateContent>
+      <mc:AlternateContent xmlns:mc="http://schemas.openxmlformats.org/markup-compatibility/2006">
+        <mc:Choice xmlns:a14="http://schemas.microsoft.com/office/drawing/2010/main" Requires="a14">
+          <p:sp>
+            <p:nvSpPr>
+              <p:cNvPr id="19" name="Textfeld 18">
+                <a:extLst>
+                  <a:ext uri="{FF2B5EF4-FFF2-40B4-BE49-F238E27FC236}">
+                    <a16:creationId xmlns:a16="http://schemas.microsoft.com/office/drawing/2014/main" id="{A2AA38BB-2957-4FD2-8C1B-3ECD6C12D0BC}"/>
+                  </a:ext>
+                </a:extLst>
+              </p:cNvPr>
+              <p:cNvSpPr txBox="1"/>
+              <p:nvPr/>
+            </p:nvSpPr>
+            <p:spPr>
+              <a:xfrm>
+                <a:off x="4500071" y="3987269"/>
+                <a:ext cx="370038" cy="369332"/>
+              </a:xfrm>
+              <a:prstGeom prst="rect">
+                <a:avLst/>
+              </a:prstGeom>
+              <a:noFill/>
+            </p:spPr>
+            <p:txBody>
+              <a:bodyPr wrap="none" rtlCol="0">
+                <a:spAutoFit/>
+              </a:bodyPr>
+              <a:lstStyle/>
+              <a:p>
+                <a14:m>
+                  <m:oMathPara xmlns:m="http://schemas.openxmlformats.org/officeDocument/2006/math">
+                    <m:oMathParaPr>
+                      <m:jc m:val="centerGroup"/>
+                    </m:oMathParaPr>
+                    <m:oMath xmlns:m="http://schemas.openxmlformats.org/officeDocument/2006/math">
+                      <m:r>
+                        <a:rPr lang="en-GB" b="0" i="1" dirty="0" smtClean="0">
+                          <a:latin typeface="Cambria Math" panose="02040503050406030204" pitchFamily="18" charset="0"/>
+                        </a:rPr>
+                        <m:t>4</m:t>
+                      </m:r>
+                    </m:oMath>
+                  </m:oMathPara>
+                </a14:m>
+                <a:endParaRPr lang="de-DE" dirty="0"/>
+              </a:p>
+            </p:txBody>
+          </p:sp>
+        </mc:Choice>
+        <mc:Fallback>
+          <p:sp>
+            <p:nvSpPr>
+              <p:cNvPr id="19" name="Textfeld 18">
+                <a:extLst>
+                  <a:ext uri="{FF2B5EF4-FFF2-40B4-BE49-F238E27FC236}">
+                    <a16:creationId xmlns:a16="http://schemas.microsoft.com/office/drawing/2014/main" id="{A2AA38BB-2957-4FD2-8C1B-3ECD6C12D0BC}"/>
+                  </a:ext>
+                </a:extLst>
+              </p:cNvPr>
+              <p:cNvSpPr txBox="1">
+                <a:spLocks noRot="1" noChangeAspect="1" noMove="1" noResize="1" noEditPoints="1" noAdjustHandles="1" noChangeArrowheads="1" noChangeShapeType="1" noTextEdit="1"/>
+              </p:cNvSpPr>
+              <p:nvPr/>
+            </p:nvSpPr>
+            <p:spPr>
+              <a:xfrm>
+                <a:off x="4500071" y="3987269"/>
+                <a:ext cx="370038" cy="369332"/>
+              </a:xfrm>
+              <a:prstGeom prst="rect">
+                <a:avLst/>
+              </a:prstGeom>
+              <a:blipFill>
+                <a:blip r:embed="rId5"/>
+                <a:stretch>
+                  <a:fillRect/>
+                </a:stretch>
+              </a:blipFill>
+            </p:spPr>
+            <p:txBody>
+              <a:bodyPr/>
+              <a:lstStyle/>
+              <a:p>
+                <a:r>
+                  <a:rPr lang="de-DE">
+                    <a:noFill/>
+                  </a:rPr>
+                  <a:t> </a:t>
+                </a:r>
+              </a:p>
+            </p:txBody>
+          </p:sp>
+        </mc:Fallback>
+      </mc:AlternateContent>
+      <mc:AlternateContent xmlns:mc="http://schemas.openxmlformats.org/markup-compatibility/2006">
+        <mc:Choice xmlns:a14="http://schemas.microsoft.com/office/drawing/2010/main" Requires="a14">
+          <p:sp>
+            <p:nvSpPr>
+              <p:cNvPr id="20" name="Textfeld 19">
+                <a:extLst>
+                  <a:ext uri="{FF2B5EF4-FFF2-40B4-BE49-F238E27FC236}">
+                    <a16:creationId xmlns:a16="http://schemas.microsoft.com/office/drawing/2014/main" id="{200710C3-9B82-4B62-9524-CE3604166011}"/>
+                  </a:ext>
+                </a:extLst>
+              </p:cNvPr>
+              <p:cNvSpPr txBox="1"/>
+              <p:nvPr/>
+            </p:nvSpPr>
+            <p:spPr>
+              <a:xfrm>
+                <a:off x="2771985" y="4010847"/>
+                <a:ext cx="370038" cy="369332"/>
+              </a:xfrm>
+              <a:prstGeom prst="rect">
+                <a:avLst/>
+              </a:prstGeom>
+              <a:noFill/>
+            </p:spPr>
+            <p:txBody>
+              <a:bodyPr wrap="none" rtlCol="0">
+                <a:spAutoFit/>
+              </a:bodyPr>
+              <a:lstStyle/>
+              <a:p>
+                <a14:m>
+                  <m:oMathPara xmlns:m="http://schemas.openxmlformats.org/officeDocument/2006/math">
+                    <m:oMathParaPr>
+                      <m:jc m:val="centerGroup"/>
+                    </m:oMathParaPr>
+                    <m:oMath xmlns:m="http://schemas.openxmlformats.org/officeDocument/2006/math">
+                      <m:r>
+                        <a:rPr lang="en-GB" b="0" i="1" dirty="0" smtClean="0">
+                          <a:latin typeface="Cambria Math" panose="02040503050406030204" pitchFamily="18" charset="0"/>
+                        </a:rPr>
+                        <m:t>3</m:t>
+                      </m:r>
+                    </m:oMath>
+                  </m:oMathPara>
+                </a14:m>
+                <a:endParaRPr lang="de-DE" dirty="0"/>
+              </a:p>
+            </p:txBody>
+          </p:sp>
+        </mc:Choice>
+        <mc:Fallback>
+          <p:sp>
+            <p:nvSpPr>
+              <p:cNvPr id="20" name="Textfeld 19">
+                <a:extLst>
+                  <a:ext uri="{FF2B5EF4-FFF2-40B4-BE49-F238E27FC236}">
+                    <a16:creationId xmlns:a16="http://schemas.microsoft.com/office/drawing/2014/main" id="{200710C3-9B82-4B62-9524-CE3604166011}"/>
+                  </a:ext>
+                </a:extLst>
+              </p:cNvPr>
+              <p:cNvSpPr txBox="1">
+                <a:spLocks noRot="1" noChangeAspect="1" noMove="1" noResize="1" noEditPoints="1" noAdjustHandles="1" noChangeArrowheads="1" noChangeShapeType="1" noTextEdit="1"/>
+              </p:cNvSpPr>
+              <p:nvPr/>
+            </p:nvSpPr>
+            <p:spPr>
+              <a:xfrm>
+                <a:off x="2771985" y="4010847"/>
+                <a:ext cx="370038" cy="369332"/>
+              </a:xfrm>
+              <a:prstGeom prst="rect">
+                <a:avLst/>
+              </a:prstGeom>
+              <a:blipFill>
+                <a:blip r:embed="rId6"/>
+                <a:stretch>
+                  <a:fillRect/>
+                </a:stretch>
+              </a:blipFill>
+            </p:spPr>
+            <p:txBody>
+              <a:bodyPr/>
+              <a:lstStyle/>
+              <a:p>
+                <a:r>
+                  <a:rPr lang="de-DE">
+                    <a:noFill/>
+                  </a:rPr>
+                  <a:t> </a:t>
+                </a:r>
+              </a:p>
+            </p:txBody>
+          </p:sp>
+        </mc:Fallback>
+      </mc:AlternateContent>
+    </p:spTree>
+    <p:extLst>
+      <p:ext uri="{BB962C8B-B14F-4D97-AF65-F5344CB8AC3E}">
+        <p14:creationId xmlns:p14="http://schemas.microsoft.com/office/powerpoint/2010/main" val="846144481"/>
+      </p:ext>
+    </p:extLst>
+  </p:cSld>
+  <p:clrMapOvr>
+    <a:masterClrMapping/>
+  </p:clrMapOvr>
+</p:sld>
+</file>
+
+<file path=ppt/slides/slide9.xml><?xml version="1.0" encoding="utf-8"?>
+<p:sld xmlns:a="http://schemas.openxmlformats.org/drawingml/2006/main" xmlns:r="http://schemas.openxmlformats.org/officeDocument/2006/relationships" xmlns:p="http://schemas.openxmlformats.org/presentationml/2006/main">
+  <p:cSld>
+    <p:spTree>
+      <p:nvGrpSpPr>
+        <p:cNvPr id="1" name=""/>
+        <p:cNvGrpSpPr/>
+        <p:nvPr/>
+      </p:nvGrpSpPr>
+      <p:grpSpPr>
+        <a:xfrm>
+          <a:off x="0" y="0"/>
+          <a:ext cx="0" cy="0"/>
+          <a:chOff x="0" y="0"/>
+          <a:chExt cx="0" cy="0"/>
+        </a:xfrm>
+      </p:grpSpPr>
+      <p:sp>
+        <p:nvSpPr>
+          <p:cNvPr id="2" name="Titel 1">
+            <a:extLst>
+              <a:ext uri="{FF2B5EF4-FFF2-40B4-BE49-F238E27FC236}">
+                <a16:creationId xmlns:a16="http://schemas.microsoft.com/office/drawing/2014/main" id="{046A5911-EE31-4187-9F3F-CA7AD8052920}"/>
+              </a:ext>
+            </a:extLst>
+          </p:cNvPr>
+          <p:cNvSpPr>
+            <a:spLocks noGrp="1"/>
+          </p:cNvSpPr>
+          <p:nvPr>
+            <p:ph type="title"/>
+          </p:nvPr>
+        </p:nvSpPr>
+        <p:spPr/>
+        <p:txBody>
+          <a:bodyPr/>
+          <a:lstStyle/>
+          <a:p>
+            <a:endParaRPr lang="de-DE" dirty="0"/>
+          </a:p>
+        </p:txBody>
+      </p:sp>
+      <p:sp>
+        <p:nvSpPr>
+          <p:cNvPr id="3" name="Inhaltsplatzhalter 2">
+            <a:extLst>
+              <a:ext uri="{FF2B5EF4-FFF2-40B4-BE49-F238E27FC236}">
+                <a16:creationId xmlns:a16="http://schemas.microsoft.com/office/drawing/2014/main" id="{3FCE3EAB-EA0A-419D-BAD0-46A0F91D3A5C}"/>
+              </a:ext>
+            </a:extLst>
+          </p:cNvPr>
+          <p:cNvSpPr>
+            <a:spLocks noGrp="1"/>
+          </p:cNvSpPr>
+          <p:nvPr>
+            <p:ph idx="1"/>
+          </p:nvPr>
+        </p:nvSpPr>
+        <p:spPr/>
+        <p:txBody>
+          <a:bodyPr/>
+          <a:lstStyle/>
+          <a:p>
+            <a:endParaRPr lang="de-DE" dirty="0"/>
+          </a:p>
+        </p:txBody>
+      </p:sp>
+      <p:sp>
+        <p:nvSpPr>
+          <p:cNvPr id="7" name="Rechteck 6">
+            <a:extLst>
+              <a:ext uri="{FF2B5EF4-FFF2-40B4-BE49-F238E27FC236}">
+                <a16:creationId xmlns:a16="http://schemas.microsoft.com/office/drawing/2014/main" id="{3B60EA98-EA3A-4179-B056-3E25874B589F}"/>
+              </a:ext>
+            </a:extLst>
+          </p:cNvPr>
+          <p:cNvSpPr/>
+          <p:nvPr/>
+        </p:nvSpPr>
+        <p:spPr>
+          <a:xfrm>
+            <a:off x="1660124" y="2583404"/>
+            <a:ext cx="807868" cy="648069"/>
+          </a:xfrm>
+          <a:prstGeom prst="rect">
+            <a:avLst/>
+          </a:prstGeom>
+        </p:spPr>
+        <p:style>
+          <a:lnRef idx="2">
+            <a:schemeClr val="accent1">
+              <a:shade val="50000"/>
+            </a:schemeClr>
+          </a:lnRef>
+          <a:fillRef idx="1">
+            <a:schemeClr val="accent1"/>
+          </a:fillRef>
+          <a:effectRef idx="0">
+            <a:schemeClr val="accent1"/>
+          </a:effectRef>
+          <a:fontRef idx="minor">
+            <a:schemeClr val="lt1"/>
+          </a:fontRef>
+        </p:style>
+        <p:txBody>
+          <a:bodyPr rtlCol="0" anchor="ctr"/>
+          <a:lstStyle/>
+          <a:p>
+            <a:pPr algn="ctr"/>
+            <a:r>
+              <a:rPr lang="en-GB" dirty="0"/>
+              <a:t>a</a:t>
+            </a:r>
+            <a:endParaRPr lang="de-DE" dirty="0"/>
+          </a:p>
+        </p:txBody>
+      </p:sp>
+      <p:sp>
+        <p:nvSpPr>
+          <p:cNvPr id="8" name="Rechteck 7">
+            <a:extLst>
+              <a:ext uri="{FF2B5EF4-FFF2-40B4-BE49-F238E27FC236}">
+                <a16:creationId xmlns:a16="http://schemas.microsoft.com/office/drawing/2014/main" id="{450EECF5-58C5-468B-BB86-73FC78F05E9B}"/>
+              </a:ext>
+            </a:extLst>
+          </p:cNvPr>
+          <p:cNvSpPr/>
+          <p:nvPr/>
+        </p:nvSpPr>
+        <p:spPr>
+          <a:xfrm>
+            <a:off x="3446016" y="2583403"/>
+            <a:ext cx="807868" cy="648069"/>
+          </a:xfrm>
+          <a:prstGeom prst="rect">
+            <a:avLst/>
+          </a:prstGeom>
+        </p:spPr>
+        <p:style>
+          <a:lnRef idx="2">
+            <a:schemeClr val="accent1">
+              <a:shade val="50000"/>
+            </a:schemeClr>
+          </a:lnRef>
+          <a:fillRef idx="1">
+            <a:schemeClr val="accent1"/>
+          </a:fillRef>
+          <a:effectRef idx="0">
+            <a:schemeClr val="accent1"/>
+          </a:effectRef>
+          <a:fontRef idx="minor">
+            <a:schemeClr val="lt1"/>
+          </a:fontRef>
+        </p:style>
+        <p:txBody>
+          <a:bodyPr rtlCol="0" anchor="ctr"/>
+          <a:lstStyle/>
+          <a:p>
+            <a:pPr algn="ctr"/>
+            <a:r>
+              <a:rPr lang="en-GB" dirty="0"/>
+              <a:t>b</a:t>
+            </a:r>
+            <a:endParaRPr lang="de-DE" dirty="0"/>
+          </a:p>
+        </p:txBody>
+      </p:sp>
+      <p:sp>
+        <p:nvSpPr>
+          <p:cNvPr id="9" name="Rechteck 8">
+            <a:extLst>
+              <a:ext uri="{FF2B5EF4-FFF2-40B4-BE49-F238E27FC236}">
+                <a16:creationId xmlns:a16="http://schemas.microsoft.com/office/drawing/2014/main" id="{36DE7067-73DF-4A99-9257-EC3FE0DF1400}"/>
+              </a:ext>
+            </a:extLst>
+          </p:cNvPr>
+          <p:cNvSpPr/>
+          <p:nvPr/>
+        </p:nvSpPr>
+        <p:spPr>
+          <a:xfrm>
+            <a:off x="3446016" y="4056146"/>
+            <a:ext cx="807868" cy="648069"/>
+          </a:xfrm>
+          <a:prstGeom prst="rect">
+            <a:avLst/>
+          </a:prstGeom>
+        </p:spPr>
+        <p:style>
+          <a:lnRef idx="2">
+            <a:schemeClr val="accent1">
+              <a:shade val="50000"/>
+            </a:schemeClr>
+          </a:lnRef>
+          <a:fillRef idx="1">
+            <a:schemeClr val="accent1"/>
+          </a:fillRef>
+          <a:effectRef idx="0">
+            <a:schemeClr val="accent1"/>
+          </a:effectRef>
+          <a:fontRef idx="minor">
+            <a:schemeClr val="lt1"/>
+          </a:fontRef>
+        </p:style>
+        <p:txBody>
+          <a:bodyPr rtlCol="0" anchor="ctr"/>
+          <a:lstStyle/>
+          <a:p>
+            <a:pPr algn="ctr"/>
+            <a:r>
+              <a:rPr lang="en-GB" dirty="0"/>
+              <a:t>f</a:t>
+            </a:r>
+            <a:endParaRPr lang="de-DE" dirty="0"/>
+          </a:p>
+        </p:txBody>
+      </p:sp>
+      <p:sp>
+        <p:nvSpPr>
+          <p:cNvPr id="10" name="Rechteck 9">
+            <a:extLst>
+              <a:ext uri="{FF2B5EF4-FFF2-40B4-BE49-F238E27FC236}">
+                <a16:creationId xmlns:a16="http://schemas.microsoft.com/office/drawing/2014/main" id="{873E2B24-9C34-4D03-8AA2-92FC6997D4C5}"/>
+              </a:ext>
+            </a:extLst>
+          </p:cNvPr>
+          <p:cNvSpPr/>
+          <p:nvPr/>
+        </p:nvSpPr>
+        <p:spPr>
+          <a:xfrm>
+            <a:off x="1660124" y="4056148"/>
+            <a:ext cx="807868" cy="648069"/>
+          </a:xfrm>
+          <a:prstGeom prst="rect">
+            <a:avLst/>
+          </a:prstGeom>
+        </p:spPr>
+        <p:style>
+          <a:lnRef idx="2">
+            <a:schemeClr val="accent1">
+              <a:shade val="50000"/>
+            </a:schemeClr>
+          </a:lnRef>
+          <a:fillRef idx="1">
+            <a:schemeClr val="accent1"/>
+          </a:fillRef>
+          <a:effectRef idx="0">
+            <a:schemeClr val="accent1"/>
+          </a:effectRef>
+          <a:fontRef idx="minor">
+            <a:schemeClr val="lt1"/>
+          </a:fontRef>
+        </p:style>
+        <p:txBody>
+          <a:bodyPr rtlCol="0" anchor="ctr"/>
+          <a:lstStyle/>
+          <a:p>
+            <a:pPr algn="ctr"/>
+            <a:r>
+              <a:rPr lang="en-GB" dirty="0"/>
+              <a:t>e</a:t>
+            </a:r>
+            <a:endParaRPr lang="de-DE" dirty="0"/>
+          </a:p>
+        </p:txBody>
+      </p:sp>
+      <p:sp>
+        <p:nvSpPr>
+          <p:cNvPr id="11" name="Rechteck 10">
+            <a:extLst>
+              <a:ext uri="{FF2B5EF4-FFF2-40B4-BE49-F238E27FC236}">
+                <a16:creationId xmlns:a16="http://schemas.microsoft.com/office/drawing/2014/main" id="{3944EFA0-6D64-4159-97C6-BEDED0F4B7F8}"/>
+              </a:ext>
+            </a:extLst>
+          </p:cNvPr>
+          <p:cNvSpPr/>
+          <p:nvPr/>
+        </p:nvSpPr>
+        <p:spPr>
+          <a:xfrm>
+            <a:off x="5231908" y="2583400"/>
+            <a:ext cx="807868" cy="648069"/>
+          </a:xfrm>
+          <a:prstGeom prst="rect">
+            <a:avLst/>
+          </a:prstGeom>
+        </p:spPr>
+        <p:style>
+          <a:lnRef idx="2">
+            <a:schemeClr val="accent1">
+              <a:shade val="50000"/>
+            </a:schemeClr>
+          </a:lnRef>
+          <a:fillRef idx="1">
+            <a:schemeClr val="accent1"/>
+          </a:fillRef>
+          <a:effectRef idx="0">
+            <a:schemeClr val="accent1"/>
+          </a:effectRef>
+          <a:fontRef idx="minor">
+            <a:schemeClr val="lt1"/>
+          </a:fontRef>
+        </p:style>
+        <p:txBody>
+          <a:bodyPr rtlCol="0" anchor="ctr"/>
+          <a:lstStyle/>
+          <a:p>
+            <a:pPr algn="ctr"/>
+            <a:r>
+              <a:rPr lang="en-GB" dirty="0"/>
+              <a:t>c</a:t>
+            </a:r>
+            <a:endParaRPr lang="de-DE" dirty="0"/>
+          </a:p>
+        </p:txBody>
+      </p:sp>
+      <p:sp>
+        <p:nvSpPr>
+          <p:cNvPr id="12" name="Rechteck 11">
+            <a:extLst>
+              <a:ext uri="{FF2B5EF4-FFF2-40B4-BE49-F238E27FC236}">
+                <a16:creationId xmlns:a16="http://schemas.microsoft.com/office/drawing/2014/main" id="{BB2B147B-0D7A-41CB-B1FD-F2B55C398B10}"/>
+              </a:ext>
+            </a:extLst>
+          </p:cNvPr>
+          <p:cNvSpPr/>
+          <p:nvPr/>
+        </p:nvSpPr>
+        <p:spPr>
+          <a:xfrm>
+            <a:off x="5231908" y="4056146"/>
+            <a:ext cx="807868" cy="648069"/>
+          </a:xfrm>
+          <a:prstGeom prst="rect">
+            <a:avLst/>
+          </a:prstGeom>
+        </p:spPr>
+        <p:style>
+          <a:lnRef idx="2">
+            <a:schemeClr val="accent1">
+              <a:shade val="50000"/>
+            </a:schemeClr>
+          </a:lnRef>
+          <a:fillRef idx="1">
+            <a:schemeClr val="accent1"/>
+          </a:fillRef>
+          <a:effectRef idx="0">
+            <a:schemeClr val="accent1"/>
+          </a:effectRef>
+          <a:fontRef idx="minor">
+            <a:schemeClr val="lt1"/>
+          </a:fontRef>
+        </p:style>
+        <p:txBody>
+          <a:bodyPr rtlCol="0" anchor="ctr"/>
+          <a:lstStyle/>
+          <a:p>
+            <a:pPr algn="ctr"/>
+            <a:r>
+              <a:rPr lang="en-GB" dirty="0"/>
+              <a:t>g</a:t>
+            </a:r>
+            <a:endParaRPr lang="de-DE" dirty="0"/>
+          </a:p>
+        </p:txBody>
+      </p:sp>
+      <p:sp>
+        <p:nvSpPr>
+          <p:cNvPr id="13" name="Rechteck 12">
+            <a:extLst>
+              <a:ext uri="{FF2B5EF4-FFF2-40B4-BE49-F238E27FC236}">
+                <a16:creationId xmlns:a16="http://schemas.microsoft.com/office/drawing/2014/main" id="{0784AA11-BCB6-4853-A183-4F38ACF21C27}"/>
+              </a:ext>
+            </a:extLst>
+          </p:cNvPr>
+          <p:cNvSpPr/>
+          <p:nvPr/>
+        </p:nvSpPr>
+        <p:spPr>
+          <a:xfrm>
+            <a:off x="6861700" y="2583399"/>
+            <a:ext cx="807868" cy="648069"/>
+          </a:xfrm>
+          <a:prstGeom prst="rect">
+            <a:avLst/>
+          </a:prstGeom>
+        </p:spPr>
+        <p:style>
+          <a:lnRef idx="2">
+            <a:schemeClr val="accent1">
+              <a:shade val="50000"/>
+            </a:schemeClr>
+          </a:lnRef>
+          <a:fillRef idx="1">
+            <a:schemeClr val="accent1"/>
+          </a:fillRef>
+          <a:effectRef idx="0">
+            <a:schemeClr val="accent1"/>
+          </a:effectRef>
+          <a:fontRef idx="minor">
+            <a:schemeClr val="lt1"/>
+          </a:fontRef>
+        </p:style>
+        <p:txBody>
+          <a:bodyPr rtlCol="0" anchor="ctr"/>
+          <a:lstStyle/>
+          <a:p>
+            <a:pPr algn="ctr"/>
+            <a:r>
+              <a:rPr lang="en-GB" dirty="0"/>
+              <a:t>d</a:t>
+            </a:r>
+            <a:endParaRPr lang="de-DE" dirty="0"/>
+          </a:p>
+        </p:txBody>
+      </p:sp>
+      <p:cxnSp>
+        <p:nvCxnSpPr>
+          <p:cNvPr id="15" name="Gerade Verbindung mit Pfeil 14">
+            <a:extLst>
+              <a:ext uri="{FF2B5EF4-FFF2-40B4-BE49-F238E27FC236}">
+                <a16:creationId xmlns:a16="http://schemas.microsoft.com/office/drawing/2014/main" id="{D75EFFC8-51BE-4F7A-BA4B-6C8A9C3F07B9}"/>
+              </a:ext>
+            </a:extLst>
+          </p:cNvPr>
+          <p:cNvCxnSpPr>
+            <a:stCxn id="7" idx="3"/>
+            <a:endCxn id="8" idx="1"/>
+          </p:cNvCxnSpPr>
+          <p:nvPr/>
+        </p:nvCxnSpPr>
+        <p:spPr>
+          <a:xfrm flipV="1">
+            <a:off x="2467992" y="2907438"/>
+            <a:ext cx="978024" cy="1"/>
+          </a:xfrm>
+          <a:prstGeom prst="straightConnector1">
+            <a:avLst/>
+          </a:prstGeom>
+          <a:ln>
+            <a:tailEnd type="triangle"/>
+          </a:ln>
+        </p:spPr>
+        <p:style>
+          <a:lnRef idx="1">
+            <a:schemeClr val="accent1"/>
+          </a:lnRef>
+          <a:fillRef idx="0">
+            <a:schemeClr val="accent1"/>
+          </a:fillRef>
+          <a:effectRef idx="0">
+            <a:schemeClr val="accent1"/>
+          </a:effectRef>
+          <a:fontRef idx="minor">
+            <a:schemeClr val="tx1"/>
+          </a:fontRef>
+        </p:style>
+      </p:cxnSp>
+      <p:cxnSp>
+        <p:nvCxnSpPr>
+          <p:cNvPr id="16" name="Gerade Verbindung mit Pfeil 15">
+            <a:extLst>
+              <a:ext uri="{FF2B5EF4-FFF2-40B4-BE49-F238E27FC236}">
+                <a16:creationId xmlns:a16="http://schemas.microsoft.com/office/drawing/2014/main" id="{7E203872-790F-4433-B8AB-CBB9096DBC01}"/>
+              </a:ext>
+            </a:extLst>
+          </p:cNvPr>
+          <p:cNvCxnSpPr/>
+          <p:nvPr/>
+        </p:nvCxnSpPr>
+        <p:spPr>
+          <a:xfrm flipV="1">
+            <a:off x="4253884" y="2907432"/>
+            <a:ext cx="978024" cy="1"/>
+          </a:xfrm>
+          <a:prstGeom prst="straightConnector1">
+            <a:avLst/>
+          </a:prstGeom>
+          <a:ln>
+            <a:tailEnd type="triangle"/>
+          </a:ln>
+        </p:spPr>
+        <p:style>
+          <a:lnRef idx="1">
+            <a:schemeClr val="accent1"/>
+          </a:lnRef>
+          <a:fillRef idx="0">
+            <a:schemeClr val="accent1"/>
+          </a:fillRef>
+          <a:effectRef idx="0">
+            <a:schemeClr val="accent1"/>
+          </a:effectRef>
+          <a:fontRef idx="minor">
+            <a:schemeClr val="tx1"/>
+          </a:fontRef>
+        </p:style>
+      </p:cxnSp>
+      <p:cxnSp>
+        <p:nvCxnSpPr>
+          <p:cNvPr id="17" name="Gerade Verbindung mit Pfeil 16">
+            <a:extLst>
+              <a:ext uri="{FF2B5EF4-FFF2-40B4-BE49-F238E27FC236}">
+                <a16:creationId xmlns:a16="http://schemas.microsoft.com/office/drawing/2014/main" id="{F39D98C0-3568-47B9-A170-6BAEEB5E1392}"/>
+              </a:ext>
+            </a:extLst>
+          </p:cNvPr>
+          <p:cNvCxnSpPr/>
+          <p:nvPr/>
+        </p:nvCxnSpPr>
+        <p:spPr>
+          <a:xfrm flipV="1">
+            <a:off x="5883676" y="2905212"/>
+            <a:ext cx="978024" cy="1"/>
+          </a:xfrm>
+          <a:prstGeom prst="straightConnector1">
+            <a:avLst/>
+          </a:prstGeom>
+          <a:ln>
+            <a:tailEnd type="triangle"/>
+          </a:ln>
+        </p:spPr>
+        <p:style>
+          <a:lnRef idx="1">
+            <a:schemeClr val="accent1"/>
+          </a:lnRef>
+          <a:fillRef idx="0">
+            <a:schemeClr val="accent1"/>
+          </a:fillRef>
+          <a:effectRef idx="0">
+            <a:schemeClr val="accent1"/>
+          </a:effectRef>
+          <a:fontRef idx="minor">
+            <a:schemeClr val="tx1"/>
+          </a:fontRef>
+        </p:style>
+      </p:cxnSp>
+      <p:cxnSp>
+        <p:nvCxnSpPr>
+          <p:cNvPr id="18" name="Gerade Verbindung mit Pfeil 17">
+            <a:extLst>
+              <a:ext uri="{FF2B5EF4-FFF2-40B4-BE49-F238E27FC236}">
+                <a16:creationId xmlns:a16="http://schemas.microsoft.com/office/drawing/2014/main" id="{387BDF7A-63F3-4A05-B674-612C1AD8137A}"/>
+              </a:ext>
+            </a:extLst>
+          </p:cNvPr>
+          <p:cNvCxnSpPr/>
+          <p:nvPr/>
+        </p:nvCxnSpPr>
+        <p:spPr>
+          <a:xfrm flipV="1">
+            <a:off x="4253884" y="4380179"/>
+            <a:ext cx="978024" cy="1"/>
+          </a:xfrm>
+          <a:prstGeom prst="straightConnector1">
+            <a:avLst/>
+          </a:prstGeom>
+          <a:ln>
+            <a:tailEnd type="triangle"/>
+          </a:ln>
+        </p:spPr>
+        <p:style>
+          <a:lnRef idx="1">
+            <a:schemeClr val="accent1"/>
+          </a:lnRef>
+          <a:fillRef idx="0">
+            <a:schemeClr val="accent1"/>
+          </a:fillRef>
+          <a:effectRef idx="0">
+            <a:schemeClr val="accent1"/>
+          </a:effectRef>
+          <a:fontRef idx="minor">
+            <a:schemeClr val="tx1"/>
+          </a:fontRef>
+        </p:style>
+      </p:cxnSp>
+      <p:cxnSp>
+        <p:nvCxnSpPr>
+          <p:cNvPr id="19" name="Gerade Verbindung mit Pfeil 18">
+            <a:extLst>
+              <a:ext uri="{FF2B5EF4-FFF2-40B4-BE49-F238E27FC236}">
+                <a16:creationId xmlns:a16="http://schemas.microsoft.com/office/drawing/2014/main" id="{5B12DC89-53E0-4D24-A226-4E2EBBDC0FFD}"/>
+              </a:ext>
+            </a:extLst>
+          </p:cNvPr>
+          <p:cNvCxnSpPr/>
+          <p:nvPr/>
+        </p:nvCxnSpPr>
+        <p:spPr>
+          <a:xfrm flipV="1">
+            <a:off x="2467992" y="4380180"/>
+            <a:ext cx="978024" cy="1"/>
+          </a:xfrm>
+          <a:prstGeom prst="straightConnector1">
+            <a:avLst/>
+          </a:prstGeom>
+          <a:ln>
+            <a:tailEnd type="triangle"/>
+          </a:ln>
+        </p:spPr>
+        <p:style>
+          <a:lnRef idx="1">
+            <a:schemeClr val="accent1"/>
+          </a:lnRef>
+          <a:fillRef idx="0">
+            <a:schemeClr val="accent1"/>
+          </a:fillRef>
+          <a:effectRef idx="0">
+            <a:schemeClr val="accent1"/>
+          </a:effectRef>
+          <a:fontRef idx="minor">
+            <a:schemeClr val="tx1"/>
+          </a:fontRef>
+        </p:style>
+      </p:cxnSp>
+      <mc:AlternateContent xmlns:mc="http://schemas.openxmlformats.org/markup-compatibility/2006">
+        <mc:Choice xmlns:a14="http://schemas.microsoft.com/office/drawing/2010/main" Requires="a14">
+          <p:sp>
+            <p:nvSpPr>
+              <p:cNvPr id="22" name="Textfeld 21">
+                <a:extLst>
+                  <a:ext uri="{FF2B5EF4-FFF2-40B4-BE49-F238E27FC236}">
+                    <a16:creationId xmlns:a16="http://schemas.microsoft.com/office/drawing/2014/main" id="{154BCB31-D92D-43C8-B76B-93FD3A65D250}"/>
+                  </a:ext>
+                </a:extLst>
+              </p:cNvPr>
+              <p:cNvSpPr txBox="1"/>
+              <p:nvPr/>
+            </p:nvSpPr>
+            <p:spPr>
+              <a:xfrm>
+                <a:off x="2771985" y="2583398"/>
+                <a:ext cx="370038" cy="369332"/>
+              </a:xfrm>
+              <a:prstGeom prst="rect">
+                <a:avLst/>
+              </a:prstGeom>
+              <a:noFill/>
+            </p:spPr>
+            <p:txBody>
+              <a:bodyPr wrap="none" rtlCol="0">
+                <a:spAutoFit/>
+              </a:bodyPr>
+              <a:lstStyle/>
+              <a:p>
+                <a14:m>
+                  <m:oMathPara xmlns:m="http://schemas.openxmlformats.org/officeDocument/2006/math">
+                    <m:oMathParaPr>
+                      <m:jc m:val="centerGroup"/>
+                    </m:oMathParaPr>
+                    <m:oMath xmlns:m="http://schemas.openxmlformats.org/officeDocument/2006/math">
+                      <m:r>
+                        <a:rPr lang="de-DE" i="1" dirty="0" smtClean="0">
+                          <a:solidFill>
+                            <a:srgbClr val="92D050"/>
+                          </a:solidFill>
+                          <a:latin typeface="Cambria Math" panose="02040503050406030204" pitchFamily="18" charset="0"/>
+                        </a:rPr>
+                        <m:t>𝛿</m:t>
+                      </m:r>
+                    </m:oMath>
+                  </m:oMathPara>
+                </a14:m>
+                <a:endParaRPr lang="de-DE" dirty="0"/>
+              </a:p>
+            </p:txBody>
+          </p:sp>
+        </mc:Choice>
+        <mc:Fallback>
+          <p:sp>
+            <p:nvSpPr>
+              <p:cNvPr id="22" name="Textfeld 21">
+                <a:extLst>
+                  <a:ext uri="{FF2B5EF4-FFF2-40B4-BE49-F238E27FC236}">
+                    <a16:creationId xmlns:a16="http://schemas.microsoft.com/office/drawing/2014/main" id="{154BCB31-D92D-43C8-B76B-93FD3A65D250}"/>
+                  </a:ext>
+                </a:extLst>
+              </p:cNvPr>
+              <p:cNvSpPr txBox="1">
+                <a:spLocks noRot="1" noChangeAspect="1" noMove="1" noResize="1" noEditPoints="1" noAdjustHandles="1" noChangeArrowheads="1" noChangeShapeType="1" noTextEdit="1"/>
+              </p:cNvSpPr>
+              <p:nvPr/>
+            </p:nvSpPr>
+            <p:spPr>
+              <a:xfrm>
+                <a:off x="2771985" y="2583398"/>
+                <a:ext cx="370038" cy="369332"/>
+              </a:xfrm>
+              <a:prstGeom prst="rect">
+                <a:avLst/>
+              </a:prstGeom>
+              <a:blipFill>
+                <a:blip r:embed="rId2"/>
+                <a:stretch>
+                  <a:fillRect/>
+                </a:stretch>
+              </a:blipFill>
+            </p:spPr>
+            <p:txBody>
+              <a:bodyPr/>
+              <a:lstStyle/>
+              <a:p>
+                <a:r>
+                  <a:rPr lang="de-DE">
+                    <a:noFill/>
+                  </a:rPr>
+                  <a:t> </a:t>
+                </a:r>
+              </a:p>
+            </p:txBody>
+          </p:sp>
+        </mc:Fallback>
+      </mc:AlternateContent>
+      <mc:AlternateContent xmlns:mc="http://schemas.openxmlformats.org/markup-compatibility/2006">
+        <mc:Choice xmlns:a14="http://schemas.microsoft.com/office/drawing/2010/main" Requires="a14">
+          <p:sp>
+            <p:nvSpPr>
+              <p:cNvPr id="24" name="Textfeld 23">
+                <a:extLst>
+                  <a:ext uri="{FF2B5EF4-FFF2-40B4-BE49-F238E27FC236}">
+                    <a16:creationId xmlns:a16="http://schemas.microsoft.com/office/drawing/2014/main" id="{A4A2AA26-DBC5-4750-9849-24CCFDC6447B}"/>
+                  </a:ext>
+                </a:extLst>
+              </p:cNvPr>
+              <p:cNvSpPr txBox="1"/>
+              <p:nvPr/>
+            </p:nvSpPr>
+            <p:spPr>
+              <a:xfrm>
+                <a:off x="4500071" y="2560750"/>
+                <a:ext cx="370038" cy="369332"/>
+              </a:xfrm>
+              <a:prstGeom prst="rect">
+                <a:avLst/>
+              </a:prstGeom>
+              <a:noFill/>
+            </p:spPr>
+            <p:txBody>
+              <a:bodyPr wrap="none" rtlCol="0">
+                <a:spAutoFit/>
+              </a:bodyPr>
+              <a:lstStyle/>
+              <a:p>
+                <a14:m>
+                  <m:oMathPara xmlns:m="http://schemas.openxmlformats.org/officeDocument/2006/math">
+                    <m:oMathParaPr>
+                      <m:jc m:val="centerGroup"/>
+                    </m:oMathParaPr>
+                    <m:oMath xmlns:m="http://schemas.openxmlformats.org/officeDocument/2006/math">
+                      <m:r>
+                        <a:rPr lang="de-DE" i="1" dirty="0">
+                          <a:solidFill>
+                            <a:srgbClr val="92D050"/>
+                          </a:solidFill>
+                          <a:latin typeface="Cambria Math" panose="02040503050406030204" pitchFamily="18" charset="0"/>
+                        </a:rPr>
+                        <m:t>𝛿</m:t>
+                      </m:r>
+                    </m:oMath>
+                  </m:oMathPara>
+                </a14:m>
+                <a:endParaRPr lang="de-DE" dirty="0"/>
+              </a:p>
+            </p:txBody>
+          </p:sp>
+        </mc:Choice>
+        <mc:Fallback>
+          <p:sp>
+            <p:nvSpPr>
+              <p:cNvPr id="24" name="Textfeld 23">
+                <a:extLst>
+                  <a:ext uri="{FF2B5EF4-FFF2-40B4-BE49-F238E27FC236}">
+                    <a16:creationId xmlns:a16="http://schemas.microsoft.com/office/drawing/2014/main" id="{A4A2AA26-DBC5-4750-9849-24CCFDC6447B}"/>
+                  </a:ext>
+                </a:extLst>
+              </p:cNvPr>
+              <p:cNvSpPr txBox="1">
+                <a:spLocks noRot="1" noChangeAspect="1" noMove="1" noResize="1" noEditPoints="1" noAdjustHandles="1" noChangeArrowheads="1" noChangeShapeType="1" noTextEdit="1"/>
+              </p:cNvSpPr>
+              <p:nvPr/>
+            </p:nvSpPr>
+            <p:spPr>
+              <a:xfrm>
+                <a:off x="4500071" y="2560750"/>
+                <a:ext cx="370038" cy="369332"/>
+              </a:xfrm>
+              <a:prstGeom prst="rect">
+                <a:avLst/>
+              </a:prstGeom>
+              <a:blipFill>
+                <a:blip r:embed="rId3"/>
+                <a:stretch>
+                  <a:fillRect/>
+                </a:stretch>
+              </a:blipFill>
+            </p:spPr>
+            <p:txBody>
+              <a:bodyPr/>
+              <a:lstStyle/>
+              <a:p>
+                <a:r>
+                  <a:rPr lang="de-DE">
+                    <a:noFill/>
+                  </a:rPr>
+                  <a:t> </a:t>
+                </a:r>
+              </a:p>
+            </p:txBody>
+          </p:sp>
+        </mc:Fallback>
+      </mc:AlternateContent>
+      <mc:AlternateContent xmlns:mc="http://schemas.openxmlformats.org/markup-compatibility/2006">
+        <mc:Choice xmlns:a14="http://schemas.microsoft.com/office/drawing/2010/main" Requires="a14">
+          <p:sp>
+            <p:nvSpPr>
+              <p:cNvPr id="25" name="Textfeld 24">
+                <a:extLst>
+                  <a:ext uri="{FF2B5EF4-FFF2-40B4-BE49-F238E27FC236}">
+                    <a16:creationId xmlns:a16="http://schemas.microsoft.com/office/drawing/2014/main" id="{269AC469-1231-4FA5-B020-4051C8BD0114}"/>
+                  </a:ext>
+                </a:extLst>
+              </p:cNvPr>
+              <p:cNvSpPr txBox="1"/>
+              <p:nvPr/>
+            </p:nvSpPr>
+            <p:spPr>
+              <a:xfrm>
+                <a:off x="6325204" y="2535880"/>
+                <a:ext cx="370038" cy="369332"/>
+              </a:xfrm>
+              <a:prstGeom prst="rect">
+                <a:avLst/>
+              </a:prstGeom>
+              <a:noFill/>
+            </p:spPr>
+            <p:txBody>
+              <a:bodyPr wrap="none" rtlCol="0">
+                <a:spAutoFit/>
+              </a:bodyPr>
+              <a:lstStyle/>
+              <a:p>
+                <a14:m>
+                  <m:oMathPara xmlns:m="http://schemas.openxmlformats.org/officeDocument/2006/math">
+                    <m:oMathParaPr>
+                      <m:jc m:val="centerGroup"/>
+                    </m:oMathParaPr>
+                    <m:oMath xmlns:m="http://schemas.openxmlformats.org/officeDocument/2006/math">
+                      <m:r>
+                        <a:rPr lang="de-DE" i="1" dirty="0">
+                          <a:solidFill>
+                            <a:srgbClr val="92D050"/>
+                          </a:solidFill>
+                          <a:latin typeface="Cambria Math" panose="02040503050406030204" pitchFamily="18" charset="0"/>
+                        </a:rPr>
+                        <m:t>𝛿</m:t>
+                      </m:r>
+                    </m:oMath>
+                  </m:oMathPara>
+                </a14:m>
+                <a:endParaRPr lang="de-DE" dirty="0"/>
+              </a:p>
+            </p:txBody>
+          </p:sp>
+        </mc:Choice>
+        <mc:Fallback>
+          <p:sp>
+            <p:nvSpPr>
+              <p:cNvPr id="25" name="Textfeld 24">
+                <a:extLst>
+                  <a:ext uri="{FF2B5EF4-FFF2-40B4-BE49-F238E27FC236}">
+                    <a16:creationId xmlns:a16="http://schemas.microsoft.com/office/drawing/2014/main" id="{269AC469-1231-4FA5-B020-4051C8BD0114}"/>
+                  </a:ext>
+                </a:extLst>
+              </p:cNvPr>
+              <p:cNvSpPr txBox="1">
+                <a:spLocks noRot="1" noChangeAspect="1" noMove="1" noResize="1" noEditPoints="1" noAdjustHandles="1" noChangeArrowheads="1" noChangeShapeType="1" noTextEdit="1"/>
+              </p:cNvSpPr>
+              <p:nvPr/>
+            </p:nvSpPr>
+            <p:spPr>
+              <a:xfrm>
+                <a:off x="6325204" y="2535880"/>
+                <a:ext cx="370038" cy="369332"/>
+              </a:xfrm>
+              <a:prstGeom prst="rect">
+                <a:avLst/>
+              </a:prstGeom>
+              <a:blipFill>
+                <a:blip r:embed="rId4"/>
+                <a:stretch>
+                  <a:fillRect/>
+                </a:stretch>
+              </a:blipFill>
+            </p:spPr>
+            <p:txBody>
+              <a:bodyPr/>
+              <a:lstStyle/>
+              <a:p>
+                <a:r>
+                  <a:rPr lang="de-DE">
+                    <a:noFill/>
+                  </a:rPr>
+                  <a:t> </a:t>
+                </a:r>
+              </a:p>
+            </p:txBody>
+          </p:sp>
+        </mc:Fallback>
+      </mc:AlternateContent>
+      <mc:AlternateContent xmlns:mc="http://schemas.openxmlformats.org/markup-compatibility/2006">
+        <mc:Choice xmlns:a14="http://schemas.microsoft.com/office/drawing/2010/main" Requires="a14">
+          <p:sp>
+            <p:nvSpPr>
+              <p:cNvPr id="26" name="Textfeld 25">
+                <a:extLst>
+                  <a:ext uri="{FF2B5EF4-FFF2-40B4-BE49-F238E27FC236}">
+                    <a16:creationId xmlns:a16="http://schemas.microsoft.com/office/drawing/2014/main" id="{1C00A323-59DE-4B51-80AB-C9538D111F47}"/>
+                  </a:ext>
+                </a:extLst>
+              </p:cNvPr>
+              <p:cNvSpPr txBox="1"/>
+              <p:nvPr/>
+            </p:nvSpPr>
+            <p:spPr>
+              <a:xfrm>
+                <a:off x="4500071" y="3987269"/>
+                <a:ext cx="370038" cy="369332"/>
+              </a:xfrm>
+              <a:prstGeom prst="rect">
+                <a:avLst/>
+              </a:prstGeom>
+              <a:noFill/>
+            </p:spPr>
+            <p:txBody>
+              <a:bodyPr wrap="none" rtlCol="0">
+                <a:spAutoFit/>
+              </a:bodyPr>
+              <a:lstStyle/>
+              <a:p>
+                <a14:m>
+                  <m:oMathPara xmlns:m="http://schemas.openxmlformats.org/officeDocument/2006/math">
+                    <m:oMathParaPr>
+                      <m:jc m:val="centerGroup"/>
+                    </m:oMathParaPr>
+                    <m:oMath xmlns:m="http://schemas.openxmlformats.org/officeDocument/2006/math">
+                      <m:r>
+                        <a:rPr lang="de-DE" i="1" dirty="0">
+                          <a:solidFill>
+                            <a:srgbClr val="92D050"/>
+                          </a:solidFill>
+                          <a:latin typeface="Cambria Math" panose="02040503050406030204" pitchFamily="18" charset="0"/>
+                        </a:rPr>
+                        <m:t>𝛿</m:t>
+                      </m:r>
+                    </m:oMath>
+                  </m:oMathPara>
+                </a14:m>
+                <a:endParaRPr lang="de-DE" dirty="0"/>
+              </a:p>
+            </p:txBody>
+          </p:sp>
+        </mc:Choice>
+        <mc:Fallback>
+          <p:sp>
+            <p:nvSpPr>
+              <p:cNvPr id="26" name="Textfeld 25">
+                <a:extLst>
+                  <a:ext uri="{FF2B5EF4-FFF2-40B4-BE49-F238E27FC236}">
+                    <a16:creationId xmlns:a16="http://schemas.microsoft.com/office/drawing/2014/main" id="{1C00A323-59DE-4B51-80AB-C9538D111F47}"/>
+                  </a:ext>
+                </a:extLst>
+              </p:cNvPr>
+              <p:cNvSpPr txBox="1">
+                <a:spLocks noRot="1" noChangeAspect="1" noMove="1" noResize="1" noEditPoints="1" noAdjustHandles="1" noChangeArrowheads="1" noChangeShapeType="1" noTextEdit="1"/>
+              </p:cNvSpPr>
+              <p:nvPr/>
+            </p:nvSpPr>
+            <p:spPr>
+              <a:xfrm>
+                <a:off x="4500071" y="3987269"/>
+                <a:ext cx="370038" cy="369332"/>
+              </a:xfrm>
+              <a:prstGeom prst="rect">
+                <a:avLst/>
+              </a:prstGeom>
+              <a:blipFill>
+                <a:blip r:embed="rId5"/>
+                <a:stretch>
+                  <a:fillRect/>
+                </a:stretch>
+              </a:blipFill>
+            </p:spPr>
+            <p:txBody>
+              <a:bodyPr/>
+              <a:lstStyle/>
+              <a:p>
+                <a:r>
+                  <a:rPr lang="de-DE">
+                    <a:noFill/>
+                  </a:rPr>
+                  <a:t> </a:t>
+                </a:r>
+              </a:p>
+            </p:txBody>
+          </p:sp>
+        </mc:Fallback>
+      </mc:AlternateContent>
+      <mc:AlternateContent xmlns:mc="http://schemas.openxmlformats.org/markup-compatibility/2006">
+        <mc:Choice xmlns:a14="http://schemas.microsoft.com/office/drawing/2010/main" Requires="a14">
+          <p:sp>
+            <p:nvSpPr>
+              <p:cNvPr id="27" name="Textfeld 26">
+                <a:extLst>
+                  <a:ext uri="{FF2B5EF4-FFF2-40B4-BE49-F238E27FC236}">
+                    <a16:creationId xmlns:a16="http://schemas.microsoft.com/office/drawing/2014/main" id="{47342757-EC01-4418-BEC8-57BE748C956F}"/>
+                  </a:ext>
+                </a:extLst>
+              </p:cNvPr>
+              <p:cNvSpPr txBox="1"/>
+              <p:nvPr/>
+            </p:nvSpPr>
+            <p:spPr>
+              <a:xfrm>
+                <a:off x="2771985" y="4010847"/>
+                <a:ext cx="370038" cy="369332"/>
+              </a:xfrm>
+              <a:prstGeom prst="rect">
+                <a:avLst/>
+              </a:prstGeom>
+              <a:noFill/>
+            </p:spPr>
+            <p:txBody>
+              <a:bodyPr wrap="none" rtlCol="0">
+                <a:spAutoFit/>
+              </a:bodyPr>
+              <a:lstStyle/>
+              <a:p>
+                <a14:m>
+                  <m:oMathPara xmlns:m="http://schemas.openxmlformats.org/officeDocument/2006/math">
+                    <m:oMathParaPr>
+                      <m:jc m:val="centerGroup"/>
+                    </m:oMathParaPr>
+                    <m:oMath xmlns:m="http://schemas.openxmlformats.org/officeDocument/2006/math">
+                      <m:r>
+                        <a:rPr lang="de-DE" i="1" dirty="0">
+                          <a:solidFill>
+                            <a:srgbClr val="92D050"/>
+                          </a:solidFill>
+                          <a:latin typeface="Cambria Math" panose="02040503050406030204" pitchFamily="18" charset="0"/>
+                        </a:rPr>
+                        <m:t>𝛿</m:t>
+                      </m:r>
+                    </m:oMath>
+                  </m:oMathPara>
+                </a14:m>
+                <a:endParaRPr lang="de-DE" dirty="0"/>
+              </a:p>
+            </p:txBody>
+          </p:sp>
+        </mc:Choice>
+        <mc:Fallback>
+          <p:sp>
+            <p:nvSpPr>
+              <p:cNvPr id="27" name="Textfeld 26">
+                <a:extLst>
+                  <a:ext uri="{FF2B5EF4-FFF2-40B4-BE49-F238E27FC236}">
+                    <a16:creationId xmlns:a16="http://schemas.microsoft.com/office/drawing/2014/main" id="{47342757-EC01-4418-BEC8-57BE748C956F}"/>
+                  </a:ext>
+                </a:extLst>
+              </p:cNvPr>
+              <p:cNvSpPr txBox="1">
+                <a:spLocks noRot="1" noChangeAspect="1" noMove="1" noResize="1" noEditPoints="1" noAdjustHandles="1" noChangeArrowheads="1" noChangeShapeType="1" noTextEdit="1"/>
+              </p:cNvSpPr>
+              <p:nvPr/>
+            </p:nvSpPr>
+            <p:spPr>
+              <a:xfrm>
+                <a:off x="2771985" y="4010847"/>
+                <a:ext cx="370038" cy="369332"/>
+              </a:xfrm>
+              <a:prstGeom prst="rect">
+                <a:avLst/>
+              </a:prstGeom>
+              <a:blipFill>
+                <a:blip r:embed="rId6"/>
+                <a:stretch>
+                  <a:fillRect/>
+                </a:stretch>
+              </a:blipFill>
+            </p:spPr>
+            <p:txBody>
+              <a:bodyPr/>
+              <a:lstStyle/>
+              <a:p>
+                <a:r>
+                  <a:rPr lang="de-DE">
+                    <a:noFill/>
+                  </a:rPr>
+                  <a:t> </a:t>
+                </a:r>
+              </a:p>
+            </p:txBody>
+          </p:sp>
+        </mc:Fallback>
+      </mc:AlternateContent>
+    </p:spTree>
+    <p:extLst>
+      <p:ext uri="{BB962C8B-B14F-4D97-AF65-F5344CB8AC3E}">
+        <p14:creationId xmlns:p14="http://schemas.microsoft.com/office/powerpoint/2010/main" val="247424518"/>
       </p:ext>
     </p:extLst>
   </p:cSld>
